--- a/卒業論文/2016/川崎貴雅/卒論発表/1442043_川崎貴雅_最終発表スライド.pptx
+++ b/卒業論文/2016/川崎貴雅/卒論発表/1442043_川崎貴雅_最終発表スライド.pptx
@@ -4,21 +4,33 @@
   <p:sldMasterIdLst>
     <p:sldMasterId id="2147483648" r:id="rId1"/>
   </p:sldMasterIdLst>
+  <p:handoutMasterIdLst>
+    <p:handoutMasterId r:id="rId22"/>
+  </p:handoutMasterIdLst>
   <p:sldIdLst>
     <p:sldId id="256" r:id="rId2"/>
     <p:sldId id="257" r:id="rId3"/>
-    <p:sldId id="258" r:id="rId4"/>
-    <p:sldId id="259" r:id="rId5"/>
-    <p:sldId id="260" r:id="rId6"/>
-    <p:sldId id="261" r:id="rId7"/>
-    <p:sldId id="262" r:id="rId8"/>
-    <p:sldId id="263" r:id="rId9"/>
-    <p:sldId id="264" r:id="rId10"/>
-    <p:sldId id="265" r:id="rId11"/>
-    <p:sldId id="266" r:id="rId12"/>
+    <p:sldId id="268" r:id="rId4"/>
+    <p:sldId id="270" r:id="rId5"/>
+    <p:sldId id="269" r:id="rId6"/>
+    <p:sldId id="271" r:id="rId7"/>
+    <p:sldId id="258" r:id="rId8"/>
+    <p:sldId id="259" r:id="rId9"/>
+    <p:sldId id="260" r:id="rId10"/>
+    <p:sldId id="277" r:id="rId11"/>
+    <p:sldId id="276" r:id="rId12"/>
+    <p:sldId id="261" r:id="rId13"/>
+    <p:sldId id="262" r:id="rId14"/>
+    <p:sldId id="272" r:id="rId15"/>
+    <p:sldId id="273" r:id="rId16"/>
+    <p:sldId id="274" r:id="rId17"/>
+    <p:sldId id="264" r:id="rId18"/>
+    <p:sldId id="275" r:id="rId19"/>
+    <p:sldId id="278" r:id="rId20"/>
+    <p:sldId id="266" r:id="rId21"/>
   </p:sldIdLst>
   <p:sldSz cx="12192000" cy="6858000"/>
-  <p:notesSz cx="6858000" cy="9144000"/>
+  <p:notesSz cx="6797675" cy="9926638"/>
   <p:defaultTextStyle>
     <a:defPPr>
       <a:defRPr lang="ja-JP"/>
@@ -122,6 +134,171 @@
 </p:presentation>
 </file>
 
+<file path=ppt/handoutMasters/handoutMaster1.xml><?xml version="1.0" encoding="utf-8"?>
+<p:handoutMaster xmlns:a="http://schemas.openxmlformats.org/drawingml/2006/main" xmlns:r="http://schemas.openxmlformats.org/officeDocument/2006/relationships" xmlns:p="http://schemas.openxmlformats.org/presentationml/2006/main">
+  <p:cSld>
+    <p:bg>
+      <p:bgRef idx="1001">
+        <a:schemeClr val="bg1"/>
+      </p:bgRef>
+    </p:bg>
+    <p:spTree>
+      <p:nvGrpSpPr>
+        <p:cNvPr id="1" name=""/>
+        <p:cNvGrpSpPr/>
+        <p:nvPr/>
+      </p:nvGrpSpPr>
+      <p:grpSpPr>
+        <a:xfrm>
+          <a:off x="0" y="0"/>
+          <a:ext cx="0" cy="0"/>
+          <a:chOff x="0" y="0"/>
+          <a:chExt cx="0" cy="0"/>
+        </a:xfrm>
+      </p:grpSpPr>
+      <p:sp>
+        <p:nvSpPr>
+          <p:cNvPr id="2" name="ヘッダー プレースホルダー 1"/>
+          <p:cNvSpPr>
+            <a:spLocks noGrp="1"/>
+          </p:cNvSpPr>
+          <p:nvPr>
+            <p:ph type="hdr" sz="quarter"/>
+          </p:nvPr>
+        </p:nvSpPr>
+        <p:spPr>
+          <a:xfrm>
+            <a:off x="0" y="0"/>
+            <a:ext cx="2945659" cy="498056"/>
+          </a:xfrm>
+          <a:prstGeom prst="rect">
+            <a:avLst/>
+          </a:prstGeom>
+        </p:spPr>
+        <p:txBody>
+          <a:bodyPr vert="horz" lIns="91440" tIns="45720" rIns="91440" bIns="45720" rtlCol="0"/>
+          <a:lstStyle>
+            <a:lvl1pPr algn="l">
+              <a:defRPr sz="1200"/>
+            </a:lvl1pPr>
+          </a:lstStyle>
+          <a:p>
+            <a:endParaRPr kumimoji="1" lang="ja-JP" altLang="en-US"/>
+          </a:p>
+        </p:txBody>
+      </p:sp>
+      <p:sp>
+        <p:nvSpPr>
+          <p:cNvPr id="3" name="日付プレースホルダー 2"/>
+          <p:cNvSpPr>
+            <a:spLocks noGrp="1"/>
+          </p:cNvSpPr>
+          <p:nvPr>
+            <p:ph type="dt" sz="quarter" idx="1"/>
+          </p:nvPr>
+        </p:nvSpPr>
+        <p:spPr>
+          <a:xfrm>
+            <a:off x="3850443" y="0"/>
+            <a:ext cx="2945659" cy="498056"/>
+          </a:xfrm>
+          <a:prstGeom prst="rect">
+            <a:avLst/>
+          </a:prstGeom>
+        </p:spPr>
+        <p:txBody>
+          <a:bodyPr vert="horz" lIns="91440" tIns="45720" rIns="91440" bIns="45720" rtlCol="0"/>
+          <a:lstStyle>
+            <a:lvl1pPr algn="r">
+              <a:defRPr sz="1200"/>
+            </a:lvl1pPr>
+          </a:lstStyle>
+          <a:p>
+            <a:fld id="{0BD5AD47-7B52-4269-AC00-8F48394DF91A}" type="datetimeFigureOut">
+              <a:rPr kumimoji="1" lang="ja-JP" altLang="en-US" smtClean="0"/>
+              <a:t>2018/2/8</a:t>
+            </a:fld>
+            <a:endParaRPr kumimoji="1" lang="ja-JP" altLang="en-US"/>
+          </a:p>
+        </p:txBody>
+      </p:sp>
+      <p:sp>
+        <p:nvSpPr>
+          <p:cNvPr id="4" name="フッター プレースホルダー 3"/>
+          <p:cNvSpPr>
+            <a:spLocks noGrp="1"/>
+          </p:cNvSpPr>
+          <p:nvPr>
+            <p:ph type="ftr" sz="quarter" idx="2"/>
+          </p:nvPr>
+        </p:nvSpPr>
+        <p:spPr>
+          <a:xfrm>
+            <a:off x="0" y="9428584"/>
+            <a:ext cx="2945659" cy="498055"/>
+          </a:xfrm>
+          <a:prstGeom prst="rect">
+            <a:avLst/>
+          </a:prstGeom>
+        </p:spPr>
+        <p:txBody>
+          <a:bodyPr vert="horz" lIns="91440" tIns="45720" rIns="91440" bIns="45720" rtlCol="0" anchor="b"/>
+          <a:lstStyle>
+            <a:lvl1pPr algn="l">
+              <a:defRPr sz="1200"/>
+            </a:lvl1pPr>
+          </a:lstStyle>
+          <a:p>
+            <a:endParaRPr kumimoji="1" lang="ja-JP" altLang="en-US"/>
+          </a:p>
+        </p:txBody>
+      </p:sp>
+      <p:sp>
+        <p:nvSpPr>
+          <p:cNvPr id="5" name="スライド番号プレースホルダー 4"/>
+          <p:cNvSpPr>
+            <a:spLocks noGrp="1"/>
+          </p:cNvSpPr>
+          <p:nvPr>
+            <p:ph type="sldNum" sz="quarter" idx="3"/>
+          </p:nvPr>
+        </p:nvSpPr>
+        <p:spPr>
+          <a:xfrm>
+            <a:off x="3850443" y="9428584"/>
+            <a:ext cx="2945659" cy="498055"/>
+          </a:xfrm>
+          <a:prstGeom prst="rect">
+            <a:avLst/>
+          </a:prstGeom>
+        </p:spPr>
+        <p:txBody>
+          <a:bodyPr vert="horz" lIns="91440" tIns="45720" rIns="91440" bIns="45720" rtlCol="0" anchor="b"/>
+          <a:lstStyle>
+            <a:lvl1pPr algn="r">
+              <a:defRPr sz="1200"/>
+            </a:lvl1pPr>
+          </a:lstStyle>
+          <a:p>
+            <a:fld id="{45934A7E-D498-470C-BD36-BE2248B62ADD}" type="slidenum">
+              <a:rPr kumimoji="1" lang="ja-JP" altLang="en-US" smtClean="0"/>
+              <a:t>‹#›</a:t>
+            </a:fld>
+            <a:endParaRPr kumimoji="1" lang="ja-JP" altLang="en-US"/>
+          </a:p>
+        </p:txBody>
+      </p:sp>
+    </p:spTree>
+    <p:extLst>
+      <p:ext uri="{BB962C8B-B14F-4D97-AF65-F5344CB8AC3E}">
+        <p14:creationId xmlns:p14="http://schemas.microsoft.com/office/powerpoint/2010/main" val="1085965382"/>
+      </p:ext>
+    </p:extLst>
+  </p:cSld>
+  <p:clrMap bg1="lt1" tx1="dk1" bg2="lt2" tx2="dk2" accent1="accent1" accent2="accent2" accent3="accent3" accent4="accent4" accent5="accent5" accent6="accent6" hlink="hlink" folHlink="folHlink"/>
+</p:handoutMaster>
+</file>
+
 <file path=ppt/slideLayouts/slideLayout1.xml><?xml version="1.0" encoding="utf-8"?>
 <p:sldLayout xmlns:a="http://schemas.openxmlformats.org/drawingml/2006/main" xmlns:r="http://schemas.openxmlformats.org/officeDocument/2006/relationships" xmlns:p="http://schemas.openxmlformats.org/presentationml/2006/main" type="title" preserve="1">
   <p:cSld name="タイトル スライド">
@@ -253,7 +430,7 @@
           <a:p>
             <a:fld id="{9A5B3576-7822-4A1D-B0FB-44D582297103}" type="datetimeFigureOut">
               <a:rPr kumimoji="1" lang="ja-JP" altLang="en-US" smtClean="0"/>
-              <a:t>2018/2/3</a:t>
+              <a:t>2018/2/8</a:t>
             </a:fld>
             <a:endParaRPr kumimoji="1" lang="ja-JP" altLang="en-US"/>
           </a:p>
@@ -455,7 +632,7 @@
           <a:p>
             <a:fld id="{9A5B3576-7822-4A1D-B0FB-44D582297103}" type="datetimeFigureOut">
               <a:rPr kumimoji="1" lang="ja-JP" altLang="en-US" smtClean="0"/>
-              <a:t>2018/2/3</a:t>
+              <a:t>2018/2/8</a:t>
             </a:fld>
             <a:endParaRPr kumimoji="1" lang="ja-JP" altLang="en-US"/>
           </a:p>
@@ -667,7 +844,7 @@
           <a:p>
             <a:fld id="{9A5B3576-7822-4A1D-B0FB-44D582297103}" type="datetimeFigureOut">
               <a:rPr kumimoji="1" lang="ja-JP" altLang="en-US" smtClean="0"/>
-              <a:t>2018/2/3</a:t>
+              <a:t>2018/2/8</a:t>
             </a:fld>
             <a:endParaRPr kumimoji="1" lang="ja-JP" altLang="en-US"/>
           </a:p>
@@ -869,7 +1046,7 @@
           <a:p>
             <a:fld id="{9A5B3576-7822-4A1D-B0FB-44D582297103}" type="datetimeFigureOut">
               <a:rPr kumimoji="1" lang="ja-JP" altLang="en-US" smtClean="0"/>
-              <a:t>2018/2/3</a:t>
+              <a:t>2018/2/8</a:t>
             </a:fld>
             <a:endParaRPr kumimoji="1" lang="ja-JP" altLang="en-US"/>
           </a:p>
@@ -1115,7 +1292,7 @@
           <a:p>
             <a:fld id="{9A5B3576-7822-4A1D-B0FB-44D582297103}" type="datetimeFigureOut">
               <a:rPr kumimoji="1" lang="ja-JP" altLang="en-US" smtClean="0"/>
-              <a:t>2018/2/3</a:t>
+              <a:t>2018/2/8</a:t>
             </a:fld>
             <a:endParaRPr kumimoji="1" lang="ja-JP" altLang="en-US"/>
           </a:p>
@@ -1411,7 +1588,7 @@
           <a:p>
             <a:fld id="{9A5B3576-7822-4A1D-B0FB-44D582297103}" type="datetimeFigureOut">
               <a:rPr kumimoji="1" lang="ja-JP" altLang="en-US" smtClean="0"/>
-              <a:t>2018/2/3</a:t>
+              <a:t>2018/2/8</a:t>
             </a:fld>
             <a:endParaRPr kumimoji="1" lang="ja-JP" altLang="en-US"/>
           </a:p>
@@ -1842,7 +2019,7 @@
           <a:p>
             <a:fld id="{9A5B3576-7822-4A1D-B0FB-44D582297103}" type="datetimeFigureOut">
               <a:rPr kumimoji="1" lang="ja-JP" altLang="en-US" smtClean="0"/>
-              <a:t>2018/2/3</a:t>
+              <a:t>2018/2/8</a:t>
             </a:fld>
             <a:endParaRPr kumimoji="1" lang="ja-JP" altLang="en-US"/>
           </a:p>
@@ -1960,7 +2137,7 @@
           <a:p>
             <a:fld id="{9A5B3576-7822-4A1D-B0FB-44D582297103}" type="datetimeFigureOut">
               <a:rPr kumimoji="1" lang="ja-JP" altLang="en-US" smtClean="0"/>
-              <a:t>2018/2/3</a:t>
+              <a:t>2018/2/8</a:t>
             </a:fld>
             <a:endParaRPr kumimoji="1" lang="ja-JP" altLang="en-US"/>
           </a:p>
@@ -2055,7 +2232,7 @@
           <a:p>
             <a:fld id="{9A5B3576-7822-4A1D-B0FB-44D582297103}" type="datetimeFigureOut">
               <a:rPr kumimoji="1" lang="ja-JP" altLang="en-US" smtClean="0"/>
-              <a:t>2018/2/3</a:t>
+              <a:t>2018/2/8</a:t>
             </a:fld>
             <a:endParaRPr kumimoji="1" lang="ja-JP" altLang="en-US"/>
           </a:p>
@@ -2364,7 +2541,7 @@
           <a:p>
             <a:fld id="{9A5B3576-7822-4A1D-B0FB-44D582297103}" type="datetimeFigureOut">
               <a:rPr kumimoji="1" lang="ja-JP" altLang="en-US" smtClean="0"/>
-              <a:t>2018/2/3</a:t>
+              <a:t>2018/2/8</a:t>
             </a:fld>
             <a:endParaRPr kumimoji="1" lang="ja-JP" altLang="en-US"/>
           </a:p>
@@ -2617,7 +2794,7 @@
           <a:p>
             <a:fld id="{9A5B3576-7822-4A1D-B0FB-44D582297103}" type="datetimeFigureOut">
               <a:rPr kumimoji="1" lang="ja-JP" altLang="en-US" smtClean="0"/>
-              <a:t>2018/2/3</a:t>
+              <a:t>2018/2/8</a:t>
             </a:fld>
             <a:endParaRPr kumimoji="1" lang="ja-JP" altLang="en-US"/>
           </a:p>
@@ -2862,7 +3039,7 @@
           <a:p>
             <a:fld id="{9A5B3576-7822-4A1D-B0FB-44D582297103}" type="datetimeFigureOut">
               <a:rPr kumimoji="1" lang="ja-JP" altLang="en-US" smtClean="0"/>
-              <a:t>2018/2/3</a:t>
+              <a:t>2018/2/8</a:t>
             </a:fld>
             <a:endParaRPr kumimoji="1" lang="ja-JP" altLang="en-US"/>
           </a:p>
@@ -3314,7 +3491,7 @@
         <p:spPr/>
         <p:txBody>
           <a:bodyPr>
-            <a:normAutofit lnSpcReduction="10000"/>
+            <a:normAutofit fontScale="85000" lnSpcReduction="20000"/>
           </a:bodyPr>
           <a:lstStyle/>
           <a:p>
@@ -3328,6 +3505,17 @@
             <a:r>
               <a:rPr kumimoji="1" lang="ja-JP" altLang="en-US" sz="3200" dirty="0" smtClean="0"/>
               <a:t>矢吹研究室</a:t>
+            </a:r>
+            <a:endParaRPr kumimoji="1" lang="en-US" altLang="ja-JP" sz="3200" dirty="0" smtClean="0"/>
+          </a:p>
+          <a:p>
+            <a:r>
+              <a:rPr lang="en-US" altLang="ja-JP" sz="3200" dirty="0" smtClean="0"/>
+              <a:t>144204</a:t>
+            </a:r>
+            <a:r>
+              <a:rPr lang="en-US" altLang="ja-JP" sz="3200" dirty="0"/>
+              <a:t>3</a:t>
             </a:r>
             <a:endParaRPr kumimoji="1" lang="en-US" altLang="ja-JP" sz="3200" dirty="0" smtClean="0"/>
           </a:p>
@@ -3350,6 +3538,13 @@
   <p:clrMapOvr>
     <a:masterClrMapping/>
   </p:clrMapOvr>
+  <p:timing>
+    <p:tnLst>
+      <p:par>
+        <p:cTn id="1" dur="indefinite" restart="never" nodeType="tmRoot"/>
+      </p:par>
+    </p:tnLst>
+  </p:timing>
 </p:sld>
 </file>
 
@@ -3372,7 +3567,482 @@
       </p:grpSpPr>
       <p:sp>
         <p:nvSpPr>
-          <p:cNvPr id="2" name="タイトル 1"/>
+          <p:cNvPr id="6" name="スマイル 5"/>
+          <p:cNvSpPr/>
+          <p:nvPr/>
+        </p:nvSpPr>
+        <p:spPr>
+          <a:xfrm>
+            <a:off x="1337958" y="3321106"/>
+            <a:ext cx="914400" cy="914400"/>
+          </a:xfrm>
+          <a:prstGeom prst="smileyFace">
+            <a:avLst/>
+          </a:prstGeom>
+        </p:spPr>
+        <p:style>
+          <a:lnRef idx="2">
+            <a:schemeClr val="dk1"/>
+          </a:lnRef>
+          <a:fillRef idx="1">
+            <a:schemeClr val="lt1"/>
+          </a:fillRef>
+          <a:effectRef idx="0">
+            <a:schemeClr val="dk1"/>
+          </a:effectRef>
+          <a:fontRef idx="minor">
+            <a:schemeClr val="dk1"/>
+          </a:fontRef>
+        </p:style>
+        <p:txBody>
+          <a:bodyPr rtlCol="0" anchor="ctr"/>
+          <a:lstStyle/>
+          <a:p>
+            <a:pPr algn="ctr"/>
+            <a:endParaRPr kumimoji="1" lang="ja-JP" altLang="en-US"/>
+          </a:p>
+        </p:txBody>
+      </p:sp>
+      <p:sp>
+        <p:nvSpPr>
+          <p:cNvPr id="7" name="スマイル 6"/>
+          <p:cNvSpPr/>
+          <p:nvPr/>
+        </p:nvSpPr>
+        <p:spPr>
+          <a:xfrm>
+            <a:off x="5202371" y="4191863"/>
+            <a:ext cx="914400" cy="914400"/>
+          </a:xfrm>
+          <a:prstGeom prst="smileyFace">
+            <a:avLst/>
+          </a:prstGeom>
+        </p:spPr>
+        <p:style>
+          <a:lnRef idx="2">
+            <a:schemeClr val="dk1"/>
+          </a:lnRef>
+          <a:fillRef idx="1">
+            <a:schemeClr val="lt1"/>
+          </a:fillRef>
+          <a:effectRef idx="0">
+            <a:schemeClr val="dk1"/>
+          </a:effectRef>
+          <a:fontRef idx="minor">
+            <a:schemeClr val="dk1"/>
+          </a:fontRef>
+        </p:style>
+        <p:txBody>
+          <a:bodyPr rtlCol="0" anchor="ctr"/>
+          <a:lstStyle/>
+          <a:p>
+            <a:pPr algn="ctr"/>
+            <a:endParaRPr kumimoji="1" lang="ja-JP" altLang="en-US"/>
+          </a:p>
+        </p:txBody>
+      </p:sp>
+      <p:sp>
+        <p:nvSpPr>
+          <p:cNvPr id="9" name="スマイル 8"/>
+          <p:cNvSpPr/>
+          <p:nvPr/>
+        </p:nvSpPr>
+        <p:spPr>
+          <a:xfrm>
+            <a:off x="5202371" y="2645575"/>
+            <a:ext cx="914400" cy="914400"/>
+          </a:xfrm>
+          <a:prstGeom prst="smileyFace">
+            <a:avLst/>
+          </a:prstGeom>
+        </p:spPr>
+        <p:style>
+          <a:lnRef idx="2">
+            <a:schemeClr val="dk1"/>
+          </a:lnRef>
+          <a:fillRef idx="1">
+            <a:schemeClr val="lt1"/>
+          </a:fillRef>
+          <a:effectRef idx="0">
+            <a:schemeClr val="dk1"/>
+          </a:effectRef>
+          <a:fontRef idx="minor">
+            <a:schemeClr val="dk1"/>
+          </a:fontRef>
+        </p:style>
+        <p:txBody>
+          <a:bodyPr rtlCol="0" anchor="ctr"/>
+          <a:lstStyle/>
+          <a:p>
+            <a:pPr algn="ctr"/>
+            <a:endParaRPr kumimoji="1" lang="ja-JP" altLang="en-US"/>
+          </a:p>
+        </p:txBody>
+      </p:sp>
+      <p:sp>
+        <p:nvSpPr>
+          <p:cNvPr id="12" name="テキスト ボックス 11"/>
+          <p:cNvSpPr txBox="1"/>
+          <p:nvPr/>
+        </p:nvSpPr>
+        <p:spPr>
+          <a:xfrm>
+            <a:off x="1178643" y="4692706"/>
+            <a:ext cx="1233030" cy="369332"/>
+          </a:xfrm>
+          <a:prstGeom prst="rect">
+            <a:avLst/>
+          </a:prstGeom>
+          <a:noFill/>
+        </p:spPr>
+        <p:txBody>
+          <a:bodyPr wrap="none" rtlCol="0">
+            <a:spAutoFit/>
+          </a:bodyPr>
+          <a:lstStyle/>
+          <a:p>
+            <a:r>
+              <a:rPr lang="ja-JP" altLang="en-US" dirty="0" smtClean="0"/>
+              <a:t>つぶやく</a:t>
+            </a:r>
+            <a:r>
+              <a:rPr lang="ja-JP" altLang="en-US" dirty="0"/>
+              <a:t>人</a:t>
+            </a:r>
+            <a:endParaRPr kumimoji="1" lang="ja-JP" altLang="en-US" dirty="0"/>
+          </a:p>
+        </p:txBody>
+      </p:sp>
+      <p:sp>
+        <p:nvSpPr>
+          <p:cNvPr id="13" name="テキスト ボックス 12"/>
+          <p:cNvSpPr txBox="1"/>
+          <p:nvPr/>
+        </p:nvSpPr>
+        <p:spPr>
+          <a:xfrm>
+            <a:off x="4925521" y="6187281"/>
+            <a:ext cx="1933543" cy="369332"/>
+          </a:xfrm>
+          <a:prstGeom prst="rect">
+            <a:avLst/>
+          </a:prstGeom>
+          <a:noFill/>
+        </p:spPr>
+        <p:txBody>
+          <a:bodyPr wrap="none" rtlCol="0">
+            <a:spAutoFit/>
+          </a:bodyPr>
+          <a:lstStyle/>
+          <a:p>
+            <a:r>
+              <a:rPr lang="ja-JP" altLang="en-US" dirty="0" smtClean="0"/>
+              <a:t>つぶやきを見た人</a:t>
+            </a:r>
+            <a:endParaRPr kumimoji="1" lang="ja-JP" altLang="en-US" dirty="0"/>
+          </a:p>
+        </p:txBody>
+      </p:sp>
+      <p:sp>
+        <p:nvSpPr>
+          <p:cNvPr id="17" name="スマイル 16"/>
+          <p:cNvSpPr/>
+          <p:nvPr/>
+        </p:nvSpPr>
+        <p:spPr>
+          <a:xfrm>
+            <a:off x="9590863" y="2689218"/>
+            <a:ext cx="914400" cy="914400"/>
+          </a:xfrm>
+          <a:prstGeom prst="smileyFace">
+            <a:avLst/>
+          </a:prstGeom>
+        </p:spPr>
+        <p:style>
+          <a:lnRef idx="2">
+            <a:schemeClr val="dk1"/>
+          </a:lnRef>
+          <a:fillRef idx="1">
+            <a:schemeClr val="lt1"/>
+          </a:fillRef>
+          <a:effectRef idx="0">
+            <a:schemeClr val="dk1"/>
+          </a:effectRef>
+          <a:fontRef idx="minor">
+            <a:schemeClr val="dk1"/>
+          </a:fontRef>
+        </p:style>
+        <p:txBody>
+          <a:bodyPr rtlCol="0" anchor="ctr"/>
+          <a:lstStyle/>
+          <a:p>
+            <a:pPr algn="ctr"/>
+            <a:endParaRPr kumimoji="1" lang="ja-JP" altLang="en-US"/>
+          </a:p>
+        </p:txBody>
+      </p:sp>
+      <p:sp>
+        <p:nvSpPr>
+          <p:cNvPr id="18" name="スマイル 17"/>
+          <p:cNvSpPr/>
+          <p:nvPr/>
+        </p:nvSpPr>
+        <p:spPr>
+          <a:xfrm>
+            <a:off x="9590863" y="4235506"/>
+            <a:ext cx="914400" cy="914400"/>
+          </a:xfrm>
+          <a:prstGeom prst="smileyFace">
+            <a:avLst/>
+          </a:prstGeom>
+        </p:spPr>
+        <p:style>
+          <a:lnRef idx="2">
+            <a:schemeClr val="dk1"/>
+          </a:lnRef>
+          <a:fillRef idx="1">
+            <a:schemeClr val="lt1"/>
+          </a:fillRef>
+          <a:effectRef idx="0">
+            <a:schemeClr val="dk1"/>
+          </a:effectRef>
+          <a:fontRef idx="minor">
+            <a:schemeClr val="dk1"/>
+          </a:fontRef>
+        </p:style>
+        <p:txBody>
+          <a:bodyPr rtlCol="0" anchor="ctr"/>
+          <a:lstStyle/>
+          <a:p>
+            <a:pPr algn="ctr"/>
+            <a:endParaRPr kumimoji="1" lang="ja-JP" altLang="en-US"/>
+          </a:p>
+        </p:txBody>
+      </p:sp>
+      <p:sp>
+        <p:nvSpPr>
+          <p:cNvPr id="20" name="テキスト ボックス 19"/>
+          <p:cNvSpPr txBox="1"/>
+          <p:nvPr/>
+        </p:nvSpPr>
+        <p:spPr>
+          <a:xfrm>
+            <a:off x="9408254" y="6187281"/>
+            <a:ext cx="1291700" cy="369332"/>
+          </a:xfrm>
+          <a:prstGeom prst="rect">
+            <a:avLst/>
+          </a:prstGeom>
+          <a:noFill/>
+        </p:spPr>
+        <p:txBody>
+          <a:bodyPr wrap="none" rtlCol="0">
+            <a:spAutoFit/>
+          </a:bodyPr>
+          <a:lstStyle/>
+          <a:p>
+            <a:r>
+              <a:rPr lang="en-US" altLang="ja-JP" dirty="0" smtClean="0"/>
+              <a:t>R</a:t>
+            </a:r>
+            <a:r>
+              <a:rPr lang="en-US" altLang="ja-JP" dirty="0"/>
+              <a:t>T</a:t>
+            </a:r>
+            <a:r>
+              <a:rPr lang="ja-JP" altLang="en-US" dirty="0" smtClean="0"/>
+              <a:t>を見た人</a:t>
+            </a:r>
+            <a:endParaRPr kumimoji="1" lang="ja-JP" altLang="en-US" dirty="0"/>
+          </a:p>
+        </p:txBody>
+      </p:sp>
+      <p:sp>
+        <p:nvSpPr>
+          <p:cNvPr id="21" name="円形吹き出し 20"/>
+          <p:cNvSpPr/>
+          <p:nvPr/>
+        </p:nvSpPr>
+        <p:spPr>
+          <a:xfrm>
+            <a:off x="7044048" y="1251303"/>
+            <a:ext cx="2084832" cy="1591056"/>
+          </a:xfrm>
+          <a:prstGeom prst="wedgeEllipseCallout">
+            <a:avLst>
+              <a:gd name="adj1" fmla="val -11184"/>
+              <a:gd name="adj2" fmla="val 70546"/>
+            </a:avLst>
+          </a:prstGeom>
+          <a:noFill/>
+        </p:spPr>
+        <p:style>
+          <a:lnRef idx="2">
+            <a:schemeClr val="dk1"/>
+          </a:lnRef>
+          <a:fillRef idx="1">
+            <a:schemeClr val="lt1"/>
+          </a:fillRef>
+          <a:effectRef idx="0">
+            <a:schemeClr val="dk1"/>
+          </a:effectRef>
+          <a:fontRef idx="minor">
+            <a:schemeClr val="dk1"/>
+          </a:fontRef>
+        </p:style>
+        <p:txBody>
+          <a:bodyPr rtlCol="0" anchor="ctr"/>
+          <a:lstStyle/>
+          <a:p>
+            <a:pPr algn="ctr"/>
+            <a:r>
+              <a:rPr kumimoji="1" lang="en-US" altLang="ja-JP" dirty="0" smtClean="0"/>
+              <a:t>RT</a:t>
+            </a:r>
+            <a:r>
+              <a:rPr kumimoji="1" lang="ja-JP" altLang="en-US" dirty="0" smtClean="0"/>
+              <a:t>を行う確率</a:t>
+            </a:r>
+            <a:r>
+              <a:rPr kumimoji="1" lang="en-US" altLang="ja-JP" dirty="0" smtClean="0"/>
+              <a:t>0.5</a:t>
+            </a:r>
+            <a:endParaRPr kumimoji="1" lang="ja-JP" altLang="en-US" dirty="0"/>
+          </a:p>
+        </p:txBody>
+      </p:sp>
+      <p:sp>
+        <p:nvSpPr>
+          <p:cNvPr id="30" name="右矢印 29"/>
+          <p:cNvSpPr/>
+          <p:nvPr/>
+        </p:nvSpPr>
+        <p:spPr>
+          <a:xfrm rot="20765162">
+            <a:off x="7028346" y="3236667"/>
+            <a:ext cx="1700784" cy="457200"/>
+          </a:xfrm>
+          <a:prstGeom prst="rightArrow">
+            <a:avLst/>
+          </a:prstGeom>
+          <a:solidFill>
+            <a:schemeClr val="tx1"/>
+          </a:solidFill>
+        </p:spPr>
+        <p:style>
+          <a:lnRef idx="2">
+            <a:schemeClr val="accent1">
+              <a:shade val="50000"/>
+            </a:schemeClr>
+          </a:lnRef>
+          <a:fillRef idx="1">
+            <a:schemeClr val="accent1"/>
+          </a:fillRef>
+          <a:effectRef idx="0">
+            <a:schemeClr val="accent1"/>
+          </a:effectRef>
+          <a:fontRef idx="minor">
+            <a:schemeClr val="lt1"/>
+          </a:fontRef>
+        </p:style>
+        <p:txBody>
+          <a:bodyPr rtlCol="0" anchor="ctr"/>
+          <a:lstStyle/>
+          <a:p>
+            <a:pPr algn="ctr"/>
+            <a:endParaRPr kumimoji="1" lang="ja-JP" altLang="en-US"/>
+          </a:p>
+        </p:txBody>
+      </p:sp>
+      <p:sp>
+        <p:nvSpPr>
+          <p:cNvPr id="31" name="右矢印 30"/>
+          <p:cNvSpPr/>
+          <p:nvPr/>
+        </p:nvSpPr>
+        <p:spPr>
+          <a:xfrm rot="639152">
+            <a:off x="7030762" y="4208030"/>
+            <a:ext cx="1700784" cy="457200"/>
+          </a:xfrm>
+          <a:prstGeom prst="rightArrow">
+            <a:avLst/>
+          </a:prstGeom>
+          <a:solidFill>
+            <a:schemeClr val="tx1"/>
+          </a:solidFill>
+        </p:spPr>
+        <p:style>
+          <a:lnRef idx="2">
+            <a:schemeClr val="accent1">
+              <a:shade val="50000"/>
+            </a:schemeClr>
+          </a:lnRef>
+          <a:fillRef idx="1">
+            <a:schemeClr val="accent1"/>
+          </a:fillRef>
+          <a:effectRef idx="0">
+            <a:schemeClr val="accent1"/>
+          </a:effectRef>
+          <a:fontRef idx="minor">
+            <a:schemeClr val="lt1"/>
+          </a:fontRef>
+        </p:style>
+        <p:txBody>
+          <a:bodyPr rtlCol="0" anchor="ctr"/>
+          <a:lstStyle/>
+          <a:p>
+            <a:pPr algn="ctr"/>
+            <a:endParaRPr kumimoji="1" lang="ja-JP" altLang="en-US"/>
+          </a:p>
+        </p:txBody>
+      </p:sp>
+      <p:sp>
+        <p:nvSpPr>
+          <p:cNvPr id="32" name="乗算記号 31"/>
+          <p:cNvSpPr/>
+          <p:nvPr/>
+        </p:nvSpPr>
+        <p:spPr>
+          <a:xfrm>
+            <a:off x="4960387" y="2384615"/>
+            <a:ext cx="1388956" cy="1420049"/>
+          </a:xfrm>
+          <a:prstGeom prst="mathMultiply">
+            <a:avLst/>
+          </a:prstGeom>
+          <a:solidFill>
+            <a:srgbClr val="FF0000"/>
+          </a:solidFill>
+        </p:spPr>
+        <p:style>
+          <a:lnRef idx="2">
+            <a:schemeClr val="accent1">
+              <a:shade val="50000"/>
+            </a:schemeClr>
+          </a:lnRef>
+          <a:fillRef idx="1">
+            <a:schemeClr val="accent1"/>
+          </a:fillRef>
+          <a:effectRef idx="0">
+            <a:schemeClr val="accent1"/>
+          </a:effectRef>
+          <a:fontRef idx="minor">
+            <a:schemeClr val="lt1"/>
+          </a:fontRef>
+        </p:style>
+        <p:txBody>
+          <a:bodyPr rtlCol="0" anchor="ctr"/>
+          <a:lstStyle/>
+          <a:p>
+            <a:pPr algn="ctr"/>
+            <a:endParaRPr kumimoji="1" lang="ja-JP" altLang="en-US"/>
+          </a:p>
+        </p:txBody>
+      </p:sp>
+      <p:sp>
+        <p:nvSpPr>
+          <p:cNvPr id="3" name="タイトル 2"/>
           <p:cNvSpPr>
             <a:spLocks noGrp="1"/>
           </p:cNvSpPr>
@@ -3387,136 +4057,174 @@
           <a:p>
             <a:pPr algn="ctr"/>
             <a:r>
+              <a:rPr lang="ja-JP" altLang="en-US" dirty="0"/>
+              <a:t>シミュレート手法の</a:t>
+            </a:r>
+            <a:r>
+              <a:rPr lang="ja-JP" altLang="en-US" dirty="0" smtClean="0"/>
+              <a:t>確立</a:t>
+            </a:r>
+            <a:r>
+              <a:rPr lang="en-US" altLang="ja-JP" dirty="0" smtClean="0"/>
+              <a:t>2</a:t>
+            </a:r>
+            <a:endParaRPr kumimoji="1" lang="ja-JP" altLang="en-US" dirty="0"/>
+          </a:p>
+        </p:txBody>
+      </p:sp>
+      <p:sp>
+        <p:nvSpPr>
+          <p:cNvPr id="22" name="右矢印 21"/>
+          <p:cNvSpPr/>
+          <p:nvPr/>
+        </p:nvSpPr>
+        <p:spPr>
+          <a:xfrm rot="20765162">
+            <a:off x="2837346" y="3229047"/>
+            <a:ext cx="1700784" cy="457200"/>
+          </a:xfrm>
+          <a:prstGeom prst="rightArrow">
+            <a:avLst/>
+          </a:prstGeom>
+          <a:solidFill>
+            <a:schemeClr val="tx1"/>
+          </a:solidFill>
+        </p:spPr>
+        <p:style>
+          <a:lnRef idx="2">
+            <a:schemeClr val="accent1">
+              <a:shade val="50000"/>
+            </a:schemeClr>
+          </a:lnRef>
+          <a:fillRef idx="1">
+            <a:schemeClr val="accent1"/>
+          </a:fillRef>
+          <a:effectRef idx="0">
+            <a:schemeClr val="accent1"/>
+          </a:effectRef>
+          <a:fontRef idx="minor">
+            <a:schemeClr val="lt1"/>
+          </a:fontRef>
+        </p:style>
+        <p:txBody>
+          <a:bodyPr rtlCol="0" anchor="ctr"/>
+          <a:lstStyle/>
+          <a:p>
+            <a:pPr algn="ctr"/>
+            <a:endParaRPr kumimoji="1" lang="ja-JP" altLang="en-US"/>
+          </a:p>
+        </p:txBody>
+      </p:sp>
+      <p:sp>
+        <p:nvSpPr>
+          <p:cNvPr id="23" name="右矢印 22"/>
+          <p:cNvSpPr/>
+          <p:nvPr/>
+        </p:nvSpPr>
+        <p:spPr>
+          <a:xfrm rot="639152">
+            <a:off x="2839762" y="4200410"/>
+            <a:ext cx="1700784" cy="457200"/>
+          </a:xfrm>
+          <a:prstGeom prst="rightArrow">
+            <a:avLst/>
+          </a:prstGeom>
+          <a:solidFill>
+            <a:schemeClr val="tx1"/>
+          </a:solidFill>
+        </p:spPr>
+        <p:style>
+          <a:lnRef idx="2">
+            <a:schemeClr val="accent1">
+              <a:shade val="50000"/>
+            </a:schemeClr>
+          </a:lnRef>
+          <a:fillRef idx="1">
+            <a:schemeClr val="accent1"/>
+          </a:fillRef>
+          <a:effectRef idx="0">
+            <a:schemeClr val="accent1"/>
+          </a:effectRef>
+          <a:fontRef idx="minor">
+            <a:schemeClr val="lt1"/>
+          </a:fontRef>
+        </p:style>
+        <p:txBody>
+          <a:bodyPr rtlCol="0" anchor="ctr"/>
+          <a:lstStyle/>
+          <a:p>
+            <a:pPr algn="ctr"/>
+            <a:endParaRPr kumimoji="1" lang="ja-JP" altLang="en-US"/>
+          </a:p>
+        </p:txBody>
+      </p:sp>
+      <p:sp>
+        <p:nvSpPr>
+          <p:cNvPr id="24" name="円形吹き出し 23"/>
+          <p:cNvSpPr/>
+          <p:nvPr/>
+        </p:nvSpPr>
+        <p:spPr>
+          <a:xfrm>
+            <a:off x="2030088" y="1312263"/>
+            <a:ext cx="2084832" cy="1591056"/>
+          </a:xfrm>
+          <a:prstGeom prst="wedgeEllipseCallout">
+            <a:avLst>
+              <a:gd name="adj1" fmla="val -11184"/>
+              <a:gd name="adj2" fmla="val 70546"/>
+            </a:avLst>
+          </a:prstGeom>
+          <a:noFill/>
+        </p:spPr>
+        <p:style>
+          <a:lnRef idx="2">
+            <a:schemeClr val="dk1"/>
+          </a:lnRef>
+          <a:fillRef idx="1">
+            <a:schemeClr val="lt1"/>
+          </a:fillRef>
+          <a:effectRef idx="0">
+            <a:schemeClr val="dk1"/>
+          </a:effectRef>
+          <a:fontRef idx="minor">
+            <a:schemeClr val="dk1"/>
+          </a:fontRef>
+        </p:style>
+        <p:txBody>
+          <a:bodyPr rtlCol="0" anchor="ctr"/>
+          <a:lstStyle/>
+          <a:p>
+            <a:pPr algn="ctr"/>
+            <a:r>
               <a:rPr kumimoji="1" lang="ja-JP" altLang="en-US" dirty="0" smtClean="0"/>
-              <a:t>考察</a:t>
+              <a:t>フォローする確率</a:t>
+            </a:r>
+            <a:r>
+              <a:rPr kumimoji="1" lang="en-US" altLang="ja-JP" dirty="0" smtClean="0"/>
+              <a:t>0.2</a:t>
             </a:r>
             <a:endParaRPr kumimoji="1" lang="ja-JP" altLang="en-US" dirty="0"/>
-          </a:p>
-        </p:txBody>
-      </p:sp>
-      <p:sp>
-        <p:nvSpPr>
-          <p:cNvPr id="3" name="コンテンツ プレースホルダー 2"/>
-          <p:cNvSpPr>
-            <a:spLocks noGrp="1"/>
-          </p:cNvSpPr>
-          <p:nvPr>
-            <p:ph idx="1"/>
-          </p:nvPr>
-        </p:nvSpPr>
-        <p:spPr/>
-        <p:txBody>
-          <a:bodyPr>
-            <a:normAutofit/>
-          </a:bodyPr>
-          <a:lstStyle/>
-          <a:p>
-            <a:r>
-              <a:rPr lang="en-US" altLang="ja-JP" sz="3200" dirty="0"/>
-              <a:t>10 </a:t>
-            </a:r>
-            <a:r>
-              <a:rPr lang="ja-JP" altLang="en-US" sz="3200" dirty="0"/>
-              <a:t>人でのシミュレーションのメンバ全てが</a:t>
-            </a:r>
-            <a:r>
-              <a:rPr lang="ja-JP" altLang="en-US" sz="3200" dirty="0" smtClean="0"/>
-              <a:t>ツイート</a:t>
-            </a:r>
-            <a:r>
-              <a:rPr lang="ja-JP" altLang="en-US" sz="3200" dirty="0"/>
-              <a:t>を確認できるようになるのは互いに</a:t>
-            </a:r>
-            <a:r>
-              <a:rPr lang="ja-JP" altLang="en-US" sz="3200" dirty="0" smtClean="0"/>
-              <a:t>繋がってる</a:t>
-            </a:r>
-            <a:r>
-              <a:rPr lang="ja-JP" altLang="en-US" sz="3200" dirty="0"/>
-              <a:t>確率が</a:t>
-            </a:r>
-            <a:r>
-              <a:rPr lang="en-US" altLang="ja-JP" sz="3200" dirty="0"/>
-              <a:t>0.5 </a:t>
-            </a:r>
-            <a:r>
-              <a:rPr lang="ja-JP" altLang="en-US" sz="3200" dirty="0"/>
-              <a:t>で</a:t>
-            </a:r>
-            <a:r>
-              <a:rPr lang="en-US" altLang="ja-JP" sz="3200" dirty="0"/>
-              <a:t>RT </a:t>
-            </a:r>
-            <a:r>
-              <a:rPr lang="ja-JP" altLang="en-US" sz="3200" dirty="0" smtClean="0"/>
-              <a:t>する確率</a:t>
-            </a:r>
-            <a:r>
-              <a:rPr lang="ja-JP" altLang="en-US" sz="3200" dirty="0"/>
-              <a:t>が</a:t>
-            </a:r>
-            <a:r>
-              <a:rPr lang="en-US" altLang="ja-JP" sz="3200" dirty="0"/>
-              <a:t>0.6 </a:t>
-            </a:r>
-            <a:r>
-              <a:rPr lang="ja-JP" altLang="en-US" sz="3200" dirty="0"/>
-              <a:t>のときで</a:t>
-            </a:r>
-            <a:r>
-              <a:rPr lang="ja-JP" altLang="en-US" sz="3200" dirty="0" smtClean="0"/>
-              <a:t>ある</a:t>
-            </a:r>
-            <a:r>
-              <a:rPr lang="ja-JP" altLang="en-US" sz="3200" dirty="0"/>
-              <a:t>．この場合フォローしている人間は</a:t>
-            </a:r>
-            <a:r>
-              <a:rPr lang="en-US" altLang="ja-JP" sz="3200" dirty="0"/>
-              <a:t>5 </a:t>
-            </a:r>
-            <a:r>
-              <a:rPr lang="ja-JP" altLang="en-US" sz="3200" dirty="0"/>
-              <a:t>人で，</a:t>
-            </a:r>
-            <a:r>
-              <a:rPr lang="ja-JP" altLang="en-US" sz="3200" dirty="0" smtClean="0"/>
-              <a:t>その</a:t>
-            </a:r>
-            <a:r>
-              <a:rPr lang="ja-JP" altLang="en-US" sz="3200" dirty="0"/>
-              <a:t>中で</a:t>
-            </a:r>
-            <a:r>
-              <a:rPr lang="en-US" altLang="ja-JP" sz="3200" dirty="0"/>
-              <a:t>3 </a:t>
-            </a:r>
-            <a:r>
-              <a:rPr lang="ja-JP" altLang="en-US" sz="3200" dirty="0"/>
-              <a:t>人の人間が</a:t>
-            </a:r>
-            <a:r>
-              <a:rPr lang="en-US" altLang="ja-JP" sz="3200" dirty="0"/>
-              <a:t>RT </a:t>
-            </a:r>
-            <a:r>
-              <a:rPr lang="ja-JP" altLang="en-US" sz="3200" dirty="0"/>
-              <a:t>をすると考えられる．</a:t>
-            </a:r>
-            <a:endParaRPr kumimoji="1" lang="ja-JP" altLang="en-US" sz="3200" dirty="0"/>
           </a:p>
         </p:txBody>
       </p:sp>
     </p:spTree>
     <p:extLst>
       <p:ext uri="{BB962C8B-B14F-4D97-AF65-F5344CB8AC3E}">
-        <p14:creationId xmlns:p14="http://schemas.microsoft.com/office/powerpoint/2010/main" val="267034427"/>
+        <p14:creationId xmlns:p14="http://schemas.microsoft.com/office/powerpoint/2010/main" val="284247369"/>
       </p:ext>
     </p:extLst>
   </p:cSld>
   <p:clrMapOvr>
     <a:masterClrMapping/>
   </p:clrMapOvr>
+  <p:timing>
+    <p:tnLst>
+      <p:par>
+        <p:cTn id="1" dur="indefinite" restart="never" nodeType="tmRoot"/>
+      </p:par>
+    </p:tnLst>
+  </p:timing>
 </p:sld>
 </file>
 
@@ -3555,7 +4263,11 @@
             <a:pPr algn="ctr"/>
             <a:r>
               <a:rPr kumimoji="1" lang="ja-JP" altLang="en-US" dirty="0" smtClean="0"/>
-              <a:t>結論</a:t>
+              <a:t>シミュレート手法の確立</a:t>
+            </a:r>
+            <a:r>
+              <a:rPr kumimoji="1" lang="en-US" altLang="ja-JP" dirty="0" smtClean="0"/>
+              <a:t>3</a:t>
             </a:r>
             <a:endParaRPr kumimoji="1" lang="ja-JP" altLang="en-US" dirty="0"/>
           </a:p>
@@ -3580,81 +4292,23 @@
           <a:p>
             <a:r>
               <a:rPr kumimoji="1" lang="ja-JP" altLang="en-US" sz="3200" dirty="0" smtClean="0"/>
-              <a:t>本研究では</a:t>
+              <a:t>またこのシミュレーションでは本来のユーザが</a:t>
             </a:r>
             <a:r>
               <a:rPr kumimoji="1" lang="en-US" altLang="ja-JP" sz="3200" dirty="0" smtClean="0"/>
-              <a:t>1</a:t>
-            </a:r>
-            <a:r>
-              <a:rPr lang="ja-JP" altLang="en-US" sz="3200" dirty="0"/>
-              <a:t>日のツイート数の</a:t>
-            </a:r>
-            <a:r>
-              <a:rPr lang="ja-JP" altLang="en-US" sz="3200" dirty="0" smtClean="0"/>
-              <a:t>分布とツイート</a:t>
-            </a:r>
-            <a:r>
-              <a:rPr lang="ja-JP" altLang="en-US" sz="3200" dirty="0"/>
-              <a:t>拡散の</a:t>
-            </a:r>
-            <a:r>
-              <a:rPr lang="ja-JP" altLang="en-US" sz="3200" dirty="0" smtClean="0"/>
-              <a:t>シミュレート手法</a:t>
-            </a:r>
-            <a:r>
-              <a:rPr lang="ja-JP" altLang="en-US" sz="3200" dirty="0"/>
-              <a:t>の確立を行った</a:t>
-            </a:r>
-            <a:r>
-              <a:rPr lang="ja-JP" altLang="en-US" sz="3200" dirty="0" smtClean="0"/>
-              <a:t>．</a:t>
-            </a:r>
-            <a:endParaRPr lang="en-US" altLang="ja-JP" sz="3200" dirty="0" smtClean="0"/>
-          </a:p>
-          <a:p>
-            <a:endParaRPr kumimoji="1" lang="en-US" altLang="ja-JP" sz="3200" dirty="0"/>
-          </a:p>
-          <a:p>
-            <a:r>
-              <a:rPr lang="en-US" altLang="ja-JP" sz="3200" dirty="0" smtClean="0"/>
-              <a:t>1</a:t>
-            </a:r>
-            <a:r>
-              <a:rPr lang="ja-JP" altLang="en-US" sz="3200" dirty="0" smtClean="0"/>
-              <a:t>日</a:t>
-            </a:r>
-            <a:r>
-              <a:rPr lang="ja-JP" altLang="en-US" sz="3200" dirty="0"/>
-              <a:t>あたりの</a:t>
-            </a:r>
-            <a:r>
-              <a:rPr lang="en-US" altLang="ja-JP" sz="3200" dirty="0"/>
-              <a:t>RT </a:t>
-            </a:r>
-            <a:r>
-              <a:rPr lang="ja-JP" altLang="en-US" sz="3200" dirty="0"/>
-              <a:t>数の分布と</a:t>
-            </a:r>
-            <a:r>
-              <a:rPr lang="en-US" altLang="ja-JP" sz="3200" dirty="0"/>
-              <a:t>1 </a:t>
-            </a:r>
-            <a:r>
-              <a:rPr lang="ja-JP" altLang="en-US" sz="3200" dirty="0"/>
-              <a:t>ユーザの</a:t>
-            </a:r>
-            <a:r>
-              <a:rPr lang="ja-JP" altLang="en-US" sz="3200" dirty="0" smtClean="0"/>
-              <a:t>フォロー</a:t>
-            </a:r>
-            <a:r>
-              <a:rPr lang="ja-JP" altLang="en-US" sz="3200" dirty="0"/>
-              <a:t>人数の平均が</a:t>
-            </a:r>
-            <a:r>
-              <a:rPr lang="ja-JP" altLang="en-US" sz="3200" dirty="0" smtClean="0"/>
-              <a:t>取得を行うことが出来なかったため現実近いシミュレーションを行うことは出来なかった．</a:t>
+              <a:t>4000</a:t>
+            </a:r>
+            <a:r>
+              <a:rPr kumimoji="1" lang="ja-JP" altLang="en-US" sz="3200" dirty="0" smtClean="0"/>
+              <a:t>万人居るところを</a:t>
+            </a:r>
+            <a:r>
+              <a:rPr kumimoji="1" lang="en-US" altLang="ja-JP" sz="3200" dirty="0" smtClean="0"/>
+              <a:t>10</a:t>
+            </a:r>
+            <a:r>
+              <a:rPr kumimoji="1" lang="ja-JP" altLang="en-US" sz="3200" dirty="0" smtClean="0"/>
+              <a:t>人でしか出来ていない事と，ネットワークがランダムグラフで作成されている．ネットワーク内でどれくらいツイートが行われるかが分かっていないため正確ではない．</a:t>
             </a:r>
             <a:endParaRPr kumimoji="1" lang="ja-JP" altLang="en-US" sz="3200" dirty="0"/>
           </a:p>
@@ -3663,13 +4317,4198 @@
     </p:spTree>
     <p:extLst>
       <p:ext uri="{BB962C8B-B14F-4D97-AF65-F5344CB8AC3E}">
-        <p14:creationId xmlns:p14="http://schemas.microsoft.com/office/powerpoint/2010/main" val="3113147840"/>
+        <p14:creationId xmlns:p14="http://schemas.microsoft.com/office/powerpoint/2010/main" val="3891393567"/>
       </p:ext>
     </p:extLst>
   </p:cSld>
   <p:clrMapOvr>
     <a:masterClrMapping/>
   </p:clrMapOvr>
+  <p:timing>
+    <p:tnLst>
+      <p:par>
+        <p:cTn id="1" dur="indefinite" restart="never" nodeType="tmRoot"/>
+      </p:par>
+    </p:tnLst>
+  </p:timing>
+</p:sld>
+</file>
+
+<file path=ppt/slides/slide12.xml><?xml version="1.0" encoding="utf-8"?>
+<p:sld xmlns:a="http://schemas.openxmlformats.org/drawingml/2006/main" xmlns:r="http://schemas.openxmlformats.org/officeDocument/2006/relationships" xmlns:p="http://schemas.openxmlformats.org/presentationml/2006/main">
+  <p:cSld>
+    <p:spTree>
+      <p:nvGrpSpPr>
+        <p:cNvPr id="1" name=""/>
+        <p:cNvGrpSpPr/>
+        <p:nvPr/>
+      </p:nvGrpSpPr>
+      <p:grpSpPr>
+        <a:xfrm>
+          <a:off x="0" y="0"/>
+          <a:ext cx="0" cy="0"/>
+          <a:chOff x="0" y="0"/>
+          <a:chExt cx="0" cy="0"/>
+        </a:xfrm>
+      </p:grpSpPr>
+      <p:sp>
+        <p:nvSpPr>
+          <p:cNvPr id="2" name="タイトル 1"/>
+          <p:cNvSpPr>
+            <a:spLocks noGrp="1"/>
+          </p:cNvSpPr>
+          <p:nvPr>
+            <p:ph type="title"/>
+          </p:nvPr>
+        </p:nvSpPr>
+        <p:spPr/>
+        <p:txBody>
+          <a:bodyPr/>
+          <a:lstStyle/>
+          <a:p>
+            <a:pPr algn="ctr"/>
+            <a:r>
+              <a:rPr kumimoji="1" lang="en-US" altLang="ja-JP" dirty="0" smtClean="0"/>
+              <a:t>1</a:t>
+            </a:r>
+            <a:r>
+              <a:rPr kumimoji="1" lang="ja-JP" altLang="en-US" dirty="0" smtClean="0"/>
+              <a:t>日あたりのツイート数の分布</a:t>
+            </a:r>
+            <a:endParaRPr kumimoji="1" lang="ja-JP" altLang="en-US" dirty="0"/>
+          </a:p>
+        </p:txBody>
+      </p:sp>
+      <p:sp>
+        <p:nvSpPr>
+          <p:cNvPr id="3" name="コンテンツ プレースホルダー 2"/>
+          <p:cNvSpPr>
+            <a:spLocks noGrp="1"/>
+          </p:cNvSpPr>
+          <p:nvPr>
+            <p:ph idx="1"/>
+          </p:nvPr>
+        </p:nvSpPr>
+        <p:spPr>
+          <a:xfrm>
+            <a:off x="838200" y="1437005"/>
+            <a:ext cx="10515600" cy="4351338"/>
+          </a:xfrm>
+        </p:spPr>
+        <p:txBody>
+          <a:bodyPr>
+            <a:normAutofit/>
+          </a:bodyPr>
+          <a:lstStyle/>
+          <a:p>
+            <a:r>
+              <a:rPr lang="en-US" altLang="ja-JP" sz="3200" dirty="0" smtClean="0"/>
+              <a:t>Streaming</a:t>
+            </a:r>
+            <a:r>
+              <a:rPr lang="ja-JP" altLang="en-US" sz="3200" dirty="0" smtClean="0"/>
+              <a:t>　</a:t>
+            </a:r>
+            <a:r>
+              <a:rPr lang="en-US" altLang="ja-JP" sz="3200" dirty="0" smtClean="0"/>
+              <a:t>API</a:t>
+            </a:r>
+            <a:r>
+              <a:rPr lang="ja-JP" altLang="en-US" sz="3200" dirty="0" smtClean="0"/>
+              <a:t>でデータを集め．</a:t>
+            </a:r>
+            <a:r>
+              <a:rPr lang="ja-JP" altLang="en-US" sz="3200" dirty="0"/>
+              <a:t>を</a:t>
+            </a:r>
+            <a:r>
+              <a:rPr lang="en-US" altLang="ja-JP" sz="3200" dirty="0"/>
+              <a:t>1</a:t>
+            </a:r>
+            <a:r>
+              <a:rPr lang="ja-JP" altLang="en-US" sz="3200" dirty="0" smtClean="0"/>
+              <a:t>日あたりの</a:t>
+            </a:r>
+            <a:r>
+              <a:rPr lang="ja-JP" altLang="en-US" sz="3200" dirty="0"/>
+              <a:t>ツイート数やフォロー数，</a:t>
+            </a:r>
+            <a:r>
+              <a:rPr lang="ja-JP" altLang="en-US" sz="3200" dirty="0" smtClean="0"/>
+              <a:t>フォロワー数を表</a:t>
+            </a:r>
+            <a:r>
+              <a:rPr lang="ja-JP" altLang="en-US" sz="3200" dirty="0"/>
+              <a:t>にした物が図</a:t>
+            </a:r>
+            <a:r>
+              <a:rPr lang="en-US" altLang="ja-JP" sz="3200" dirty="0"/>
+              <a:t>2</a:t>
+            </a:r>
+            <a:r>
+              <a:rPr lang="ja-JP" altLang="en-US" sz="3200" dirty="0"/>
+              <a:t>である． </a:t>
+            </a:r>
+            <a:r>
+              <a:rPr lang="en-US" altLang="ja-JP" sz="3200" dirty="0" smtClean="0"/>
+              <a:t>1</a:t>
+            </a:r>
+            <a:r>
+              <a:rPr lang="ja-JP" altLang="en-US" sz="3200" dirty="0"/>
+              <a:t>日あたりのツイートは，</a:t>
+            </a:r>
+            <a:r>
+              <a:rPr lang="ja-JP" altLang="en-US" sz="3200" dirty="0" smtClean="0"/>
+              <a:t>全ツイートを</a:t>
+            </a:r>
+            <a:r>
+              <a:rPr lang="en-US" altLang="ja-JP" sz="3200" dirty="0" smtClean="0"/>
+              <a:t>Twitter</a:t>
+            </a:r>
+            <a:r>
+              <a:rPr lang="ja-JP" altLang="en-US" sz="3200" dirty="0"/>
+              <a:t>利用日数で割った</a:t>
+            </a:r>
+            <a:r>
+              <a:rPr lang="ja-JP" altLang="en-US" sz="3200" dirty="0" smtClean="0"/>
+              <a:t>ものである。</a:t>
+            </a:r>
+            <a:endParaRPr kumimoji="1" lang="ja-JP" altLang="en-US" sz="3200" dirty="0"/>
+          </a:p>
+        </p:txBody>
+      </p:sp>
+      <p:sp>
+        <p:nvSpPr>
+          <p:cNvPr id="5" name="テキスト ボックス 4"/>
+          <p:cNvSpPr txBox="1"/>
+          <p:nvPr/>
+        </p:nvSpPr>
+        <p:spPr>
+          <a:xfrm>
+            <a:off x="3268643" y="6490891"/>
+            <a:ext cx="5681555" cy="369332"/>
+          </a:xfrm>
+          <a:prstGeom prst="rect">
+            <a:avLst/>
+          </a:prstGeom>
+          <a:noFill/>
+        </p:spPr>
+        <p:txBody>
+          <a:bodyPr wrap="none" rtlCol="0">
+            <a:spAutoFit/>
+          </a:bodyPr>
+          <a:lstStyle/>
+          <a:p>
+            <a:r>
+              <a:rPr kumimoji="1" lang="ja-JP" altLang="en-US" dirty="0" smtClean="0"/>
+              <a:t>図</a:t>
+            </a:r>
+            <a:r>
+              <a:rPr kumimoji="1" lang="en-US" altLang="ja-JP" dirty="0" smtClean="0"/>
+              <a:t>2:StreamingAPI</a:t>
+            </a:r>
+            <a:r>
+              <a:rPr kumimoji="1" lang="ja-JP" altLang="en-US" dirty="0" smtClean="0"/>
+              <a:t>で取得したデータを表にした物の一部</a:t>
+            </a:r>
+            <a:endParaRPr kumimoji="1" lang="ja-JP" altLang="en-US" dirty="0"/>
+          </a:p>
+        </p:txBody>
+      </p:sp>
+      <p:graphicFrame>
+        <p:nvGraphicFramePr>
+          <p:cNvPr id="7" name="表 6"/>
+          <p:cNvGraphicFramePr>
+            <a:graphicFrameLocks noGrp="1"/>
+          </p:cNvGraphicFramePr>
+          <p:nvPr>
+            <p:extLst>
+              <p:ext uri="{D42A27DB-BD31-4B8C-83A1-F6EECF244321}">
+                <p14:modId xmlns:p14="http://schemas.microsoft.com/office/powerpoint/2010/main" val="498631681"/>
+              </p:ext>
+            </p:extLst>
+          </p:nvPr>
+        </p:nvGraphicFramePr>
+        <p:xfrm>
+          <a:off x="3143631" y="2948275"/>
+          <a:ext cx="5931580" cy="3438140"/>
+        </p:xfrm>
+        <a:graphic>
+          <a:graphicData uri="http://schemas.openxmlformats.org/drawingml/2006/table">
+            <a:tbl>
+              <a:tblPr firstRow="1" bandRow="1">
+                <a:tableStyleId>{5C22544A-7EE6-4342-B048-85BDC9FD1C3A}</a:tableStyleId>
+              </a:tblPr>
+              <a:tblGrid>
+                <a:gridCol w="1482895"/>
+                <a:gridCol w="1482895"/>
+                <a:gridCol w="1482895"/>
+                <a:gridCol w="1482895"/>
+              </a:tblGrid>
+              <a:tr h="343814">
+                <a:tc>
+                  <a:txBody>
+                    <a:bodyPr/>
+                    <a:lstStyle/>
+                    <a:p>
+                      <a:pPr algn="l" fontAlgn="ctr"/>
+                      <a:r>
+                        <a:rPr lang="en-US" sz="1600" b="0" i="0" u="none" strike="noStrike" dirty="0">
+                          <a:solidFill>
+                            <a:srgbClr val="000000"/>
+                          </a:solidFill>
+                          <a:effectLst/>
+                          <a:latin typeface="ＭＳ Ｐゴシック" panose="020B0600070205080204" pitchFamily="50" charset="-128"/>
+                          <a:ea typeface="ＭＳ Ｐゴシック" panose="020B0600070205080204" pitchFamily="50" charset="-128"/>
+                        </a:rPr>
+                        <a:t>screenname</a:t>
+                      </a:r>
+                    </a:p>
+                  </a:txBody>
+                  <a:tcPr marL="9525" marR="9525" marT="9525" marB="0" anchor="ctr">
+                    <a:lnL w="12700" cap="flat" cmpd="sng" algn="ctr">
+                      <a:solidFill>
+                        <a:schemeClr val="tx1"/>
+                      </a:solidFill>
+                      <a:prstDash val="solid"/>
+                      <a:round/>
+                      <a:headEnd type="none" w="med" len="med"/>
+                      <a:tailEnd type="none" w="med" len="med"/>
+                    </a:lnL>
+                    <a:lnR w="12700" cap="flat" cmpd="sng" algn="ctr">
+                      <a:solidFill>
+                        <a:schemeClr val="tx1"/>
+                      </a:solidFill>
+                      <a:prstDash val="solid"/>
+                      <a:round/>
+                      <a:headEnd type="none" w="med" len="med"/>
+                      <a:tailEnd type="none" w="med" len="med"/>
+                    </a:lnR>
+                    <a:lnT w="12700" cap="flat" cmpd="sng" algn="ctr">
+                      <a:solidFill>
+                        <a:schemeClr val="tx1"/>
+                      </a:solidFill>
+                      <a:prstDash val="solid"/>
+                      <a:round/>
+                      <a:headEnd type="none" w="med" len="med"/>
+                      <a:tailEnd type="none" w="med" len="med"/>
+                    </a:lnT>
+                    <a:lnB w="12700" cap="flat" cmpd="sng" algn="ctr">
+                      <a:solidFill>
+                        <a:schemeClr val="tx1"/>
+                      </a:solidFill>
+                      <a:prstDash val="solid"/>
+                      <a:round/>
+                      <a:headEnd type="none" w="med" len="med"/>
+                      <a:tailEnd type="none" w="med" len="med"/>
+                    </a:lnB>
+                    <a:noFill/>
+                  </a:tcPr>
+                </a:tc>
+                <a:tc>
+                  <a:txBody>
+                    <a:bodyPr/>
+                    <a:lstStyle/>
+                    <a:p>
+                      <a:pPr algn="l" fontAlgn="ctr"/>
+                      <a:r>
+                        <a:rPr lang="en-US" sz="1600" b="0" i="0" u="none" strike="noStrike" dirty="0" err="1">
+                          <a:solidFill>
+                            <a:srgbClr val="000000"/>
+                          </a:solidFill>
+                          <a:effectLst/>
+                          <a:latin typeface="ＭＳ Ｐゴシック" panose="020B0600070205080204" pitchFamily="50" charset="-128"/>
+                          <a:ea typeface="ＭＳ Ｐゴシック" panose="020B0600070205080204" pitchFamily="50" charset="-128"/>
+                        </a:rPr>
+                        <a:t>daytweets</a:t>
+                      </a:r>
+                      <a:endParaRPr lang="en-US" sz="1600" b="0" i="0" u="none" strike="noStrike" dirty="0">
+                        <a:solidFill>
+                          <a:srgbClr val="000000"/>
+                        </a:solidFill>
+                        <a:effectLst/>
+                        <a:latin typeface="ＭＳ Ｐゴシック" panose="020B0600070205080204" pitchFamily="50" charset="-128"/>
+                        <a:ea typeface="ＭＳ Ｐゴシック" panose="020B0600070205080204" pitchFamily="50" charset="-128"/>
+                      </a:endParaRPr>
+                    </a:p>
+                  </a:txBody>
+                  <a:tcPr marL="9525" marR="9525" marT="9525" marB="0" anchor="ctr">
+                    <a:lnL w="12700" cap="flat" cmpd="sng" algn="ctr">
+                      <a:solidFill>
+                        <a:schemeClr val="tx1"/>
+                      </a:solidFill>
+                      <a:prstDash val="solid"/>
+                      <a:round/>
+                      <a:headEnd type="none" w="med" len="med"/>
+                      <a:tailEnd type="none" w="med" len="med"/>
+                    </a:lnL>
+                    <a:lnR w="12700" cap="flat" cmpd="sng" algn="ctr">
+                      <a:solidFill>
+                        <a:schemeClr val="tx1"/>
+                      </a:solidFill>
+                      <a:prstDash val="solid"/>
+                      <a:round/>
+                      <a:headEnd type="none" w="med" len="med"/>
+                      <a:tailEnd type="none" w="med" len="med"/>
+                    </a:lnR>
+                    <a:lnT w="12700" cap="flat" cmpd="sng" algn="ctr">
+                      <a:solidFill>
+                        <a:schemeClr val="tx1"/>
+                      </a:solidFill>
+                      <a:prstDash val="solid"/>
+                      <a:round/>
+                      <a:headEnd type="none" w="med" len="med"/>
+                      <a:tailEnd type="none" w="med" len="med"/>
+                    </a:lnT>
+                    <a:lnB w="12700" cap="flat" cmpd="sng" algn="ctr">
+                      <a:solidFill>
+                        <a:schemeClr val="tx1"/>
+                      </a:solidFill>
+                      <a:prstDash val="solid"/>
+                      <a:round/>
+                      <a:headEnd type="none" w="med" len="med"/>
+                      <a:tailEnd type="none" w="med" len="med"/>
+                    </a:lnB>
+                    <a:noFill/>
+                  </a:tcPr>
+                </a:tc>
+                <a:tc>
+                  <a:txBody>
+                    <a:bodyPr/>
+                    <a:lstStyle/>
+                    <a:p>
+                      <a:pPr algn="l" fontAlgn="ctr"/>
+                      <a:r>
+                        <a:rPr lang="en-US" sz="1600" b="0" i="0" u="none" strike="noStrike">
+                          <a:solidFill>
+                            <a:srgbClr val="000000"/>
+                          </a:solidFill>
+                          <a:effectLst/>
+                          <a:latin typeface="ＭＳ Ｐゴシック" panose="020B0600070205080204" pitchFamily="50" charset="-128"/>
+                          <a:ea typeface="ＭＳ Ｐゴシック" panose="020B0600070205080204" pitchFamily="50" charset="-128"/>
+                        </a:rPr>
+                        <a:t>friends</a:t>
+                      </a:r>
+                    </a:p>
+                  </a:txBody>
+                  <a:tcPr marL="9525" marR="9525" marT="9525" marB="0" anchor="ctr">
+                    <a:lnL w="12700" cap="flat" cmpd="sng" algn="ctr">
+                      <a:solidFill>
+                        <a:schemeClr val="tx1"/>
+                      </a:solidFill>
+                      <a:prstDash val="solid"/>
+                      <a:round/>
+                      <a:headEnd type="none" w="med" len="med"/>
+                      <a:tailEnd type="none" w="med" len="med"/>
+                    </a:lnL>
+                    <a:lnR w="12700" cap="flat" cmpd="sng" algn="ctr">
+                      <a:solidFill>
+                        <a:schemeClr val="tx1"/>
+                      </a:solidFill>
+                      <a:prstDash val="solid"/>
+                      <a:round/>
+                      <a:headEnd type="none" w="med" len="med"/>
+                      <a:tailEnd type="none" w="med" len="med"/>
+                    </a:lnR>
+                    <a:lnT w="12700" cap="flat" cmpd="sng" algn="ctr">
+                      <a:solidFill>
+                        <a:schemeClr val="tx1"/>
+                      </a:solidFill>
+                      <a:prstDash val="solid"/>
+                      <a:round/>
+                      <a:headEnd type="none" w="med" len="med"/>
+                      <a:tailEnd type="none" w="med" len="med"/>
+                    </a:lnT>
+                    <a:lnB w="12700" cap="flat" cmpd="sng" algn="ctr">
+                      <a:solidFill>
+                        <a:schemeClr val="tx1"/>
+                      </a:solidFill>
+                      <a:prstDash val="solid"/>
+                      <a:round/>
+                      <a:headEnd type="none" w="med" len="med"/>
+                      <a:tailEnd type="none" w="med" len="med"/>
+                    </a:lnB>
+                    <a:noFill/>
+                  </a:tcPr>
+                </a:tc>
+                <a:tc>
+                  <a:txBody>
+                    <a:bodyPr/>
+                    <a:lstStyle/>
+                    <a:p>
+                      <a:pPr algn="l" fontAlgn="ctr"/>
+                      <a:r>
+                        <a:rPr lang="en-US" sz="1600" b="0" i="0" u="none" strike="noStrike">
+                          <a:solidFill>
+                            <a:srgbClr val="000000"/>
+                          </a:solidFill>
+                          <a:effectLst/>
+                          <a:latin typeface="ＭＳ Ｐゴシック" panose="020B0600070205080204" pitchFamily="50" charset="-128"/>
+                          <a:ea typeface="ＭＳ Ｐゴシック" panose="020B0600070205080204" pitchFamily="50" charset="-128"/>
+                        </a:rPr>
+                        <a:t>followers</a:t>
+                      </a:r>
+                    </a:p>
+                  </a:txBody>
+                  <a:tcPr marL="9525" marR="9525" marT="9525" marB="0" anchor="ctr">
+                    <a:lnL w="12700" cap="flat" cmpd="sng" algn="ctr">
+                      <a:solidFill>
+                        <a:schemeClr val="tx1"/>
+                      </a:solidFill>
+                      <a:prstDash val="solid"/>
+                      <a:round/>
+                      <a:headEnd type="none" w="med" len="med"/>
+                      <a:tailEnd type="none" w="med" len="med"/>
+                    </a:lnL>
+                    <a:lnR w="12700" cap="flat" cmpd="sng" algn="ctr">
+                      <a:solidFill>
+                        <a:schemeClr val="tx1"/>
+                      </a:solidFill>
+                      <a:prstDash val="solid"/>
+                      <a:round/>
+                      <a:headEnd type="none" w="med" len="med"/>
+                      <a:tailEnd type="none" w="med" len="med"/>
+                    </a:lnR>
+                    <a:lnT w="12700" cap="flat" cmpd="sng" algn="ctr">
+                      <a:solidFill>
+                        <a:schemeClr val="tx1"/>
+                      </a:solidFill>
+                      <a:prstDash val="solid"/>
+                      <a:round/>
+                      <a:headEnd type="none" w="med" len="med"/>
+                      <a:tailEnd type="none" w="med" len="med"/>
+                    </a:lnT>
+                    <a:lnB w="12700" cap="flat" cmpd="sng" algn="ctr">
+                      <a:solidFill>
+                        <a:schemeClr val="tx1"/>
+                      </a:solidFill>
+                      <a:prstDash val="solid"/>
+                      <a:round/>
+                      <a:headEnd type="none" w="med" len="med"/>
+                      <a:tailEnd type="none" w="med" len="med"/>
+                    </a:lnB>
+                    <a:noFill/>
+                  </a:tcPr>
+                </a:tc>
+              </a:tr>
+              <a:tr h="343814">
+                <a:tc>
+                  <a:txBody>
+                    <a:bodyPr/>
+                    <a:lstStyle/>
+                    <a:p>
+                      <a:pPr algn="l" fontAlgn="ctr"/>
+                      <a:r>
+                        <a:rPr lang="en-US" sz="1600" b="0" i="0" u="none" strike="noStrike" dirty="0" err="1">
+                          <a:solidFill>
+                            <a:srgbClr val="000000"/>
+                          </a:solidFill>
+                          <a:effectLst/>
+                          <a:latin typeface="ＭＳ Ｐゴシック" panose="020B0600070205080204" pitchFamily="50" charset="-128"/>
+                          <a:ea typeface="ＭＳ Ｐゴシック" panose="020B0600070205080204" pitchFamily="50" charset="-128"/>
+                        </a:rPr>
+                        <a:t>Ashiya_Soushitu</a:t>
+                      </a:r>
+                      <a:endParaRPr lang="en-US" sz="1600" b="0" i="0" u="none" strike="noStrike" dirty="0">
+                        <a:solidFill>
+                          <a:srgbClr val="000000"/>
+                        </a:solidFill>
+                        <a:effectLst/>
+                        <a:latin typeface="ＭＳ Ｐゴシック" panose="020B0600070205080204" pitchFamily="50" charset="-128"/>
+                        <a:ea typeface="ＭＳ Ｐゴシック" panose="020B0600070205080204" pitchFamily="50" charset="-128"/>
+                      </a:endParaRPr>
+                    </a:p>
+                  </a:txBody>
+                  <a:tcPr marL="9525" marR="9525" marT="9525" marB="0" anchor="ctr">
+                    <a:lnL w="12700" cap="flat" cmpd="sng" algn="ctr">
+                      <a:solidFill>
+                        <a:schemeClr val="tx1"/>
+                      </a:solidFill>
+                      <a:prstDash val="solid"/>
+                      <a:round/>
+                      <a:headEnd type="none" w="med" len="med"/>
+                      <a:tailEnd type="none" w="med" len="med"/>
+                    </a:lnL>
+                    <a:lnR w="12700" cap="flat" cmpd="sng" algn="ctr">
+                      <a:solidFill>
+                        <a:schemeClr val="tx1"/>
+                      </a:solidFill>
+                      <a:prstDash val="solid"/>
+                      <a:round/>
+                      <a:headEnd type="none" w="med" len="med"/>
+                      <a:tailEnd type="none" w="med" len="med"/>
+                    </a:lnR>
+                    <a:lnT w="12700" cap="flat" cmpd="sng" algn="ctr">
+                      <a:solidFill>
+                        <a:schemeClr val="tx1"/>
+                      </a:solidFill>
+                      <a:prstDash val="solid"/>
+                      <a:round/>
+                      <a:headEnd type="none" w="med" len="med"/>
+                      <a:tailEnd type="none" w="med" len="med"/>
+                    </a:lnT>
+                    <a:lnB w="12700" cap="flat" cmpd="sng" algn="ctr">
+                      <a:solidFill>
+                        <a:schemeClr val="tx1"/>
+                      </a:solidFill>
+                      <a:prstDash val="solid"/>
+                      <a:round/>
+                      <a:headEnd type="none" w="med" len="med"/>
+                      <a:tailEnd type="none" w="med" len="med"/>
+                    </a:lnB>
+                    <a:noFill/>
+                  </a:tcPr>
+                </a:tc>
+                <a:tc>
+                  <a:txBody>
+                    <a:bodyPr/>
+                    <a:lstStyle/>
+                    <a:p>
+                      <a:pPr algn="r" fontAlgn="ctr"/>
+                      <a:r>
+                        <a:rPr lang="en-US" altLang="ja-JP" sz="1600" b="0" i="0" u="none" strike="noStrike">
+                          <a:solidFill>
+                            <a:srgbClr val="000000"/>
+                          </a:solidFill>
+                          <a:effectLst/>
+                          <a:latin typeface="ＭＳ Ｐゴシック" panose="020B0600070205080204" pitchFamily="50" charset="-128"/>
+                          <a:ea typeface="ＭＳ Ｐゴシック" panose="020B0600070205080204" pitchFamily="50" charset="-128"/>
+                        </a:rPr>
+                        <a:t>12.09285</a:t>
+                      </a:r>
+                    </a:p>
+                  </a:txBody>
+                  <a:tcPr marL="9525" marR="9525" marT="9525" marB="0" anchor="ctr">
+                    <a:lnL w="12700" cap="flat" cmpd="sng" algn="ctr">
+                      <a:solidFill>
+                        <a:schemeClr val="tx1"/>
+                      </a:solidFill>
+                      <a:prstDash val="solid"/>
+                      <a:round/>
+                      <a:headEnd type="none" w="med" len="med"/>
+                      <a:tailEnd type="none" w="med" len="med"/>
+                    </a:lnL>
+                    <a:lnR w="12700" cap="flat" cmpd="sng" algn="ctr">
+                      <a:solidFill>
+                        <a:schemeClr val="tx1"/>
+                      </a:solidFill>
+                      <a:prstDash val="solid"/>
+                      <a:round/>
+                      <a:headEnd type="none" w="med" len="med"/>
+                      <a:tailEnd type="none" w="med" len="med"/>
+                    </a:lnR>
+                    <a:lnT w="12700" cap="flat" cmpd="sng" algn="ctr">
+                      <a:solidFill>
+                        <a:schemeClr val="tx1"/>
+                      </a:solidFill>
+                      <a:prstDash val="solid"/>
+                      <a:round/>
+                      <a:headEnd type="none" w="med" len="med"/>
+                      <a:tailEnd type="none" w="med" len="med"/>
+                    </a:lnT>
+                    <a:lnB w="12700" cap="flat" cmpd="sng" algn="ctr">
+                      <a:solidFill>
+                        <a:schemeClr val="tx1"/>
+                      </a:solidFill>
+                      <a:prstDash val="solid"/>
+                      <a:round/>
+                      <a:headEnd type="none" w="med" len="med"/>
+                      <a:tailEnd type="none" w="med" len="med"/>
+                    </a:lnB>
+                    <a:noFill/>
+                  </a:tcPr>
+                </a:tc>
+                <a:tc>
+                  <a:txBody>
+                    <a:bodyPr/>
+                    <a:lstStyle/>
+                    <a:p>
+                      <a:pPr algn="r" fontAlgn="ctr"/>
+                      <a:r>
+                        <a:rPr lang="en-US" altLang="ja-JP" sz="1600" b="0" i="0" u="none" strike="noStrike">
+                          <a:solidFill>
+                            <a:srgbClr val="000000"/>
+                          </a:solidFill>
+                          <a:effectLst/>
+                          <a:latin typeface="ＭＳ Ｐゴシック" panose="020B0600070205080204" pitchFamily="50" charset="-128"/>
+                          <a:ea typeface="ＭＳ Ｐゴシック" panose="020B0600070205080204" pitchFamily="50" charset="-128"/>
+                        </a:rPr>
+                        <a:t>4</a:t>
+                      </a:r>
+                    </a:p>
+                  </a:txBody>
+                  <a:tcPr marL="9525" marR="9525" marT="9525" marB="0" anchor="ctr">
+                    <a:lnL w="12700" cap="flat" cmpd="sng" algn="ctr">
+                      <a:solidFill>
+                        <a:schemeClr val="tx1"/>
+                      </a:solidFill>
+                      <a:prstDash val="solid"/>
+                      <a:round/>
+                      <a:headEnd type="none" w="med" len="med"/>
+                      <a:tailEnd type="none" w="med" len="med"/>
+                    </a:lnL>
+                    <a:lnR w="12700" cap="flat" cmpd="sng" algn="ctr">
+                      <a:solidFill>
+                        <a:schemeClr val="tx1"/>
+                      </a:solidFill>
+                      <a:prstDash val="solid"/>
+                      <a:round/>
+                      <a:headEnd type="none" w="med" len="med"/>
+                      <a:tailEnd type="none" w="med" len="med"/>
+                    </a:lnR>
+                    <a:lnT w="12700" cap="flat" cmpd="sng" algn="ctr">
+                      <a:solidFill>
+                        <a:schemeClr val="tx1"/>
+                      </a:solidFill>
+                      <a:prstDash val="solid"/>
+                      <a:round/>
+                      <a:headEnd type="none" w="med" len="med"/>
+                      <a:tailEnd type="none" w="med" len="med"/>
+                    </a:lnT>
+                    <a:lnB w="12700" cap="flat" cmpd="sng" algn="ctr">
+                      <a:solidFill>
+                        <a:schemeClr val="tx1"/>
+                      </a:solidFill>
+                      <a:prstDash val="solid"/>
+                      <a:round/>
+                      <a:headEnd type="none" w="med" len="med"/>
+                      <a:tailEnd type="none" w="med" len="med"/>
+                    </a:lnB>
+                    <a:noFill/>
+                  </a:tcPr>
+                </a:tc>
+                <a:tc>
+                  <a:txBody>
+                    <a:bodyPr/>
+                    <a:lstStyle/>
+                    <a:p>
+                      <a:pPr algn="r" fontAlgn="ctr"/>
+                      <a:r>
+                        <a:rPr lang="en-US" altLang="ja-JP" sz="1600" b="0" i="0" u="none" strike="noStrike">
+                          <a:solidFill>
+                            <a:srgbClr val="000000"/>
+                          </a:solidFill>
+                          <a:effectLst/>
+                          <a:latin typeface="ＭＳ Ｐゴシック" panose="020B0600070205080204" pitchFamily="50" charset="-128"/>
+                          <a:ea typeface="ＭＳ Ｐゴシック" panose="020B0600070205080204" pitchFamily="50" charset="-128"/>
+                        </a:rPr>
+                        <a:t>7</a:t>
+                      </a:r>
+                    </a:p>
+                  </a:txBody>
+                  <a:tcPr marL="9525" marR="9525" marT="9525" marB="0" anchor="ctr">
+                    <a:lnL w="12700" cap="flat" cmpd="sng" algn="ctr">
+                      <a:solidFill>
+                        <a:schemeClr val="tx1"/>
+                      </a:solidFill>
+                      <a:prstDash val="solid"/>
+                      <a:round/>
+                      <a:headEnd type="none" w="med" len="med"/>
+                      <a:tailEnd type="none" w="med" len="med"/>
+                    </a:lnL>
+                    <a:lnR w="12700" cap="flat" cmpd="sng" algn="ctr">
+                      <a:solidFill>
+                        <a:schemeClr val="tx1"/>
+                      </a:solidFill>
+                      <a:prstDash val="solid"/>
+                      <a:round/>
+                      <a:headEnd type="none" w="med" len="med"/>
+                      <a:tailEnd type="none" w="med" len="med"/>
+                    </a:lnR>
+                    <a:lnT w="12700" cap="flat" cmpd="sng" algn="ctr">
+                      <a:solidFill>
+                        <a:schemeClr val="tx1"/>
+                      </a:solidFill>
+                      <a:prstDash val="solid"/>
+                      <a:round/>
+                      <a:headEnd type="none" w="med" len="med"/>
+                      <a:tailEnd type="none" w="med" len="med"/>
+                    </a:lnT>
+                    <a:lnB w="12700" cap="flat" cmpd="sng" algn="ctr">
+                      <a:solidFill>
+                        <a:schemeClr val="tx1"/>
+                      </a:solidFill>
+                      <a:prstDash val="solid"/>
+                      <a:round/>
+                      <a:headEnd type="none" w="med" len="med"/>
+                      <a:tailEnd type="none" w="med" len="med"/>
+                    </a:lnB>
+                    <a:noFill/>
+                  </a:tcPr>
+                </a:tc>
+              </a:tr>
+              <a:tr h="343814">
+                <a:tc>
+                  <a:txBody>
+                    <a:bodyPr/>
+                    <a:lstStyle/>
+                    <a:p>
+                      <a:pPr algn="l" fontAlgn="ctr"/>
+                      <a:r>
+                        <a:rPr lang="en-US" sz="1600" b="0" i="0" u="none" strike="noStrike" dirty="0" err="1">
+                          <a:solidFill>
+                            <a:srgbClr val="000000"/>
+                          </a:solidFill>
+                          <a:effectLst/>
+                          <a:latin typeface="ＭＳ Ｐゴシック" panose="020B0600070205080204" pitchFamily="50" charset="-128"/>
+                          <a:ea typeface="ＭＳ Ｐゴシック" panose="020B0600070205080204" pitchFamily="50" charset="-128"/>
+                        </a:rPr>
+                        <a:t>oitakanesumu</a:t>
+                      </a:r>
+                      <a:endParaRPr lang="en-US" sz="1600" b="0" i="0" u="none" strike="noStrike" dirty="0">
+                        <a:solidFill>
+                          <a:srgbClr val="000000"/>
+                        </a:solidFill>
+                        <a:effectLst/>
+                        <a:latin typeface="ＭＳ Ｐゴシック" panose="020B0600070205080204" pitchFamily="50" charset="-128"/>
+                        <a:ea typeface="ＭＳ Ｐゴシック" panose="020B0600070205080204" pitchFamily="50" charset="-128"/>
+                      </a:endParaRPr>
+                    </a:p>
+                  </a:txBody>
+                  <a:tcPr marL="9525" marR="9525" marT="9525" marB="0" anchor="ctr">
+                    <a:lnL w="12700" cap="flat" cmpd="sng" algn="ctr">
+                      <a:solidFill>
+                        <a:schemeClr val="tx1"/>
+                      </a:solidFill>
+                      <a:prstDash val="solid"/>
+                      <a:round/>
+                      <a:headEnd type="none" w="med" len="med"/>
+                      <a:tailEnd type="none" w="med" len="med"/>
+                    </a:lnL>
+                    <a:lnR w="12700" cap="flat" cmpd="sng" algn="ctr">
+                      <a:solidFill>
+                        <a:schemeClr val="tx1"/>
+                      </a:solidFill>
+                      <a:prstDash val="solid"/>
+                      <a:round/>
+                      <a:headEnd type="none" w="med" len="med"/>
+                      <a:tailEnd type="none" w="med" len="med"/>
+                    </a:lnR>
+                    <a:lnT w="12700" cap="flat" cmpd="sng" algn="ctr">
+                      <a:solidFill>
+                        <a:schemeClr val="tx1"/>
+                      </a:solidFill>
+                      <a:prstDash val="solid"/>
+                      <a:round/>
+                      <a:headEnd type="none" w="med" len="med"/>
+                      <a:tailEnd type="none" w="med" len="med"/>
+                    </a:lnT>
+                    <a:lnB w="12700" cap="flat" cmpd="sng" algn="ctr">
+                      <a:solidFill>
+                        <a:schemeClr val="tx1"/>
+                      </a:solidFill>
+                      <a:prstDash val="solid"/>
+                      <a:round/>
+                      <a:headEnd type="none" w="med" len="med"/>
+                      <a:tailEnd type="none" w="med" len="med"/>
+                    </a:lnB>
+                    <a:noFill/>
+                  </a:tcPr>
+                </a:tc>
+                <a:tc>
+                  <a:txBody>
+                    <a:bodyPr/>
+                    <a:lstStyle/>
+                    <a:p>
+                      <a:pPr algn="r" fontAlgn="ctr"/>
+                      <a:r>
+                        <a:rPr lang="en-US" altLang="ja-JP" sz="1600" b="0" i="0" u="none" strike="noStrike">
+                          <a:solidFill>
+                            <a:srgbClr val="000000"/>
+                          </a:solidFill>
+                          <a:effectLst/>
+                          <a:latin typeface="ＭＳ Ｐゴシック" panose="020B0600070205080204" pitchFamily="50" charset="-128"/>
+                          <a:ea typeface="ＭＳ Ｐゴシック" panose="020B0600070205080204" pitchFamily="50" charset="-128"/>
+                        </a:rPr>
+                        <a:t>18.74472</a:t>
+                      </a:r>
+                    </a:p>
+                  </a:txBody>
+                  <a:tcPr marL="9525" marR="9525" marT="9525" marB="0" anchor="ctr">
+                    <a:lnL w="12700" cap="flat" cmpd="sng" algn="ctr">
+                      <a:solidFill>
+                        <a:schemeClr val="tx1"/>
+                      </a:solidFill>
+                      <a:prstDash val="solid"/>
+                      <a:round/>
+                      <a:headEnd type="none" w="med" len="med"/>
+                      <a:tailEnd type="none" w="med" len="med"/>
+                    </a:lnL>
+                    <a:lnR w="12700" cap="flat" cmpd="sng" algn="ctr">
+                      <a:solidFill>
+                        <a:schemeClr val="tx1"/>
+                      </a:solidFill>
+                      <a:prstDash val="solid"/>
+                      <a:round/>
+                      <a:headEnd type="none" w="med" len="med"/>
+                      <a:tailEnd type="none" w="med" len="med"/>
+                    </a:lnR>
+                    <a:lnT w="12700" cap="flat" cmpd="sng" algn="ctr">
+                      <a:solidFill>
+                        <a:schemeClr val="tx1"/>
+                      </a:solidFill>
+                      <a:prstDash val="solid"/>
+                      <a:round/>
+                      <a:headEnd type="none" w="med" len="med"/>
+                      <a:tailEnd type="none" w="med" len="med"/>
+                    </a:lnT>
+                    <a:lnB w="12700" cap="flat" cmpd="sng" algn="ctr">
+                      <a:solidFill>
+                        <a:schemeClr val="tx1"/>
+                      </a:solidFill>
+                      <a:prstDash val="solid"/>
+                      <a:round/>
+                      <a:headEnd type="none" w="med" len="med"/>
+                      <a:tailEnd type="none" w="med" len="med"/>
+                    </a:lnB>
+                    <a:noFill/>
+                  </a:tcPr>
+                </a:tc>
+                <a:tc>
+                  <a:txBody>
+                    <a:bodyPr/>
+                    <a:lstStyle/>
+                    <a:p>
+                      <a:pPr algn="r" fontAlgn="ctr"/>
+                      <a:r>
+                        <a:rPr lang="en-US" altLang="ja-JP" sz="1600" b="0" i="0" u="none" strike="noStrike">
+                          <a:solidFill>
+                            <a:srgbClr val="000000"/>
+                          </a:solidFill>
+                          <a:effectLst/>
+                          <a:latin typeface="ＭＳ Ｐゴシック" panose="020B0600070205080204" pitchFamily="50" charset="-128"/>
+                          <a:ea typeface="ＭＳ Ｐゴシック" panose="020B0600070205080204" pitchFamily="50" charset="-128"/>
+                        </a:rPr>
+                        <a:t>353</a:t>
+                      </a:r>
+                    </a:p>
+                  </a:txBody>
+                  <a:tcPr marL="9525" marR="9525" marT="9525" marB="0" anchor="ctr">
+                    <a:lnL w="12700" cap="flat" cmpd="sng" algn="ctr">
+                      <a:solidFill>
+                        <a:schemeClr val="tx1"/>
+                      </a:solidFill>
+                      <a:prstDash val="solid"/>
+                      <a:round/>
+                      <a:headEnd type="none" w="med" len="med"/>
+                      <a:tailEnd type="none" w="med" len="med"/>
+                    </a:lnL>
+                    <a:lnR w="12700" cap="flat" cmpd="sng" algn="ctr">
+                      <a:solidFill>
+                        <a:schemeClr val="tx1"/>
+                      </a:solidFill>
+                      <a:prstDash val="solid"/>
+                      <a:round/>
+                      <a:headEnd type="none" w="med" len="med"/>
+                      <a:tailEnd type="none" w="med" len="med"/>
+                    </a:lnR>
+                    <a:lnT w="12700" cap="flat" cmpd="sng" algn="ctr">
+                      <a:solidFill>
+                        <a:schemeClr val="tx1"/>
+                      </a:solidFill>
+                      <a:prstDash val="solid"/>
+                      <a:round/>
+                      <a:headEnd type="none" w="med" len="med"/>
+                      <a:tailEnd type="none" w="med" len="med"/>
+                    </a:lnT>
+                    <a:lnB w="12700" cap="flat" cmpd="sng" algn="ctr">
+                      <a:solidFill>
+                        <a:schemeClr val="tx1"/>
+                      </a:solidFill>
+                      <a:prstDash val="solid"/>
+                      <a:round/>
+                      <a:headEnd type="none" w="med" len="med"/>
+                      <a:tailEnd type="none" w="med" len="med"/>
+                    </a:lnB>
+                    <a:noFill/>
+                  </a:tcPr>
+                </a:tc>
+                <a:tc>
+                  <a:txBody>
+                    <a:bodyPr/>
+                    <a:lstStyle/>
+                    <a:p>
+                      <a:pPr algn="r" fontAlgn="ctr"/>
+                      <a:r>
+                        <a:rPr lang="en-US" altLang="ja-JP" sz="1600" b="0" i="0" u="none" strike="noStrike">
+                          <a:solidFill>
+                            <a:srgbClr val="000000"/>
+                          </a:solidFill>
+                          <a:effectLst/>
+                          <a:latin typeface="ＭＳ Ｐゴシック" panose="020B0600070205080204" pitchFamily="50" charset="-128"/>
+                          <a:ea typeface="ＭＳ Ｐゴシック" panose="020B0600070205080204" pitchFamily="50" charset="-128"/>
+                        </a:rPr>
+                        <a:t>61</a:t>
+                      </a:r>
+                    </a:p>
+                  </a:txBody>
+                  <a:tcPr marL="9525" marR="9525" marT="9525" marB="0" anchor="ctr">
+                    <a:lnL w="12700" cap="flat" cmpd="sng" algn="ctr">
+                      <a:solidFill>
+                        <a:schemeClr val="tx1"/>
+                      </a:solidFill>
+                      <a:prstDash val="solid"/>
+                      <a:round/>
+                      <a:headEnd type="none" w="med" len="med"/>
+                      <a:tailEnd type="none" w="med" len="med"/>
+                    </a:lnL>
+                    <a:lnR w="12700" cap="flat" cmpd="sng" algn="ctr">
+                      <a:solidFill>
+                        <a:schemeClr val="tx1"/>
+                      </a:solidFill>
+                      <a:prstDash val="solid"/>
+                      <a:round/>
+                      <a:headEnd type="none" w="med" len="med"/>
+                      <a:tailEnd type="none" w="med" len="med"/>
+                    </a:lnR>
+                    <a:lnT w="12700" cap="flat" cmpd="sng" algn="ctr">
+                      <a:solidFill>
+                        <a:schemeClr val="tx1"/>
+                      </a:solidFill>
+                      <a:prstDash val="solid"/>
+                      <a:round/>
+                      <a:headEnd type="none" w="med" len="med"/>
+                      <a:tailEnd type="none" w="med" len="med"/>
+                    </a:lnT>
+                    <a:lnB w="12700" cap="flat" cmpd="sng" algn="ctr">
+                      <a:solidFill>
+                        <a:schemeClr val="tx1"/>
+                      </a:solidFill>
+                      <a:prstDash val="solid"/>
+                      <a:round/>
+                      <a:headEnd type="none" w="med" len="med"/>
+                      <a:tailEnd type="none" w="med" len="med"/>
+                    </a:lnB>
+                    <a:noFill/>
+                  </a:tcPr>
+                </a:tc>
+              </a:tr>
+              <a:tr h="343814">
+                <a:tc>
+                  <a:txBody>
+                    <a:bodyPr/>
+                    <a:lstStyle/>
+                    <a:p>
+                      <a:pPr algn="l" fontAlgn="ctr"/>
+                      <a:r>
+                        <a:rPr lang="en-US" sz="1600" b="0" i="0" u="none" strike="noStrike" dirty="0">
+                          <a:solidFill>
+                            <a:srgbClr val="000000"/>
+                          </a:solidFill>
+                          <a:effectLst/>
+                          <a:latin typeface="ＭＳ Ｐゴシック" panose="020B0600070205080204" pitchFamily="50" charset="-128"/>
+                          <a:ea typeface="ＭＳ Ｐゴシック" panose="020B0600070205080204" pitchFamily="50" charset="-128"/>
+                        </a:rPr>
+                        <a:t>Kuma_Junior_82</a:t>
+                      </a:r>
+                    </a:p>
+                  </a:txBody>
+                  <a:tcPr marL="9525" marR="9525" marT="9525" marB="0" anchor="ctr">
+                    <a:lnL w="12700" cap="flat" cmpd="sng" algn="ctr">
+                      <a:solidFill>
+                        <a:schemeClr val="tx1"/>
+                      </a:solidFill>
+                      <a:prstDash val="solid"/>
+                      <a:round/>
+                      <a:headEnd type="none" w="med" len="med"/>
+                      <a:tailEnd type="none" w="med" len="med"/>
+                    </a:lnL>
+                    <a:lnR w="12700" cap="flat" cmpd="sng" algn="ctr">
+                      <a:solidFill>
+                        <a:schemeClr val="tx1"/>
+                      </a:solidFill>
+                      <a:prstDash val="solid"/>
+                      <a:round/>
+                      <a:headEnd type="none" w="med" len="med"/>
+                      <a:tailEnd type="none" w="med" len="med"/>
+                    </a:lnR>
+                    <a:lnT w="12700" cap="flat" cmpd="sng" algn="ctr">
+                      <a:solidFill>
+                        <a:schemeClr val="tx1"/>
+                      </a:solidFill>
+                      <a:prstDash val="solid"/>
+                      <a:round/>
+                      <a:headEnd type="none" w="med" len="med"/>
+                      <a:tailEnd type="none" w="med" len="med"/>
+                    </a:lnT>
+                    <a:lnB w="12700" cap="flat" cmpd="sng" algn="ctr">
+                      <a:solidFill>
+                        <a:schemeClr val="tx1"/>
+                      </a:solidFill>
+                      <a:prstDash val="solid"/>
+                      <a:round/>
+                      <a:headEnd type="none" w="med" len="med"/>
+                      <a:tailEnd type="none" w="med" len="med"/>
+                    </a:lnB>
+                    <a:noFill/>
+                  </a:tcPr>
+                </a:tc>
+                <a:tc>
+                  <a:txBody>
+                    <a:bodyPr/>
+                    <a:lstStyle/>
+                    <a:p>
+                      <a:pPr algn="r" fontAlgn="ctr"/>
+                      <a:r>
+                        <a:rPr lang="en-US" altLang="ja-JP" sz="1600" b="0" i="0" u="none" strike="noStrike">
+                          <a:solidFill>
+                            <a:srgbClr val="000000"/>
+                          </a:solidFill>
+                          <a:effectLst/>
+                          <a:latin typeface="ＭＳ Ｐゴシック" panose="020B0600070205080204" pitchFamily="50" charset="-128"/>
+                          <a:ea typeface="ＭＳ Ｐゴシック" panose="020B0600070205080204" pitchFamily="50" charset="-128"/>
+                        </a:rPr>
+                        <a:t>6.317073</a:t>
+                      </a:r>
+                    </a:p>
+                  </a:txBody>
+                  <a:tcPr marL="9525" marR="9525" marT="9525" marB="0" anchor="ctr">
+                    <a:lnL w="12700" cap="flat" cmpd="sng" algn="ctr">
+                      <a:solidFill>
+                        <a:schemeClr val="tx1"/>
+                      </a:solidFill>
+                      <a:prstDash val="solid"/>
+                      <a:round/>
+                      <a:headEnd type="none" w="med" len="med"/>
+                      <a:tailEnd type="none" w="med" len="med"/>
+                    </a:lnL>
+                    <a:lnR w="12700" cap="flat" cmpd="sng" algn="ctr">
+                      <a:solidFill>
+                        <a:schemeClr val="tx1"/>
+                      </a:solidFill>
+                      <a:prstDash val="solid"/>
+                      <a:round/>
+                      <a:headEnd type="none" w="med" len="med"/>
+                      <a:tailEnd type="none" w="med" len="med"/>
+                    </a:lnR>
+                    <a:lnT w="12700" cap="flat" cmpd="sng" algn="ctr">
+                      <a:solidFill>
+                        <a:schemeClr val="tx1"/>
+                      </a:solidFill>
+                      <a:prstDash val="solid"/>
+                      <a:round/>
+                      <a:headEnd type="none" w="med" len="med"/>
+                      <a:tailEnd type="none" w="med" len="med"/>
+                    </a:lnT>
+                    <a:lnB w="12700" cap="flat" cmpd="sng" algn="ctr">
+                      <a:solidFill>
+                        <a:schemeClr val="tx1"/>
+                      </a:solidFill>
+                      <a:prstDash val="solid"/>
+                      <a:round/>
+                      <a:headEnd type="none" w="med" len="med"/>
+                      <a:tailEnd type="none" w="med" len="med"/>
+                    </a:lnB>
+                    <a:noFill/>
+                  </a:tcPr>
+                </a:tc>
+                <a:tc>
+                  <a:txBody>
+                    <a:bodyPr/>
+                    <a:lstStyle/>
+                    <a:p>
+                      <a:pPr algn="r" fontAlgn="ctr"/>
+                      <a:r>
+                        <a:rPr lang="en-US" altLang="ja-JP" sz="1600" b="0" i="0" u="none" strike="noStrike">
+                          <a:solidFill>
+                            <a:srgbClr val="000000"/>
+                          </a:solidFill>
+                          <a:effectLst/>
+                          <a:latin typeface="ＭＳ Ｐゴシック" panose="020B0600070205080204" pitchFamily="50" charset="-128"/>
+                          <a:ea typeface="ＭＳ Ｐゴシック" panose="020B0600070205080204" pitchFamily="50" charset="-128"/>
+                        </a:rPr>
+                        <a:t>90</a:t>
+                      </a:r>
+                    </a:p>
+                  </a:txBody>
+                  <a:tcPr marL="9525" marR="9525" marT="9525" marB="0" anchor="ctr">
+                    <a:lnL w="12700" cap="flat" cmpd="sng" algn="ctr">
+                      <a:solidFill>
+                        <a:schemeClr val="tx1"/>
+                      </a:solidFill>
+                      <a:prstDash val="solid"/>
+                      <a:round/>
+                      <a:headEnd type="none" w="med" len="med"/>
+                      <a:tailEnd type="none" w="med" len="med"/>
+                    </a:lnL>
+                    <a:lnR w="12700" cap="flat" cmpd="sng" algn="ctr">
+                      <a:solidFill>
+                        <a:schemeClr val="tx1"/>
+                      </a:solidFill>
+                      <a:prstDash val="solid"/>
+                      <a:round/>
+                      <a:headEnd type="none" w="med" len="med"/>
+                      <a:tailEnd type="none" w="med" len="med"/>
+                    </a:lnR>
+                    <a:lnT w="12700" cap="flat" cmpd="sng" algn="ctr">
+                      <a:solidFill>
+                        <a:schemeClr val="tx1"/>
+                      </a:solidFill>
+                      <a:prstDash val="solid"/>
+                      <a:round/>
+                      <a:headEnd type="none" w="med" len="med"/>
+                      <a:tailEnd type="none" w="med" len="med"/>
+                    </a:lnT>
+                    <a:lnB w="12700" cap="flat" cmpd="sng" algn="ctr">
+                      <a:solidFill>
+                        <a:schemeClr val="tx1"/>
+                      </a:solidFill>
+                      <a:prstDash val="solid"/>
+                      <a:round/>
+                      <a:headEnd type="none" w="med" len="med"/>
+                      <a:tailEnd type="none" w="med" len="med"/>
+                    </a:lnB>
+                    <a:noFill/>
+                  </a:tcPr>
+                </a:tc>
+                <a:tc>
+                  <a:txBody>
+                    <a:bodyPr/>
+                    <a:lstStyle/>
+                    <a:p>
+                      <a:pPr algn="r" fontAlgn="ctr"/>
+                      <a:r>
+                        <a:rPr lang="en-US" altLang="ja-JP" sz="1600" b="0" i="0" u="none" strike="noStrike">
+                          <a:solidFill>
+                            <a:srgbClr val="000000"/>
+                          </a:solidFill>
+                          <a:effectLst/>
+                          <a:latin typeface="ＭＳ Ｐゴシック" panose="020B0600070205080204" pitchFamily="50" charset="-128"/>
+                          <a:ea typeface="ＭＳ Ｐゴシック" panose="020B0600070205080204" pitchFamily="50" charset="-128"/>
+                        </a:rPr>
+                        <a:t>91</a:t>
+                      </a:r>
+                    </a:p>
+                  </a:txBody>
+                  <a:tcPr marL="9525" marR="9525" marT="9525" marB="0" anchor="ctr">
+                    <a:lnL w="12700" cap="flat" cmpd="sng" algn="ctr">
+                      <a:solidFill>
+                        <a:schemeClr val="tx1"/>
+                      </a:solidFill>
+                      <a:prstDash val="solid"/>
+                      <a:round/>
+                      <a:headEnd type="none" w="med" len="med"/>
+                      <a:tailEnd type="none" w="med" len="med"/>
+                    </a:lnL>
+                    <a:lnR w="12700" cap="flat" cmpd="sng" algn="ctr">
+                      <a:solidFill>
+                        <a:schemeClr val="tx1"/>
+                      </a:solidFill>
+                      <a:prstDash val="solid"/>
+                      <a:round/>
+                      <a:headEnd type="none" w="med" len="med"/>
+                      <a:tailEnd type="none" w="med" len="med"/>
+                    </a:lnR>
+                    <a:lnT w="12700" cap="flat" cmpd="sng" algn="ctr">
+                      <a:solidFill>
+                        <a:schemeClr val="tx1"/>
+                      </a:solidFill>
+                      <a:prstDash val="solid"/>
+                      <a:round/>
+                      <a:headEnd type="none" w="med" len="med"/>
+                      <a:tailEnd type="none" w="med" len="med"/>
+                    </a:lnT>
+                    <a:lnB w="12700" cap="flat" cmpd="sng" algn="ctr">
+                      <a:solidFill>
+                        <a:schemeClr val="tx1"/>
+                      </a:solidFill>
+                      <a:prstDash val="solid"/>
+                      <a:round/>
+                      <a:headEnd type="none" w="med" len="med"/>
+                      <a:tailEnd type="none" w="med" len="med"/>
+                    </a:lnB>
+                    <a:noFill/>
+                  </a:tcPr>
+                </a:tc>
+              </a:tr>
+              <a:tr h="343814">
+                <a:tc>
+                  <a:txBody>
+                    <a:bodyPr/>
+                    <a:lstStyle/>
+                    <a:p>
+                      <a:pPr algn="l" fontAlgn="ctr"/>
+                      <a:r>
+                        <a:rPr lang="en-US" sz="1600" b="0" i="0" u="none" strike="noStrike" dirty="0" err="1">
+                          <a:solidFill>
+                            <a:srgbClr val="000000"/>
+                          </a:solidFill>
+                          <a:effectLst/>
+                          <a:latin typeface="ＭＳ Ｐゴシック" panose="020B0600070205080204" pitchFamily="50" charset="-128"/>
+                          <a:ea typeface="ＭＳ Ｐゴシック" panose="020B0600070205080204" pitchFamily="50" charset="-128"/>
+                        </a:rPr>
+                        <a:t>DesIsTheBest</a:t>
+                      </a:r>
+                      <a:endParaRPr lang="en-US" sz="1600" b="0" i="0" u="none" strike="noStrike" dirty="0">
+                        <a:solidFill>
+                          <a:srgbClr val="000000"/>
+                        </a:solidFill>
+                        <a:effectLst/>
+                        <a:latin typeface="ＭＳ Ｐゴシック" panose="020B0600070205080204" pitchFamily="50" charset="-128"/>
+                        <a:ea typeface="ＭＳ Ｐゴシック" panose="020B0600070205080204" pitchFamily="50" charset="-128"/>
+                      </a:endParaRPr>
+                    </a:p>
+                  </a:txBody>
+                  <a:tcPr marL="9525" marR="9525" marT="9525" marB="0" anchor="ctr">
+                    <a:lnL w="12700" cap="flat" cmpd="sng" algn="ctr">
+                      <a:solidFill>
+                        <a:schemeClr val="tx1"/>
+                      </a:solidFill>
+                      <a:prstDash val="solid"/>
+                      <a:round/>
+                      <a:headEnd type="none" w="med" len="med"/>
+                      <a:tailEnd type="none" w="med" len="med"/>
+                    </a:lnL>
+                    <a:lnR w="12700" cap="flat" cmpd="sng" algn="ctr">
+                      <a:solidFill>
+                        <a:schemeClr val="tx1"/>
+                      </a:solidFill>
+                      <a:prstDash val="solid"/>
+                      <a:round/>
+                      <a:headEnd type="none" w="med" len="med"/>
+                      <a:tailEnd type="none" w="med" len="med"/>
+                    </a:lnR>
+                    <a:lnT w="12700" cap="flat" cmpd="sng" algn="ctr">
+                      <a:solidFill>
+                        <a:schemeClr val="tx1"/>
+                      </a:solidFill>
+                      <a:prstDash val="solid"/>
+                      <a:round/>
+                      <a:headEnd type="none" w="med" len="med"/>
+                      <a:tailEnd type="none" w="med" len="med"/>
+                    </a:lnT>
+                    <a:lnB w="12700" cap="flat" cmpd="sng" algn="ctr">
+                      <a:solidFill>
+                        <a:schemeClr val="tx1"/>
+                      </a:solidFill>
+                      <a:prstDash val="solid"/>
+                      <a:round/>
+                      <a:headEnd type="none" w="med" len="med"/>
+                      <a:tailEnd type="none" w="med" len="med"/>
+                    </a:lnB>
+                    <a:noFill/>
+                  </a:tcPr>
+                </a:tc>
+                <a:tc>
+                  <a:txBody>
+                    <a:bodyPr/>
+                    <a:lstStyle/>
+                    <a:p>
+                      <a:pPr algn="r" fontAlgn="ctr"/>
+                      <a:r>
+                        <a:rPr lang="en-US" altLang="ja-JP" sz="1600" b="0" i="0" u="none" strike="noStrike" dirty="0">
+                          <a:solidFill>
+                            <a:srgbClr val="000000"/>
+                          </a:solidFill>
+                          <a:effectLst/>
+                          <a:latin typeface="ＭＳ Ｐゴシック" panose="020B0600070205080204" pitchFamily="50" charset="-128"/>
+                          <a:ea typeface="ＭＳ Ｐゴシック" panose="020B0600070205080204" pitchFamily="50" charset="-128"/>
+                        </a:rPr>
+                        <a:t>11.74536</a:t>
+                      </a:r>
+                    </a:p>
+                  </a:txBody>
+                  <a:tcPr marL="9525" marR="9525" marT="9525" marB="0" anchor="ctr">
+                    <a:lnL w="12700" cap="flat" cmpd="sng" algn="ctr">
+                      <a:solidFill>
+                        <a:schemeClr val="tx1"/>
+                      </a:solidFill>
+                      <a:prstDash val="solid"/>
+                      <a:round/>
+                      <a:headEnd type="none" w="med" len="med"/>
+                      <a:tailEnd type="none" w="med" len="med"/>
+                    </a:lnL>
+                    <a:lnR w="12700" cap="flat" cmpd="sng" algn="ctr">
+                      <a:solidFill>
+                        <a:schemeClr val="tx1"/>
+                      </a:solidFill>
+                      <a:prstDash val="solid"/>
+                      <a:round/>
+                      <a:headEnd type="none" w="med" len="med"/>
+                      <a:tailEnd type="none" w="med" len="med"/>
+                    </a:lnR>
+                    <a:lnT w="12700" cap="flat" cmpd="sng" algn="ctr">
+                      <a:solidFill>
+                        <a:schemeClr val="tx1"/>
+                      </a:solidFill>
+                      <a:prstDash val="solid"/>
+                      <a:round/>
+                      <a:headEnd type="none" w="med" len="med"/>
+                      <a:tailEnd type="none" w="med" len="med"/>
+                    </a:lnT>
+                    <a:lnB w="12700" cap="flat" cmpd="sng" algn="ctr">
+                      <a:solidFill>
+                        <a:schemeClr val="tx1"/>
+                      </a:solidFill>
+                      <a:prstDash val="solid"/>
+                      <a:round/>
+                      <a:headEnd type="none" w="med" len="med"/>
+                      <a:tailEnd type="none" w="med" len="med"/>
+                    </a:lnB>
+                    <a:noFill/>
+                  </a:tcPr>
+                </a:tc>
+                <a:tc>
+                  <a:txBody>
+                    <a:bodyPr/>
+                    <a:lstStyle/>
+                    <a:p>
+                      <a:pPr algn="r" fontAlgn="ctr"/>
+                      <a:r>
+                        <a:rPr lang="en-US" altLang="ja-JP" sz="1600" b="0" i="0" u="none" strike="noStrike" dirty="0">
+                          <a:solidFill>
+                            <a:srgbClr val="000000"/>
+                          </a:solidFill>
+                          <a:effectLst/>
+                          <a:latin typeface="ＭＳ Ｐゴシック" panose="020B0600070205080204" pitchFamily="50" charset="-128"/>
+                          <a:ea typeface="ＭＳ Ｐゴシック" panose="020B0600070205080204" pitchFamily="50" charset="-128"/>
+                        </a:rPr>
+                        <a:t>453</a:t>
+                      </a:r>
+                    </a:p>
+                  </a:txBody>
+                  <a:tcPr marL="9525" marR="9525" marT="9525" marB="0" anchor="ctr">
+                    <a:lnL w="12700" cap="flat" cmpd="sng" algn="ctr">
+                      <a:solidFill>
+                        <a:schemeClr val="tx1"/>
+                      </a:solidFill>
+                      <a:prstDash val="solid"/>
+                      <a:round/>
+                      <a:headEnd type="none" w="med" len="med"/>
+                      <a:tailEnd type="none" w="med" len="med"/>
+                    </a:lnL>
+                    <a:lnR w="12700" cap="flat" cmpd="sng" algn="ctr">
+                      <a:solidFill>
+                        <a:schemeClr val="tx1"/>
+                      </a:solidFill>
+                      <a:prstDash val="solid"/>
+                      <a:round/>
+                      <a:headEnd type="none" w="med" len="med"/>
+                      <a:tailEnd type="none" w="med" len="med"/>
+                    </a:lnR>
+                    <a:lnT w="12700" cap="flat" cmpd="sng" algn="ctr">
+                      <a:solidFill>
+                        <a:schemeClr val="tx1"/>
+                      </a:solidFill>
+                      <a:prstDash val="solid"/>
+                      <a:round/>
+                      <a:headEnd type="none" w="med" len="med"/>
+                      <a:tailEnd type="none" w="med" len="med"/>
+                    </a:lnT>
+                    <a:lnB w="12700" cap="flat" cmpd="sng" algn="ctr">
+                      <a:solidFill>
+                        <a:schemeClr val="tx1"/>
+                      </a:solidFill>
+                      <a:prstDash val="solid"/>
+                      <a:round/>
+                      <a:headEnd type="none" w="med" len="med"/>
+                      <a:tailEnd type="none" w="med" len="med"/>
+                    </a:lnB>
+                    <a:noFill/>
+                  </a:tcPr>
+                </a:tc>
+                <a:tc>
+                  <a:txBody>
+                    <a:bodyPr/>
+                    <a:lstStyle/>
+                    <a:p>
+                      <a:pPr algn="r" fontAlgn="ctr"/>
+                      <a:r>
+                        <a:rPr lang="en-US" altLang="ja-JP" sz="1600" b="0" i="0" u="none" strike="noStrike" dirty="0">
+                          <a:solidFill>
+                            <a:srgbClr val="000000"/>
+                          </a:solidFill>
+                          <a:effectLst/>
+                          <a:latin typeface="ＭＳ Ｐゴシック" panose="020B0600070205080204" pitchFamily="50" charset="-128"/>
+                          <a:ea typeface="ＭＳ Ｐゴシック" panose="020B0600070205080204" pitchFamily="50" charset="-128"/>
+                        </a:rPr>
+                        <a:t>328</a:t>
+                      </a:r>
+                    </a:p>
+                  </a:txBody>
+                  <a:tcPr marL="9525" marR="9525" marT="9525" marB="0" anchor="ctr">
+                    <a:lnL w="12700" cap="flat" cmpd="sng" algn="ctr">
+                      <a:solidFill>
+                        <a:schemeClr val="tx1"/>
+                      </a:solidFill>
+                      <a:prstDash val="solid"/>
+                      <a:round/>
+                      <a:headEnd type="none" w="med" len="med"/>
+                      <a:tailEnd type="none" w="med" len="med"/>
+                    </a:lnL>
+                    <a:lnR w="12700" cap="flat" cmpd="sng" algn="ctr">
+                      <a:solidFill>
+                        <a:schemeClr val="tx1"/>
+                      </a:solidFill>
+                      <a:prstDash val="solid"/>
+                      <a:round/>
+                      <a:headEnd type="none" w="med" len="med"/>
+                      <a:tailEnd type="none" w="med" len="med"/>
+                    </a:lnR>
+                    <a:lnT w="12700" cap="flat" cmpd="sng" algn="ctr">
+                      <a:solidFill>
+                        <a:schemeClr val="tx1"/>
+                      </a:solidFill>
+                      <a:prstDash val="solid"/>
+                      <a:round/>
+                      <a:headEnd type="none" w="med" len="med"/>
+                      <a:tailEnd type="none" w="med" len="med"/>
+                    </a:lnT>
+                    <a:lnB w="12700" cap="flat" cmpd="sng" algn="ctr">
+                      <a:solidFill>
+                        <a:schemeClr val="tx1"/>
+                      </a:solidFill>
+                      <a:prstDash val="solid"/>
+                      <a:round/>
+                      <a:headEnd type="none" w="med" len="med"/>
+                      <a:tailEnd type="none" w="med" len="med"/>
+                    </a:lnB>
+                    <a:noFill/>
+                  </a:tcPr>
+                </a:tc>
+              </a:tr>
+              <a:tr h="343814">
+                <a:tc>
+                  <a:txBody>
+                    <a:bodyPr/>
+                    <a:lstStyle/>
+                    <a:p>
+                      <a:pPr algn="l" fontAlgn="ctr"/>
+                      <a:r>
+                        <a:rPr lang="en-US" sz="1600" b="0" i="0" u="none" strike="noStrike">
+                          <a:solidFill>
+                            <a:srgbClr val="000000"/>
+                          </a:solidFill>
+                          <a:effectLst/>
+                          <a:latin typeface="ＭＳ Ｐゴシック" panose="020B0600070205080204" pitchFamily="50" charset="-128"/>
+                          <a:ea typeface="ＭＳ Ｐゴシック" panose="020B0600070205080204" pitchFamily="50" charset="-128"/>
+                        </a:rPr>
+                        <a:t>h1h1hs</a:t>
+                      </a:r>
+                    </a:p>
+                  </a:txBody>
+                  <a:tcPr marL="9525" marR="9525" marT="9525" marB="0" anchor="ctr">
+                    <a:lnL w="12700" cap="flat" cmpd="sng" algn="ctr">
+                      <a:solidFill>
+                        <a:schemeClr val="tx1"/>
+                      </a:solidFill>
+                      <a:prstDash val="solid"/>
+                      <a:round/>
+                      <a:headEnd type="none" w="med" len="med"/>
+                      <a:tailEnd type="none" w="med" len="med"/>
+                    </a:lnL>
+                    <a:lnR w="12700" cap="flat" cmpd="sng" algn="ctr">
+                      <a:solidFill>
+                        <a:schemeClr val="tx1"/>
+                      </a:solidFill>
+                      <a:prstDash val="solid"/>
+                      <a:round/>
+                      <a:headEnd type="none" w="med" len="med"/>
+                      <a:tailEnd type="none" w="med" len="med"/>
+                    </a:lnR>
+                    <a:lnT w="12700" cap="flat" cmpd="sng" algn="ctr">
+                      <a:solidFill>
+                        <a:schemeClr val="tx1"/>
+                      </a:solidFill>
+                      <a:prstDash val="solid"/>
+                      <a:round/>
+                      <a:headEnd type="none" w="med" len="med"/>
+                      <a:tailEnd type="none" w="med" len="med"/>
+                    </a:lnT>
+                    <a:lnB w="12700" cap="flat" cmpd="sng" algn="ctr">
+                      <a:solidFill>
+                        <a:schemeClr val="tx1"/>
+                      </a:solidFill>
+                      <a:prstDash val="solid"/>
+                      <a:round/>
+                      <a:headEnd type="none" w="med" len="med"/>
+                      <a:tailEnd type="none" w="med" len="med"/>
+                    </a:lnB>
+                    <a:noFill/>
+                  </a:tcPr>
+                </a:tc>
+                <a:tc>
+                  <a:txBody>
+                    <a:bodyPr/>
+                    <a:lstStyle/>
+                    <a:p>
+                      <a:pPr algn="r" fontAlgn="ctr"/>
+                      <a:r>
+                        <a:rPr lang="en-US" altLang="ja-JP" sz="1600" b="0" i="0" u="none" strike="noStrike">
+                          <a:solidFill>
+                            <a:srgbClr val="000000"/>
+                          </a:solidFill>
+                          <a:effectLst/>
+                          <a:latin typeface="ＭＳ Ｐゴシック" panose="020B0600070205080204" pitchFamily="50" charset="-128"/>
+                          <a:ea typeface="ＭＳ Ｐゴシック" panose="020B0600070205080204" pitchFamily="50" charset="-128"/>
+                        </a:rPr>
+                        <a:t>4.030488</a:t>
+                      </a:r>
+                    </a:p>
+                  </a:txBody>
+                  <a:tcPr marL="9525" marR="9525" marT="9525" marB="0" anchor="ctr">
+                    <a:lnL w="12700" cap="flat" cmpd="sng" algn="ctr">
+                      <a:solidFill>
+                        <a:schemeClr val="tx1"/>
+                      </a:solidFill>
+                      <a:prstDash val="solid"/>
+                      <a:round/>
+                      <a:headEnd type="none" w="med" len="med"/>
+                      <a:tailEnd type="none" w="med" len="med"/>
+                    </a:lnL>
+                    <a:lnR w="12700" cap="flat" cmpd="sng" algn="ctr">
+                      <a:solidFill>
+                        <a:schemeClr val="tx1"/>
+                      </a:solidFill>
+                      <a:prstDash val="solid"/>
+                      <a:round/>
+                      <a:headEnd type="none" w="med" len="med"/>
+                      <a:tailEnd type="none" w="med" len="med"/>
+                    </a:lnR>
+                    <a:lnT w="12700" cap="flat" cmpd="sng" algn="ctr">
+                      <a:solidFill>
+                        <a:schemeClr val="tx1"/>
+                      </a:solidFill>
+                      <a:prstDash val="solid"/>
+                      <a:round/>
+                      <a:headEnd type="none" w="med" len="med"/>
+                      <a:tailEnd type="none" w="med" len="med"/>
+                    </a:lnT>
+                    <a:lnB w="12700" cap="flat" cmpd="sng" algn="ctr">
+                      <a:solidFill>
+                        <a:schemeClr val="tx1"/>
+                      </a:solidFill>
+                      <a:prstDash val="solid"/>
+                      <a:round/>
+                      <a:headEnd type="none" w="med" len="med"/>
+                      <a:tailEnd type="none" w="med" len="med"/>
+                    </a:lnB>
+                    <a:noFill/>
+                  </a:tcPr>
+                </a:tc>
+                <a:tc>
+                  <a:txBody>
+                    <a:bodyPr/>
+                    <a:lstStyle/>
+                    <a:p>
+                      <a:pPr algn="r" fontAlgn="ctr"/>
+                      <a:r>
+                        <a:rPr lang="en-US" altLang="ja-JP" sz="1600" b="0" i="0" u="none" strike="noStrike">
+                          <a:solidFill>
+                            <a:srgbClr val="000000"/>
+                          </a:solidFill>
+                          <a:effectLst/>
+                          <a:latin typeface="ＭＳ Ｐゴシック" panose="020B0600070205080204" pitchFamily="50" charset="-128"/>
+                          <a:ea typeface="ＭＳ Ｐゴシック" panose="020B0600070205080204" pitchFamily="50" charset="-128"/>
+                        </a:rPr>
+                        <a:t>143</a:t>
+                      </a:r>
+                    </a:p>
+                  </a:txBody>
+                  <a:tcPr marL="9525" marR="9525" marT="9525" marB="0" anchor="ctr">
+                    <a:lnL w="12700" cap="flat" cmpd="sng" algn="ctr">
+                      <a:solidFill>
+                        <a:schemeClr val="tx1"/>
+                      </a:solidFill>
+                      <a:prstDash val="solid"/>
+                      <a:round/>
+                      <a:headEnd type="none" w="med" len="med"/>
+                      <a:tailEnd type="none" w="med" len="med"/>
+                    </a:lnL>
+                    <a:lnR w="12700" cap="flat" cmpd="sng" algn="ctr">
+                      <a:solidFill>
+                        <a:schemeClr val="tx1"/>
+                      </a:solidFill>
+                      <a:prstDash val="solid"/>
+                      <a:round/>
+                      <a:headEnd type="none" w="med" len="med"/>
+                      <a:tailEnd type="none" w="med" len="med"/>
+                    </a:lnR>
+                    <a:lnT w="12700" cap="flat" cmpd="sng" algn="ctr">
+                      <a:solidFill>
+                        <a:schemeClr val="tx1"/>
+                      </a:solidFill>
+                      <a:prstDash val="solid"/>
+                      <a:round/>
+                      <a:headEnd type="none" w="med" len="med"/>
+                      <a:tailEnd type="none" w="med" len="med"/>
+                    </a:lnT>
+                    <a:lnB w="12700" cap="flat" cmpd="sng" algn="ctr">
+                      <a:solidFill>
+                        <a:schemeClr val="tx1"/>
+                      </a:solidFill>
+                      <a:prstDash val="solid"/>
+                      <a:round/>
+                      <a:headEnd type="none" w="med" len="med"/>
+                      <a:tailEnd type="none" w="med" len="med"/>
+                    </a:lnB>
+                    <a:noFill/>
+                  </a:tcPr>
+                </a:tc>
+                <a:tc>
+                  <a:txBody>
+                    <a:bodyPr/>
+                    <a:lstStyle/>
+                    <a:p>
+                      <a:pPr algn="r" fontAlgn="ctr"/>
+                      <a:r>
+                        <a:rPr lang="en-US" altLang="ja-JP" sz="1600" b="0" i="0" u="none" strike="noStrike" dirty="0">
+                          <a:solidFill>
+                            <a:srgbClr val="000000"/>
+                          </a:solidFill>
+                          <a:effectLst/>
+                          <a:latin typeface="ＭＳ Ｐゴシック" panose="020B0600070205080204" pitchFamily="50" charset="-128"/>
+                          <a:ea typeface="ＭＳ Ｐゴシック" panose="020B0600070205080204" pitchFamily="50" charset="-128"/>
+                        </a:rPr>
+                        <a:t>66</a:t>
+                      </a:r>
+                    </a:p>
+                  </a:txBody>
+                  <a:tcPr marL="9525" marR="9525" marT="9525" marB="0" anchor="ctr">
+                    <a:lnL w="12700" cap="flat" cmpd="sng" algn="ctr">
+                      <a:solidFill>
+                        <a:schemeClr val="tx1"/>
+                      </a:solidFill>
+                      <a:prstDash val="solid"/>
+                      <a:round/>
+                      <a:headEnd type="none" w="med" len="med"/>
+                      <a:tailEnd type="none" w="med" len="med"/>
+                    </a:lnL>
+                    <a:lnR w="12700" cap="flat" cmpd="sng" algn="ctr">
+                      <a:solidFill>
+                        <a:schemeClr val="tx1"/>
+                      </a:solidFill>
+                      <a:prstDash val="solid"/>
+                      <a:round/>
+                      <a:headEnd type="none" w="med" len="med"/>
+                      <a:tailEnd type="none" w="med" len="med"/>
+                    </a:lnR>
+                    <a:lnT w="12700" cap="flat" cmpd="sng" algn="ctr">
+                      <a:solidFill>
+                        <a:schemeClr val="tx1"/>
+                      </a:solidFill>
+                      <a:prstDash val="solid"/>
+                      <a:round/>
+                      <a:headEnd type="none" w="med" len="med"/>
+                      <a:tailEnd type="none" w="med" len="med"/>
+                    </a:lnT>
+                    <a:lnB w="12700" cap="flat" cmpd="sng" algn="ctr">
+                      <a:solidFill>
+                        <a:schemeClr val="tx1"/>
+                      </a:solidFill>
+                      <a:prstDash val="solid"/>
+                      <a:round/>
+                      <a:headEnd type="none" w="med" len="med"/>
+                      <a:tailEnd type="none" w="med" len="med"/>
+                    </a:lnB>
+                    <a:noFill/>
+                  </a:tcPr>
+                </a:tc>
+              </a:tr>
+              <a:tr h="343814">
+                <a:tc>
+                  <a:txBody>
+                    <a:bodyPr/>
+                    <a:lstStyle/>
+                    <a:p>
+                      <a:pPr algn="l" fontAlgn="ctr"/>
+                      <a:r>
+                        <a:rPr lang="en-US" sz="1600" b="0" i="0" u="none" strike="noStrike">
+                          <a:solidFill>
+                            <a:srgbClr val="000000"/>
+                          </a:solidFill>
+                          <a:effectLst/>
+                          <a:latin typeface="ＭＳ Ｐゴシック" panose="020B0600070205080204" pitchFamily="50" charset="-128"/>
+                          <a:ea typeface="ＭＳ Ｐゴシック" panose="020B0600070205080204" pitchFamily="50" charset="-128"/>
+                        </a:rPr>
+                        <a:t>BeatrixzAna</a:t>
+                      </a:r>
+                    </a:p>
+                  </a:txBody>
+                  <a:tcPr marL="9525" marR="9525" marT="9525" marB="0" anchor="ctr">
+                    <a:lnL w="12700" cap="flat" cmpd="sng" algn="ctr">
+                      <a:solidFill>
+                        <a:schemeClr val="tx1"/>
+                      </a:solidFill>
+                      <a:prstDash val="solid"/>
+                      <a:round/>
+                      <a:headEnd type="none" w="med" len="med"/>
+                      <a:tailEnd type="none" w="med" len="med"/>
+                    </a:lnL>
+                    <a:lnR w="12700" cap="flat" cmpd="sng" algn="ctr">
+                      <a:solidFill>
+                        <a:schemeClr val="tx1"/>
+                      </a:solidFill>
+                      <a:prstDash val="solid"/>
+                      <a:round/>
+                      <a:headEnd type="none" w="med" len="med"/>
+                      <a:tailEnd type="none" w="med" len="med"/>
+                    </a:lnR>
+                    <a:lnT w="12700" cap="flat" cmpd="sng" algn="ctr">
+                      <a:solidFill>
+                        <a:schemeClr val="tx1"/>
+                      </a:solidFill>
+                      <a:prstDash val="solid"/>
+                      <a:round/>
+                      <a:headEnd type="none" w="med" len="med"/>
+                      <a:tailEnd type="none" w="med" len="med"/>
+                    </a:lnT>
+                    <a:lnB w="12700" cap="flat" cmpd="sng" algn="ctr">
+                      <a:solidFill>
+                        <a:schemeClr val="tx1"/>
+                      </a:solidFill>
+                      <a:prstDash val="solid"/>
+                      <a:round/>
+                      <a:headEnd type="none" w="med" len="med"/>
+                      <a:tailEnd type="none" w="med" len="med"/>
+                    </a:lnB>
+                    <a:noFill/>
+                  </a:tcPr>
+                </a:tc>
+                <a:tc>
+                  <a:txBody>
+                    <a:bodyPr/>
+                    <a:lstStyle/>
+                    <a:p>
+                      <a:pPr algn="r" fontAlgn="ctr"/>
+                      <a:r>
+                        <a:rPr lang="en-US" altLang="ja-JP" sz="1600" b="0" i="0" u="none" strike="noStrike">
+                          <a:solidFill>
+                            <a:srgbClr val="000000"/>
+                          </a:solidFill>
+                          <a:effectLst/>
+                          <a:latin typeface="ＭＳ Ｐゴシック" panose="020B0600070205080204" pitchFamily="50" charset="-128"/>
+                          <a:ea typeface="ＭＳ Ｐゴシック" panose="020B0600070205080204" pitchFamily="50" charset="-128"/>
+                        </a:rPr>
+                        <a:t>25.19118</a:t>
+                      </a:r>
+                    </a:p>
+                  </a:txBody>
+                  <a:tcPr marL="9525" marR="9525" marT="9525" marB="0" anchor="ctr">
+                    <a:lnL w="12700" cap="flat" cmpd="sng" algn="ctr">
+                      <a:solidFill>
+                        <a:schemeClr val="tx1"/>
+                      </a:solidFill>
+                      <a:prstDash val="solid"/>
+                      <a:round/>
+                      <a:headEnd type="none" w="med" len="med"/>
+                      <a:tailEnd type="none" w="med" len="med"/>
+                    </a:lnL>
+                    <a:lnR w="12700" cap="flat" cmpd="sng" algn="ctr">
+                      <a:solidFill>
+                        <a:schemeClr val="tx1"/>
+                      </a:solidFill>
+                      <a:prstDash val="solid"/>
+                      <a:round/>
+                      <a:headEnd type="none" w="med" len="med"/>
+                      <a:tailEnd type="none" w="med" len="med"/>
+                    </a:lnR>
+                    <a:lnT w="12700" cap="flat" cmpd="sng" algn="ctr">
+                      <a:solidFill>
+                        <a:schemeClr val="tx1"/>
+                      </a:solidFill>
+                      <a:prstDash val="solid"/>
+                      <a:round/>
+                      <a:headEnd type="none" w="med" len="med"/>
+                      <a:tailEnd type="none" w="med" len="med"/>
+                    </a:lnT>
+                    <a:lnB w="12700" cap="flat" cmpd="sng" algn="ctr">
+                      <a:solidFill>
+                        <a:schemeClr val="tx1"/>
+                      </a:solidFill>
+                      <a:prstDash val="solid"/>
+                      <a:round/>
+                      <a:headEnd type="none" w="med" len="med"/>
+                      <a:tailEnd type="none" w="med" len="med"/>
+                    </a:lnB>
+                    <a:noFill/>
+                  </a:tcPr>
+                </a:tc>
+                <a:tc>
+                  <a:txBody>
+                    <a:bodyPr/>
+                    <a:lstStyle/>
+                    <a:p>
+                      <a:pPr algn="r" fontAlgn="ctr"/>
+                      <a:r>
+                        <a:rPr lang="en-US" altLang="ja-JP" sz="1600" b="0" i="0" u="none" strike="noStrike">
+                          <a:solidFill>
+                            <a:srgbClr val="000000"/>
+                          </a:solidFill>
+                          <a:effectLst/>
+                          <a:latin typeface="ＭＳ Ｐゴシック" panose="020B0600070205080204" pitchFamily="50" charset="-128"/>
+                          <a:ea typeface="ＭＳ Ｐゴシック" panose="020B0600070205080204" pitchFamily="50" charset="-128"/>
+                        </a:rPr>
+                        <a:t>282</a:t>
+                      </a:r>
+                    </a:p>
+                  </a:txBody>
+                  <a:tcPr marL="9525" marR="9525" marT="9525" marB="0" anchor="ctr">
+                    <a:lnL w="12700" cap="flat" cmpd="sng" algn="ctr">
+                      <a:solidFill>
+                        <a:schemeClr val="tx1"/>
+                      </a:solidFill>
+                      <a:prstDash val="solid"/>
+                      <a:round/>
+                      <a:headEnd type="none" w="med" len="med"/>
+                      <a:tailEnd type="none" w="med" len="med"/>
+                    </a:lnL>
+                    <a:lnR w="12700" cap="flat" cmpd="sng" algn="ctr">
+                      <a:solidFill>
+                        <a:schemeClr val="tx1"/>
+                      </a:solidFill>
+                      <a:prstDash val="solid"/>
+                      <a:round/>
+                      <a:headEnd type="none" w="med" len="med"/>
+                      <a:tailEnd type="none" w="med" len="med"/>
+                    </a:lnR>
+                    <a:lnT w="12700" cap="flat" cmpd="sng" algn="ctr">
+                      <a:solidFill>
+                        <a:schemeClr val="tx1"/>
+                      </a:solidFill>
+                      <a:prstDash val="solid"/>
+                      <a:round/>
+                      <a:headEnd type="none" w="med" len="med"/>
+                      <a:tailEnd type="none" w="med" len="med"/>
+                    </a:lnT>
+                    <a:lnB w="12700" cap="flat" cmpd="sng" algn="ctr">
+                      <a:solidFill>
+                        <a:schemeClr val="tx1"/>
+                      </a:solidFill>
+                      <a:prstDash val="solid"/>
+                      <a:round/>
+                      <a:headEnd type="none" w="med" len="med"/>
+                      <a:tailEnd type="none" w="med" len="med"/>
+                    </a:lnB>
+                    <a:noFill/>
+                  </a:tcPr>
+                </a:tc>
+                <a:tc>
+                  <a:txBody>
+                    <a:bodyPr/>
+                    <a:lstStyle/>
+                    <a:p>
+                      <a:pPr algn="r" fontAlgn="ctr"/>
+                      <a:r>
+                        <a:rPr lang="en-US" altLang="ja-JP" sz="1600" b="0" i="0" u="none" strike="noStrike" dirty="0">
+                          <a:solidFill>
+                            <a:srgbClr val="000000"/>
+                          </a:solidFill>
+                          <a:effectLst/>
+                          <a:latin typeface="ＭＳ Ｐゴシック" panose="020B0600070205080204" pitchFamily="50" charset="-128"/>
+                          <a:ea typeface="ＭＳ Ｐゴシック" panose="020B0600070205080204" pitchFamily="50" charset="-128"/>
+                        </a:rPr>
+                        <a:t>563</a:t>
+                      </a:r>
+                    </a:p>
+                  </a:txBody>
+                  <a:tcPr marL="9525" marR="9525" marT="9525" marB="0" anchor="ctr">
+                    <a:lnL w="12700" cap="flat" cmpd="sng" algn="ctr">
+                      <a:solidFill>
+                        <a:schemeClr val="tx1"/>
+                      </a:solidFill>
+                      <a:prstDash val="solid"/>
+                      <a:round/>
+                      <a:headEnd type="none" w="med" len="med"/>
+                      <a:tailEnd type="none" w="med" len="med"/>
+                    </a:lnL>
+                    <a:lnR w="12700" cap="flat" cmpd="sng" algn="ctr">
+                      <a:solidFill>
+                        <a:schemeClr val="tx1"/>
+                      </a:solidFill>
+                      <a:prstDash val="solid"/>
+                      <a:round/>
+                      <a:headEnd type="none" w="med" len="med"/>
+                      <a:tailEnd type="none" w="med" len="med"/>
+                    </a:lnR>
+                    <a:lnT w="12700" cap="flat" cmpd="sng" algn="ctr">
+                      <a:solidFill>
+                        <a:schemeClr val="tx1"/>
+                      </a:solidFill>
+                      <a:prstDash val="solid"/>
+                      <a:round/>
+                      <a:headEnd type="none" w="med" len="med"/>
+                      <a:tailEnd type="none" w="med" len="med"/>
+                    </a:lnT>
+                    <a:lnB w="12700" cap="flat" cmpd="sng" algn="ctr">
+                      <a:solidFill>
+                        <a:schemeClr val="tx1"/>
+                      </a:solidFill>
+                      <a:prstDash val="solid"/>
+                      <a:round/>
+                      <a:headEnd type="none" w="med" len="med"/>
+                      <a:tailEnd type="none" w="med" len="med"/>
+                    </a:lnB>
+                    <a:noFill/>
+                  </a:tcPr>
+                </a:tc>
+              </a:tr>
+              <a:tr h="343814">
+                <a:tc>
+                  <a:txBody>
+                    <a:bodyPr/>
+                    <a:lstStyle/>
+                    <a:p>
+                      <a:pPr algn="l" fontAlgn="ctr"/>
+                      <a:r>
+                        <a:rPr lang="en-US" sz="1600" b="0" i="0" u="none" strike="noStrike">
+                          <a:solidFill>
+                            <a:srgbClr val="000000"/>
+                          </a:solidFill>
+                          <a:effectLst/>
+                          <a:latin typeface="ＭＳ Ｐゴシック" panose="020B0600070205080204" pitchFamily="50" charset="-128"/>
+                          <a:ea typeface="ＭＳ Ｐゴシック" panose="020B0600070205080204" pitchFamily="50" charset="-128"/>
+                        </a:rPr>
+                        <a:t>whosgc</a:t>
+                      </a:r>
+                    </a:p>
+                  </a:txBody>
+                  <a:tcPr marL="9525" marR="9525" marT="9525" marB="0" anchor="ctr">
+                    <a:lnL w="12700" cap="flat" cmpd="sng" algn="ctr">
+                      <a:solidFill>
+                        <a:schemeClr val="tx1"/>
+                      </a:solidFill>
+                      <a:prstDash val="solid"/>
+                      <a:round/>
+                      <a:headEnd type="none" w="med" len="med"/>
+                      <a:tailEnd type="none" w="med" len="med"/>
+                    </a:lnL>
+                    <a:lnR w="12700" cap="flat" cmpd="sng" algn="ctr">
+                      <a:solidFill>
+                        <a:schemeClr val="tx1"/>
+                      </a:solidFill>
+                      <a:prstDash val="solid"/>
+                      <a:round/>
+                      <a:headEnd type="none" w="med" len="med"/>
+                      <a:tailEnd type="none" w="med" len="med"/>
+                    </a:lnR>
+                    <a:lnT w="12700" cap="flat" cmpd="sng" algn="ctr">
+                      <a:solidFill>
+                        <a:schemeClr val="tx1"/>
+                      </a:solidFill>
+                      <a:prstDash val="solid"/>
+                      <a:round/>
+                      <a:headEnd type="none" w="med" len="med"/>
+                      <a:tailEnd type="none" w="med" len="med"/>
+                    </a:lnT>
+                    <a:lnB w="12700" cap="flat" cmpd="sng" algn="ctr">
+                      <a:solidFill>
+                        <a:schemeClr val="tx1"/>
+                      </a:solidFill>
+                      <a:prstDash val="solid"/>
+                      <a:round/>
+                      <a:headEnd type="none" w="med" len="med"/>
+                      <a:tailEnd type="none" w="med" len="med"/>
+                    </a:lnB>
+                    <a:noFill/>
+                  </a:tcPr>
+                </a:tc>
+                <a:tc>
+                  <a:txBody>
+                    <a:bodyPr/>
+                    <a:lstStyle/>
+                    <a:p>
+                      <a:pPr algn="r" fontAlgn="ctr"/>
+                      <a:r>
+                        <a:rPr lang="en-US" altLang="ja-JP" sz="1600" b="0" i="0" u="none" strike="noStrike">
+                          <a:solidFill>
+                            <a:srgbClr val="000000"/>
+                          </a:solidFill>
+                          <a:effectLst/>
+                          <a:latin typeface="ＭＳ Ｐゴシック" panose="020B0600070205080204" pitchFamily="50" charset="-128"/>
+                          <a:ea typeface="ＭＳ Ｐゴシック" panose="020B0600070205080204" pitchFamily="50" charset="-128"/>
+                        </a:rPr>
+                        <a:t>17.83199</a:t>
+                      </a:r>
+                    </a:p>
+                  </a:txBody>
+                  <a:tcPr marL="9525" marR="9525" marT="9525" marB="0" anchor="ctr">
+                    <a:lnL w="12700" cap="flat" cmpd="sng" algn="ctr">
+                      <a:solidFill>
+                        <a:schemeClr val="tx1"/>
+                      </a:solidFill>
+                      <a:prstDash val="solid"/>
+                      <a:round/>
+                      <a:headEnd type="none" w="med" len="med"/>
+                      <a:tailEnd type="none" w="med" len="med"/>
+                    </a:lnL>
+                    <a:lnR w="12700" cap="flat" cmpd="sng" algn="ctr">
+                      <a:solidFill>
+                        <a:schemeClr val="tx1"/>
+                      </a:solidFill>
+                      <a:prstDash val="solid"/>
+                      <a:round/>
+                      <a:headEnd type="none" w="med" len="med"/>
+                      <a:tailEnd type="none" w="med" len="med"/>
+                    </a:lnR>
+                    <a:lnT w="12700" cap="flat" cmpd="sng" algn="ctr">
+                      <a:solidFill>
+                        <a:schemeClr val="tx1"/>
+                      </a:solidFill>
+                      <a:prstDash val="solid"/>
+                      <a:round/>
+                      <a:headEnd type="none" w="med" len="med"/>
+                      <a:tailEnd type="none" w="med" len="med"/>
+                    </a:lnT>
+                    <a:lnB w="12700" cap="flat" cmpd="sng" algn="ctr">
+                      <a:solidFill>
+                        <a:schemeClr val="tx1"/>
+                      </a:solidFill>
+                      <a:prstDash val="solid"/>
+                      <a:round/>
+                      <a:headEnd type="none" w="med" len="med"/>
+                      <a:tailEnd type="none" w="med" len="med"/>
+                    </a:lnB>
+                    <a:noFill/>
+                  </a:tcPr>
+                </a:tc>
+                <a:tc>
+                  <a:txBody>
+                    <a:bodyPr/>
+                    <a:lstStyle/>
+                    <a:p>
+                      <a:pPr algn="r" fontAlgn="ctr"/>
+                      <a:r>
+                        <a:rPr lang="en-US" altLang="ja-JP" sz="1600" b="0" i="0" u="none" strike="noStrike">
+                          <a:solidFill>
+                            <a:srgbClr val="000000"/>
+                          </a:solidFill>
+                          <a:effectLst/>
+                          <a:latin typeface="ＭＳ Ｐゴシック" panose="020B0600070205080204" pitchFamily="50" charset="-128"/>
+                          <a:ea typeface="ＭＳ Ｐゴシック" panose="020B0600070205080204" pitchFamily="50" charset="-128"/>
+                        </a:rPr>
+                        <a:t>851</a:t>
+                      </a:r>
+                    </a:p>
+                  </a:txBody>
+                  <a:tcPr marL="9525" marR="9525" marT="9525" marB="0" anchor="ctr">
+                    <a:lnL w="12700" cap="flat" cmpd="sng" algn="ctr">
+                      <a:solidFill>
+                        <a:schemeClr val="tx1"/>
+                      </a:solidFill>
+                      <a:prstDash val="solid"/>
+                      <a:round/>
+                      <a:headEnd type="none" w="med" len="med"/>
+                      <a:tailEnd type="none" w="med" len="med"/>
+                    </a:lnL>
+                    <a:lnR w="12700" cap="flat" cmpd="sng" algn="ctr">
+                      <a:solidFill>
+                        <a:schemeClr val="tx1"/>
+                      </a:solidFill>
+                      <a:prstDash val="solid"/>
+                      <a:round/>
+                      <a:headEnd type="none" w="med" len="med"/>
+                      <a:tailEnd type="none" w="med" len="med"/>
+                    </a:lnR>
+                    <a:lnT w="12700" cap="flat" cmpd="sng" algn="ctr">
+                      <a:solidFill>
+                        <a:schemeClr val="tx1"/>
+                      </a:solidFill>
+                      <a:prstDash val="solid"/>
+                      <a:round/>
+                      <a:headEnd type="none" w="med" len="med"/>
+                      <a:tailEnd type="none" w="med" len="med"/>
+                    </a:lnT>
+                    <a:lnB w="12700" cap="flat" cmpd="sng" algn="ctr">
+                      <a:solidFill>
+                        <a:schemeClr val="tx1"/>
+                      </a:solidFill>
+                      <a:prstDash val="solid"/>
+                      <a:round/>
+                      <a:headEnd type="none" w="med" len="med"/>
+                      <a:tailEnd type="none" w="med" len="med"/>
+                    </a:lnB>
+                    <a:noFill/>
+                  </a:tcPr>
+                </a:tc>
+                <a:tc>
+                  <a:txBody>
+                    <a:bodyPr/>
+                    <a:lstStyle/>
+                    <a:p>
+                      <a:pPr algn="r" fontAlgn="ctr"/>
+                      <a:r>
+                        <a:rPr lang="en-US" altLang="ja-JP" sz="1600" b="0" i="0" u="none" strike="noStrike" dirty="0">
+                          <a:solidFill>
+                            <a:srgbClr val="000000"/>
+                          </a:solidFill>
+                          <a:effectLst/>
+                          <a:latin typeface="ＭＳ Ｐゴシック" panose="020B0600070205080204" pitchFamily="50" charset="-128"/>
+                          <a:ea typeface="ＭＳ Ｐゴシック" panose="020B0600070205080204" pitchFamily="50" charset="-128"/>
+                        </a:rPr>
+                        <a:t>1567</a:t>
+                      </a:r>
+                    </a:p>
+                  </a:txBody>
+                  <a:tcPr marL="9525" marR="9525" marT="9525" marB="0" anchor="ctr">
+                    <a:lnL w="12700" cap="flat" cmpd="sng" algn="ctr">
+                      <a:solidFill>
+                        <a:schemeClr val="tx1"/>
+                      </a:solidFill>
+                      <a:prstDash val="solid"/>
+                      <a:round/>
+                      <a:headEnd type="none" w="med" len="med"/>
+                      <a:tailEnd type="none" w="med" len="med"/>
+                    </a:lnL>
+                    <a:lnR w="12700" cap="flat" cmpd="sng" algn="ctr">
+                      <a:solidFill>
+                        <a:schemeClr val="tx1"/>
+                      </a:solidFill>
+                      <a:prstDash val="solid"/>
+                      <a:round/>
+                      <a:headEnd type="none" w="med" len="med"/>
+                      <a:tailEnd type="none" w="med" len="med"/>
+                    </a:lnR>
+                    <a:lnT w="12700" cap="flat" cmpd="sng" algn="ctr">
+                      <a:solidFill>
+                        <a:schemeClr val="tx1"/>
+                      </a:solidFill>
+                      <a:prstDash val="solid"/>
+                      <a:round/>
+                      <a:headEnd type="none" w="med" len="med"/>
+                      <a:tailEnd type="none" w="med" len="med"/>
+                    </a:lnT>
+                    <a:lnB w="12700" cap="flat" cmpd="sng" algn="ctr">
+                      <a:solidFill>
+                        <a:schemeClr val="tx1"/>
+                      </a:solidFill>
+                      <a:prstDash val="solid"/>
+                      <a:round/>
+                      <a:headEnd type="none" w="med" len="med"/>
+                      <a:tailEnd type="none" w="med" len="med"/>
+                    </a:lnB>
+                    <a:noFill/>
+                  </a:tcPr>
+                </a:tc>
+              </a:tr>
+              <a:tr h="343814">
+                <a:tc>
+                  <a:txBody>
+                    <a:bodyPr/>
+                    <a:lstStyle/>
+                    <a:p>
+                      <a:pPr algn="l" fontAlgn="ctr"/>
+                      <a:r>
+                        <a:rPr lang="en-US" sz="1600" b="0" i="0" u="none" strike="noStrike">
+                          <a:solidFill>
+                            <a:srgbClr val="000000"/>
+                          </a:solidFill>
+                          <a:effectLst/>
+                          <a:latin typeface="ＭＳ Ｐゴシック" panose="020B0600070205080204" pitchFamily="50" charset="-128"/>
+                          <a:ea typeface="ＭＳ Ｐゴシック" panose="020B0600070205080204" pitchFamily="50" charset="-128"/>
+                        </a:rPr>
+                        <a:t>R_F_511</a:t>
+                      </a:r>
+                    </a:p>
+                  </a:txBody>
+                  <a:tcPr marL="9525" marR="9525" marT="9525" marB="0" anchor="ctr">
+                    <a:lnL w="12700" cap="flat" cmpd="sng" algn="ctr">
+                      <a:solidFill>
+                        <a:schemeClr val="tx1"/>
+                      </a:solidFill>
+                      <a:prstDash val="solid"/>
+                      <a:round/>
+                      <a:headEnd type="none" w="med" len="med"/>
+                      <a:tailEnd type="none" w="med" len="med"/>
+                    </a:lnL>
+                    <a:lnR w="12700" cap="flat" cmpd="sng" algn="ctr">
+                      <a:solidFill>
+                        <a:schemeClr val="tx1"/>
+                      </a:solidFill>
+                      <a:prstDash val="solid"/>
+                      <a:round/>
+                      <a:headEnd type="none" w="med" len="med"/>
+                      <a:tailEnd type="none" w="med" len="med"/>
+                    </a:lnR>
+                    <a:lnT w="12700" cap="flat" cmpd="sng" algn="ctr">
+                      <a:solidFill>
+                        <a:schemeClr val="tx1"/>
+                      </a:solidFill>
+                      <a:prstDash val="solid"/>
+                      <a:round/>
+                      <a:headEnd type="none" w="med" len="med"/>
+                      <a:tailEnd type="none" w="med" len="med"/>
+                    </a:lnT>
+                    <a:lnB w="12700" cap="flat" cmpd="sng" algn="ctr">
+                      <a:solidFill>
+                        <a:schemeClr val="tx1"/>
+                      </a:solidFill>
+                      <a:prstDash val="solid"/>
+                      <a:round/>
+                      <a:headEnd type="none" w="med" len="med"/>
+                      <a:tailEnd type="none" w="med" len="med"/>
+                    </a:lnB>
+                    <a:noFill/>
+                  </a:tcPr>
+                </a:tc>
+                <a:tc>
+                  <a:txBody>
+                    <a:bodyPr/>
+                    <a:lstStyle/>
+                    <a:p>
+                      <a:pPr algn="r" fontAlgn="ctr"/>
+                      <a:r>
+                        <a:rPr lang="en-US" altLang="ja-JP" sz="1600" b="0" i="0" u="none" strike="noStrike">
+                          <a:solidFill>
+                            <a:srgbClr val="000000"/>
+                          </a:solidFill>
+                          <a:effectLst/>
+                          <a:latin typeface="ＭＳ Ｐゴシック" panose="020B0600070205080204" pitchFamily="50" charset="-128"/>
+                          <a:ea typeface="ＭＳ Ｐゴシック" panose="020B0600070205080204" pitchFamily="50" charset="-128"/>
+                        </a:rPr>
+                        <a:t>13.82857</a:t>
+                      </a:r>
+                    </a:p>
+                  </a:txBody>
+                  <a:tcPr marL="9525" marR="9525" marT="9525" marB="0" anchor="ctr">
+                    <a:lnL w="12700" cap="flat" cmpd="sng" algn="ctr">
+                      <a:solidFill>
+                        <a:schemeClr val="tx1"/>
+                      </a:solidFill>
+                      <a:prstDash val="solid"/>
+                      <a:round/>
+                      <a:headEnd type="none" w="med" len="med"/>
+                      <a:tailEnd type="none" w="med" len="med"/>
+                    </a:lnL>
+                    <a:lnR w="12700" cap="flat" cmpd="sng" algn="ctr">
+                      <a:solidFill>
+                        <a:schemeClr val="tx1"/>
+                      </a:solidFill>
+                      <a:prstDash val="solid"/>
+                      <a:round/>
+                      <a:headEnd type="none" w="med" len="med"/>
+                      <a:tailEnd type="none" w="med" len="med"/>
+                    </a:lnR>
+                    <a:lnT w="12700" cap="flat" cmpd="sng" algn="ctr">
+                      <a:solidFill>
+                        <a:schemeClr val="tx1"/>
+                      </a:solidFill>
+                      <a:prstDash val="solid"/>
+                      <a:round/>
+                      <a:headEnd type="none" w="med" len="med"/>
+                      <a:tailEnd type="none" w="med" len="med"/>
+                    </a:lnT>
+                    <a:lnB w="12700" cap="flat" cmpd="sng" algn="ctr">
+                      <a:solidFill>
+                        <a:schemeClr val="tx1"/>
+                      </a:solidFill>
+                      <a:prstDash val="solid"/>
+                      <a:round/>
+                      <a:headEnd type="none" w="med" len="med"/>
+                      <a:tailEnd type="none" w="med" len="med"/>
+                    </a:lnB>
+                    <a:noFill/>
+                  </a:tcPr>
+                </a:tc>
+                <a:tc>
+                  <a:txBody>
+                    <a:bodyPr/>
+                    <a:lstStyle/>
+                    <a:p>
+                      <a:pPr algn="r" fontAlgn="ctr"/>
+                      <a:r>
+                        <a:rPr lang="en-US" altLang="ja-JP" sz="1600" b="0" i="0" u="none" strike="noStrike">
+                          <a:solidFill>
+                            <a:srgbClr val="000000"/>
+                          </a:solidFill>
+                          <a:effectLst/>
+                          <a:latin typeface="ＭＳ Ｐゴシック" panose="020B0600070205080204" pitchFamily="50" charset="-128"/>
+                          <a:ea typeface="ＭＳ Ｐゴシック" panose="020B0600070205080204" pitchFamily="50" charset="-128"/>
+                        </a:rPr>
+                        <a:t>82</a:t>
+                      </a:r>
+                    </a:p>
+                  </a:txBody>
+                  <a:tcPr marL="9525" marR="9525" marT="9525" marB="0" anchor="ctr">
+                    <a:lnL w="12700" cap="flat" cmpd="sng" algn="ctr">
+                      <a:solidFill>
+                        <a:schemeClr val="tx1"/>
+                      </a:solidFill>
+                      <a:prstDash val="solid"/>
+                      <a:round/>
+                      <a:headEnd type="none" w="med" len="med"/>
+                      <a:tailEnd type="none" w="med" len="med"/>
+                    </a:lnL>
+                    <a:lnR w="12700" cap="flat" cmpd="sng" algn="ctr">
+                      <a:solidFill>
+                        <a:schemeClr val="tx1"/>
+                      </a:solidFill>
+                      <a:prstDash val="solid"/>
+                      <a:round/>
+                      <a:headEnd type="none" w="med" len="med"/>
+                      <a:tailEnd type="none" w="med" len="med"/>
+                    </a:lnR>
+                    <a:lnT w="12700" cap="flat" cmpd="sng" algn="ctr">
+                      <a:solidFill>
+                        <a:schemeClr val="tx1"/>
+                      </a:solidFill>
+                      <a:prstDash val="solid"/>
+                      <a:round/>
+                      <a:headEnd type="none" w="med" len="med"/>
+                      <a:tailEnd type="none" w="med" len="med"/>
+                    </a:lnT>
+                    <a:lnB w="12700" cap="flat" cmpd="sng" algn="ctr">
+                      <a:solidFill>
+                        <a:schemeClr val="tx1"/>
+                      </a:solidFill>
+                      <a:prstDash val="solid"/>
+                      <a:round/>
+                      <a:headEnd type="none" w="med" len="med"/>
+                      <a:tailEnd type="none" w="med" len="med"/>
+                    </a:lnB>
+                    <a:noFill/>
+                  </a:tcPr>
+                </a:tc>
+                <a:tc>
+                  <a:txBody>
+                    <a:bodyPr/>
+                    <a:lstStyle/>
+                    <a:p>
+                      <a:pPr algn="r" fontAlgn="ctr"/>
+                      <a:r>
+                        <a:rPr lang="en-US" altLang="ja-JP" sz="1600" b="0" i="0" u="none" strike="noStrike" dirty="0">
+                          <a:solidFill>
+                            <a:srgbClr val="000000"/>
+                          </a:solidFill>
+                          <a:effectLst/>
+                          <a:latin typeface="ＭＳ Ｐゴシック" panose="020B0600070205080204" pitchFamily="50" charset="-128"/>
+                          <a:ea typeface="ＭＳ Ｐゴシック" panose="020B0600070205080204" pitchFamily="50" charset="-128"/>
+                        </a:rPr>
+                        <a:t>145</a:t>
+                      </a:r>
+                    </a:p>
+                  </a:txBody>
+                  <a:tcPr marL="9525" marR="9525" marT="9525" marB="0" anchor="ctr">
+                    <a:lnL w="12700" cap="flat" cmpd="sng" algn="ctr">
+                      <a:solidFill>
+                        <a:schemeClr val="tx1"/>
+                      </a:solidFill>
+                      <a:prstDash val="solid"/>
+                      <a:round/>
+                      <a:headEnd type="none" w="med" len="med"/>
+                      <a:tailEnd type="none" w="med" len="med"/>
+                    </a:lnL>
+                    <a:lnR w="12700" cap="flat" cmpd="sng" algn="ctr">
+                      <a:solidFill>
+                        <a:schemeClr val="tx1"/>
+                      </a:solidFill>
+                      <a:prstDash val="solid"/>
+                      <a:round/>
+                      <a:headEnd type="none" w="med" len="med"/>
+                      <a:tailEnd type="none" w="med" len="med"/>
+                    </a:lnR>
+                    <a:lnT w="12700" cap="flat" cmpd="sng" algn="ctr">
+                      <a:solidFill>
+                        <a:schemeClr val="tx1"/>
+                      </a:solidFill>
+                      <a:prstDash val="solid"/>
+                      <a:round/>
+                      <a:headEnd type="none" w="med" len="med"/>
+                      <a:tailEnd type="none" w="med" len="med"/>
+                    </a:lnT>
+                    <a:lnB w="12700" cap="flat" cmpd="sng" algn="ctr">
+                      <a:solidFill>
+                        <a:schemeClr val="tx1"/>
+                      </a:solidFill>
+                      <a:prstDash val="solid"/>
+                      <a:round/>
+                      <a:headEnd type="none" w="med" len="med"/>
+                      <a:tailEnd type="none" w="med" len="med"/>
+                    </a:lnB>
+                    <a:noFill/>
+                  </a:tcPr>
+                </a:tc>
+              </a:tr>
+              <a:tr h="343814">
+                <a:tc>
+                  <a:txBody>
+                    <a:bodyPr/>
+                    <a:lstStyle/>
+                    <a:p>
+                      <a:pPr algn="l" fontAlgn="ctr"/>
+                      <a:r>
+                        <a:rPr lang="en-US" sz="1600" b="0" i="0" u="none" strike="noStrike" dirty="0">
+                          <a:solidFill>
+                            <a:srgbClr val="000000"/>
+                          </a:solidFill>
+                          <a:effectLst/>
+                          <a:latin typeface="ＭＳ Ｐゴシック" panose="020B0600070205080204" pitchFamily="50" charset="-128"/>
+                          <a:ea typeface="ＭＳ Ｐゴシック" panose="020B0600070205080204" pitchFamily="50" charset="-128"/>
+                        </a:rPr>
+                        <a:t>screenname</a:t>
+                      </a:r>
+                    </a:p>
+                  </a:txBody>
+                  <a:tcPr marL="9525" marR="9525" marT="9525" marB="0" anchor="ctr">
+                    <a:lnL w="12700" cap="flat" cmpd="sng" algn="ctr">
+                      <a:solidFill>
+                        <a:schemeClr val="tx1"/>
+                      </a:solidFill>
+                      <a:prstDash val="solid"/>
+                      <a:round/>
+                      <a:headEnd type="none" w="med" len="med"/>
+                      <a:tailEnd type="none" w="med" len="med"/>
+                    </a:lnL>
+                    <a:lnR w="12700" cap="flat" cmpd="sng" algn="ctr">
+                      <a:solidFill>
+                        <a:schemeClr val="tx1"/>
+                      </a:solidFill>
+                      <a:prstDash val="solid"/>
+                      <a:round/>
+                      <a:headEnd type="none" w="med" len="med"/>
+                      <a:tailEnd type="none" w="med" len="med"/>
+                    </a:lnR>
+                    <a:lnT w="12700" cap="flat" cmpd="sng" algn="ctr">
+                      <a:solidFill>
+                        <a:schemeClr val="tx1"/>
+                      </a:solidFill>
+                      <a:prstDash val="solid"/>
+                      <a:round/>
+                      <a:headEnd type="none" w="med" len="med"/>
+                      <a:tailEnd type="none" w="med" len="med"/>
+                    </a:lnT>
+                    <a:lnB w="12700" cap="flat" cmpd="sng" algn="ctr">
+                      <a:solidFill>
+                        <a:schemeClr val="tx1"/>
+                      </a:solidFill>
+                      <a:prstDash val="solid"/>
+                      <a:round/>
+                      <a:headEnd type="none" w="med" len="med"/>
+                      <a:tailEnd type="none" w="med" len="med"/>
+                    </a:lnB>
+                    <a:noFill/>
+                  </a:tcPr>
+                </a:tc>
+                <a:tc>
+                  <a:txBody>
+                    <a:bodyPr/>
+                    <a:lstStyle/>
+                    <a:p>
+                      <a:pPr algn="r" fontAlgn="ctr"/>
+                      <a:r>
+                        <a:rPr lang="en-US" altLang="ja-JP" sz="1600" b="0" i="0" u="none" strike="noStrike" dirty="0">
+                          <a:solidFill>
+                            <a:srgbClr val="000000"/>
+                          </a:solidFill>
+                          <a:effectLst/>
+                          <a:latin typeface="ＭＳ Ｐゴシック" panose="020B0600070205080204" pitchFamily="50" charset="-128"/>
+                          <a:ea typeface="ＭＳ Ｐゴシック" panose="020B0600070205080204" pitchFamily="50" charset="-128"/>
+                        </a:rPr>
+                        <a:t>7.571429</a:t>
+                      </a:r>
+                    </a:p>
+                  </a:txBody>
+                  <a:tcPr marL="9525" marR="9525" marT="9525" marB="0" anchor="ctr">
+                    <a:lnL w="12700" cap="flat" cmpd="sng" algn="ctr">
+                      <a:solidFill>
+                        <a:schemeClr val="tx1"/>
+                      </a:solidFill>
+                      <a:prstDash val="solid"/>
+                      <a:round/>
+                      <a:headEnd type="none" w="med" len="med"/>
+                      <a:tailEnd type="none" w="med" len="med"/>
+                    </a:lnL>
+                    <a:lnR w="12700" cap="flat" cmpd="sng" algn="ctr">
+                      <a:solidFill>
+                        <a:schemeClr val="tx1"/>
+                      </a:solidFill>
+                      <a:prstDash val="solid"/>
+                      <a:round/>
+                      <a:headEnd type="none" w="med" len="med"/>
+                      <a:tailEnd type="none" w="med" len="med"/>
+                    </a:lnR>
+                    <a:lnT w="12700" cap="flat" cmpd="sng" algn="ctr">
+                      <a:solidFill>
+                        <a:schemeClr val="tx1"/>
+                      </a:solidFill>
+                      <a:prstDash val="solid"/>
+                      <a:round/>
+                      <a:headEnd type="none" w="med" len="med"/>
+                      <a:tailEnd type="none" w="med" len="med"/>
+                    </a:lnT>
+                    <a:lnB w="12700" cap="flat" cmpd="sng" algn="ctr">
+                      <a:solidFill>
+                        <a:schemeClr val="tx1"/>
+                      </a:solidFill>
+                      <a:prstDash val="solid"/>
+                      <a:round/>
+                      <a:headEnd type="none" w="med" len="med"/>
+                      <a:tailEnd type="none" w="med" len="med"/>
+                    </a:lnB>
+                    <a:noFill/>
+                  </a:tcPr>
+                </a:tc>
+                <a:tc>
+                  <a:txBody>
+                    <a:bodyPr/>
+                    <a:lstStyle/>
+                    <a:p>
+                      <a:pPr algn="r" fontAlgn="ctr"/>
+                      <a:r>
+                        <a:rPr lang="en-US" altLang="ja-JP" sz="1600" b="0" i="0" u="none" strike="noStrike" dirty="0">
+                          <a:solidFill>
+                            <a:srgbClr val="000000"/>
+                          </a:solidFill>
+                          <a:effectLst/>
+                          <a:latin typeface="ＭＳ Ｐゴシック" panose="020B0600070205080204" pitchFamily="50" charset="-128"/>
+                          <a:ea typeface="ＭＳ Ｐゴシック" panose="020B0600070205080204" pitchFamily="50" charset="-128"/>
+                        </a:rPr>
+                        <a:t>343</a:t>
+                      </a:r>
+                    </a:p>
+                  </a:txBody>
+                  <a:tcPr marL="9525" marR="9525" marT="9525" marB="0" anchor="ctr">
+                    <a:lnL w="12700" cap="flat" cmpd="sng" algn="ctr">
+                      <a:solidFill>
+                        <a:schemeClr val="tx1"/>
+                      </a:solidFill>
+                      <a:prstDash val="solid"/>
+                      <a:round/>
+                      <a:headEnd type="none" w="med" len="med"/>
+                      <a:tailEnd type="none" w="med" len="med"/>
+                    </a:lnL>
+                    <a:lnR w="12700" cap="flat" cmpd="sng" algn="ctr">
+                      <a:solidFill>
+                        <a:schemeClr val="tx1"/>
+                      </a:solidFill>
+                      <a:prstDash val="solid"/>
+                      <a:round/>
+                      <a:headEnd type="none" w="med" len="med"/>
+                      <a:tailEnd type="none" w="med" len="med"/>
+                    </a:lnR>
+                    <a:lnT w="12700" cap="flat" cmpd="sng" algn="ctr">
+                      <a:solidFill>
+                        <a:schemeClr val="tx1"/>
+                      </a:solidFill>
+                      <a:prstDash val="solid"/>
+                      <a:round/>
+                      <a:headEnd type="none" w="med" len="med"/>
+                      <a:tailEnd type="none" w="med" len="med"/>
+                    </a:lnT>
+                    <a:lnB w="12700" cap="flat" cmpd="sng" algn="ctr">
+                      <a:solidFill>
+                        <a:schemeClr val="tx1"/>
+                      </a:solidFill>
+                      <a:prstDash val="solid"/>
+                      <a:round/>
+                      <a:headEnd type="none" w="med" len="med"/>
+                      <a:tailEnd type="none" w="med" len="med"/>
+                    </a:lnB>
+                    <a:noFill/>
+                  </a:tcPr>
+                </a:tc>
+                <a:tc>
+                  <a:txBody>
+                    <a:bodyPr/>
+                    <a:lstStyle/>
+                    <a:p>
+                      <a:pPr algn="r" fontAlgn="ctr"/>
+                      <a:r>
+                        <a:rPr lang="en-US" altLang="ja-JP" sz="1600" b="0" i="0" u="none" strike="noStrike" dirty="0">
+                          <a:solidFill>
+                            <a:srgbClr val="000000"/>
+                          </a:solidFill>
+                          <a:effectLst/>
+                          <a:latin typeface="ＭＳ Ｐゴシック" panose="020B0600070205080204" pitchFamily="50" charset="-128"/>
+                          <a:ea typeface="ＭＳ Ｐゴシック" panose="020B0600070205080204" pitchFamily="50" charset="-128"/>
+                        </a:rPr>
+                        <a:t>345</a:t>
+                      </a:r>
+                    </a:p>
+                  </a:txBody>
+                  <a:tcPr marL="9525" marR="9525" marT="9525" marB="0" anchor="ctr">
+                    <a:lnL w="12700" cap="flat" cmpd="sng" algn="ctr">
+                      <a:solidFill>
+                        <a:schemeClr val="tx1"/>
+                      </a:solidFill>
+                      <a:prstDash val="solid"/>
+                      <a:round/>
+                      <a:headEnd type="none" w="med" len="med"/>
+                      <a:tailEnd type="none" w="med" len="med"/>
+                    </a:lnL>
+                    <a:lnR w="12700" cap="flat" cmpd="sng" algn="ctr">
+                      <a:solidFill>
+                        <a:schemeClr val="tx1"/>
+                      </a:solidFill>
+                      <a:prstDash val="solid"/>
+                      <a:round/>
+                      <a:headEnd type="none" w="med" len="med"/>
+                      <a:tailEnd type="none" w="med" len="med"/>
+                    </a:lnR>
+                    <a:lnT w="12700" cap="flat" cmpd="sng" algn="ctr">
+                      <a:solidFill>
+                        <a:schemeClr val="tx1"/>
+                      </a:solidFill>
+                      <a:prstDash val="solid"/>
+                      <a:round/>
+                      <a:headEnd type="none" w="med" len="med"/>
+                      <a:tailEnd type="none" w="med" len="med"/>
+                    </a:lnT>
+                    <a:lnB w="12700" cap="flat" cmpd="sng" algn="ctr">
+                      <a:solidFill>
+                        <a:schemeClr val="tx1"/>
+                      </a:solidFill>
+                      <a:prstDash val="solid"/>
+                      <a:round/>
+                      <a:headEnd type="none" w="med" len="med"/>
+                      <a:tailEnd type="none" w="med" len="med"/>
+                    </a:lnB>
+                    <a:noFill/>
+                  </a:tcPr>
+                </a:tc>
+              </a:tr>
+            </a:tbl>
+          </a:graphicData>
+        </a:graphic>
+      </p:graphicFrame>
+    </p:spTree>
+    <p:extLst>
+      <p:ext uri="{BB962C8B-B14F-4D97-AF65-F5344CB8AC3E}">
+        <p14:creationId xmlns:p14="http://schemas.microsoft.com/office/powerpoint/2010/main" val="960557118"/>
+      </p:ext>
+    </p:extLst>
+  </p:cSld>
+  <p:clrMapOvr>
+    <a:masterClrMapping/>
+  </p:clrMapOvr>
+  <p:timing>
+    <p:tnLst>
+      <p:par>
+        <p:cTn id="1" dur="indefinite" restart="never" nodeType="tmRoot"/>
+      </p:par>
+    </p:tnLst>
+  </p:timing>
+</p:sld>
+</file>
+
+<file path=ppt/slides/slide13.xml><?xml version="1.0" encoding="utf-8"?>
+<p:sld xmlns:a="http://schemas.openxmlformats.org/drawingml/2006/main" xmlns:r="http://schemas.openxmlformats.org/officeDocument/2006/relationships" xmlns:p="http://schemas.openxmlformats.org/presentationml/2006/main">
+  <p:cSld>
+    <p:spTree>
+      <p:nvGrpSpPr>
+        <p:cNvPr id="1" name=""/>
+        <p:cNvGrpSpPr/>
+        <p:nvPr/>
+      </p:nvGrpSpPr>
+      <p:grpSpPr>
+        <a:xfrm>
+          <a:off x="0" y="0"/>
+          <a:ext cx="0" cy="0"/>
+          <a:chOff x="0" y="0"/>
+          <a:chExt cx="0" cy="0"/>
+        </a:xfrm>
+      </p:grpSpPr>
+      <p:sp>
+        <p:nvSpPr>
+          <p:cNvPr id="2" name="タイトル 1"/>
+          <p:cNvSpPr>
+            <a:spLocks noGrp="1"/>
+          </p:cNvSpPr>
+          <p:nvPr>
+            <p:ph type="title"/>
+          </p:nvPr>
+        </p:nvSpPr>
+        <p:spPr/>
+        <p:txBody>
+          <a:bodyPr/>
+          <a:lstStyle/>
+          <a:p>
+            <a:pPr algn="ctr"/>
+            <a:r>
+              <a:rPr lang="en-US" altLang="ja-JP" dirty="0"/>
+              <a:t>1</a:t>
+            </a:r>
+            <a:r>
+              <a:rPr lang="ja-JP" altLang="en-US" dirty="0"/>
+              <a:t>日あたりのツイート数の</a:t>
+            </a:r>
+            <a:r>
+              <a:rPr lang="ja-JP" altLang="en-US" dirty="0" smtClean="0"/>
+              <a:t>分布</a:t>
+            </a:r>
+            <a:r>
+              <a:rPr lang="en-US" altLang="ja-JP" dirty="0" smtClean="0"/>
+              <a:t>2</a:t>
+            </a:r>
+            <a:endParaRPr kumimoji="1" lang="ja-JP" altLang="en-US" dirty="0"/>
+          </a:p>
+        </p:txBody>
+      </p:sp>
+      <p:sp>
+        <p:nvSpPr>
+          <p:cNvPr id="3" name="コンテンツ プレースホルダー 2"/>
+          <p:cNvSpPr>
+            <a:spLocks noGrp="1"/>
+          </p:cNvSpPr>
+          <p:nvPr>
+            <p:ph idx="1"/>
+          </p:nvPr>
+        </p:nvSpPr>
+        <p:spPr>
+          <a:xfrm>
+            <a:off x="838200" y="1551305"/>
+            <a:ext cx="10515600" cy="4351338"/>
+          </a:xfrm>
+        </p:spPr>
+        <p:txBody>
+          <a:bodyPr/>
+          <a:lstStyle/>
+          <a:p>
+            <a:r>
+              <a:rPr lang="en-US" altLang="ja-JP" sz="3200" dirty="0" smtClean="0"/>
+              <a:t>1</a:t>
+            </a:r>
+            <a:r>
+              <a:rPr lang="ja-JP" altLang="en-US" sz="3200" dirty="0" smtClean="0"/>
+              <a:t>日当たりのツイート数のヒストグラムは図</a:t>
+            </a:r>
+            <a:r>
+              <a:rPr lang="en-US" altLang="ja-JP" sz="3200" dirty="0" smtClean="0"/>
+              <a:t>3</a:t>
+            </a:r>
+            <a:r>
+              <a:rPr lang="ja-JP" altLang="en-US" sz="3200" dirty="0" smtClean="0"/>
+              <a:t>になるが，これをそのまま使うのは誤りである．</a:t>
+            </a:r>
+            <a:endParaRPr lang="en-US" altLang="ja-JP" sz="3200" dirty="0" smtClean="0"/>
+          </a:p>
+          <a:p>
+            <a:r>
+              <a:rPr lang="ja-JP" altLang="en-US" sz="3200" dirty="0" smtClean="0"/>
+              <a:t>よく</a:t>
+            </a:r>
+            <a:r>
+              <a:rPr lang="ja-JP" altLang="en-US" sz="3200" dirty="0"/>
+              <a:t>つぶやく人のツイートはよく観測</a:t>
+            </a:r>
+            <a:r>
+              <a:rPr lang="ja-JP" altLang="en-US" sz="3200" dirty="0" smtClean="0"/>
+              <a:t>されるはずなので，</a:t>
+            </a:r>
+            <a:r>
+              <a:rPr lang="ja-JP" altLang="en-US" sz="3200" dirty="0"/>
+              <a:t>その分の</a:t>
+            </a:r>
+            <a:r>
+              <a:rPr lang="ja-JP" altLang="en-US" sz="3200" dirty="0" smtClean="0"/>
+              <a:t>補正が必要である。たとえば</a:t>
+            </a:r>
+            <a:r>
+              <a:rPr lang="en-US" altLang="ja-JP" sz="3200" dirty="0" smtClean="0"/>
+              <a:t>10</a:t>
+            </a:r>
+            <a:r>
+              <a:rPr lang="ja-JP" altLang="en-US" sz="3200" dirty="0"/>
+              <a:t>倍多くつぶやく人は，観測</a:t>
+            </a:r>
+            <a:r>
+              <a:rPr lang="ja-JP" altLang="en-US" sz="3200" dirty="0" smtClean="0"/>
+              <a:t>される確率</a:t>
+            </a:r>
+            <a:r>
+              <a:rPr lang="ja-JP" altLang="en-US" sz="3200" dirty="0"/>
+              <a:t>も</a:t>
+            </a:r>
+            <a:r>
+              <a:rPr lang="en-US" altLang="ja-JP" sz="3200" dirty="0"/>
+              <a:t>10</a:t>
+            </a:r>
+            <a:r>
+              <a:rPr lang="ja-JP" altLang="en-US" sz="3200" dirty="0"/>
+              <a:t>倍</a:t>
+            </a:r>
+            <a:r>
+              <a:rPr lang="ja-JP" altLang="en-US" sz="3200" dirty="0" smtClean="0"/>
+              <a:t>高い．それを補正するために，確率を（</a:t>
+            </a:r>
+            <a:r>
+              <a:rPr lang="en-US" altLang="ja-JP" sz="3200" dirty="0" smtClean="0"/>
+              <a:t>1</a:t>
+            </a:r>
+            <a:r>
+              <a:rPr lang="en-US" altLang="ja-JP" sz="3200" dirty="0"/>
+              <a:t>/</a:t>
+            </a:r>
+            <a:r>
+              <a:rPr lang="ja-JP" altLang="en-US" sz="3200" dirty="0" smtClean="0"/>
+              <a:t>つぶやく確率）にする．</a:t>
+            </a:r>
+            <a:endParaRPr lang="en-US" altLang="ja-JP" sz="3200" dirty="0" smtClean="0"/>
+          </a:p>
+        </p:txBody>
+      </p:sp>
+      <p:pic>
+        <p:nvPicPr>
+          <p:cNvPr id="4" name="図 3"/>
+          <p:cNvPicPr>
+            <a:picLocks noChangeAspect="1"/>
+          </p:cNvPicPr>
+          <p:nvPr/>
+        </p:nvPicPr>
+        <p:blipFill>
+          <a:blip r:embed="rId2"/>
+          <a:stretch>
+            <a:fillRect/>
+          </a:stretch>
+        </p:blipFill>
+        <p:spPr>
+          <a:xfrm>
+            <a:off x="5559560" y="4032332"/>
+            <a:ext cx="5222740" cy="2482768"/>
+          </a:xfrm>
+          <a:prstGeom prst="rect">
+            <a:avLst/>
+          </a:prstGeom>
+        </p:spPr>
+      </p:pic>
+      <p:sp>
+        <p:nvSpPr>
+          <p:cNvPr id="5" name="テキスト ボックス 4"/>
+          <p:cNvSpPr txBox="1"/>
+          <p:nvPr/>
+        </p:nvSpPr>
+        <p:spPr>
+          <a:xfrm>
+            <a:off x="6026753" y="6488668"/>
+            <a:ext cx="4288353" cy="369332"/>
+          </a:xfrm>
+          <a:prstGeom prst="rect">
+            <a:avLst/>
+          </a:prstGeom>
+          <a:noFill/>
+        </p:spPr>
+        <p:txBody>
+          <a:bodyPr wrap="none" rtlCol="0">
+            <a:spAutoFit/>
+          </a:bodyPr>
+          <a:lstStyle/>
+          <a:p>
+            <a:r>
+              <a:rPr kumimoji="1" lang="ja-JP" altLang="en-US" dirty="0" smtClean="0"/>
+              <a:t>図</a:t>
+            </a:r>
+            <a:r>
+              <a:rPr kumimoji="1" lang="en-US" altLang="ja-JP" dirty="0" smtClean="0"/>
+              <a:t>3</a:t>
+            </a:r>
+            <a:r>
+              <a:rPr kumimoji="1" lang="ja-JP" altLang="en-US" dirty="0" smtClean="0"/>
+              <a:t>：</a:t>
+            </a:r>
+            <a:r>
+              <a:rPr kumimoji="1" lang="en-US" altLang="ja-JP" dirty="0" smtClean="0"/>
+              <a:t>1</a:t>
+            </a:r>
+            <a:r>
+              <a:rPr kumimoji="1" lang="ja-JP" altLang="en-US" dirty="0" smtClean="0"/>
+              <a:t>日当たりのツイート数のヒストグラフ</a:t>
+            </a:r>
+            <a:endParaRPr kumimoji="1" lang="ja-JP" altLang="en-US" dirty="0"/>
+          </a:p>
+        </p:txBody>
+      </p:sp>
+    </p:spTree>
+    <p:extLst>
+      <p:ext uri="{BB962C8B-B14F-4D97-AF65-F5344CB8AC3E}">
+        <p14:creationId xmlns:p14="http://schemas.microsoft.com/office/powerpoint/2010/main" val="2870148856"/>
+      </p:ext>
+    </p:extLst>
+  </p:cSld>
+  <p:clrMapOvr>
+    <a:masterClrMapping/>
+  </p:clrMapOvr>
+  <p:timing>
+    <p:tnLst>
+      <p:par>
+        <p:cTn id="1" dur="indefinite" restart="never" nodeType="tmRoot"/>
+      </p:par>
+    </p:tnLst>
+  </p:timing>
+</p:sld>
+</file>
+
+<file path=ppt/slides/slide14.xml><?xml version="1.0" encoding="utf-8"?>
+<p:sld xmlns:a="http://schemas.openxmlformats.org/drawingml/2006/main" xmlns:r="http://schemas.openxmlformats.org/officeDocument/2006/relationships" xmlns:p="http://schemas.openxmlformats.org/presentationml/2006/main">
+  <p:cSld>
+    <p:spTree>
+      <p:nvGrpSpPr>
+        <p:cNvPr id="1" name=""/>
+        <p:cNvGrpSpPr/>
+        <p:nvPr/>
+      </p:nvGrpSpPr>
+      <p:grpSpPr>
+        <a:xfrm>
+          <a:off x="0" y="0"/>
+          <a:ext cx="0" cy="0"/>
+          <a:chOff x="0" y="0"/>
+          <a:chExt cx="0" cy="0"/>
+        </a:xfrm>
+      </p:grpSpPr>
+      <p:sp>
+        <p:nvSpPr>
+          <p:cNvPr id="2" name="タイトル 1"/>
+          <p:cNvSpPr>
+            <a:spLocks noGrp="1"/>
+          </p:cNvSpPr>
+          <p:nvPr>
+            <p:ph type="title"/>
+          </p:nvPr>
+        </p:nvSpPr>
+        <p:spPr/>
+        <p:txBody>
+          <a:bodyPr/>
+          <a:lstStyle/>
+          <a:p>
+            <a:pPr algn="ctr"/>
+            <a:r>
+              <a:rPr lang="en-US" altLang="ja-JP" dirty="0"/>
+              <a:t>1</a:t>
+            </a:r>
+            <a:r>
+              <a:rPr lang="ja-JP" altLang="en-US" dirty="0"/>
+              <a:t>日あたりのツイート数の</a:t>
+            </a:r>
+            <a:r>
+              <a:rPr lang="ja-JP" altLang="en-US" dirty="0" smtClean="0"/>
+              <a:t>分布</a:t>
+            </a:r>
+            <a:r>
+              <a:rPr lang="en-US" altLang="ja-JP" dirty="0" smtClean="0"/>
+              <a:t>3</a:t>
+            </a:r>
+            <a:endParaRPr kumimoji="1" lang="ja-JP" altLang="en-US" dirty="0"/>
+          </a:p>
+        </p:txBody>
+      </p:sp>
+      <p:sp>
+        <p:nvSpPr>
+          <p:cNvPr id="3" name="コンテンツ プレースホルダー 2"/>
+          <p:cNvSpPr>
+            <a:spLocks noGrp="1"/>
+          </p:cNvSpPr>
+          <p:nvPr>
+            <p:ph idx="1"/>
+          </p:nvPr>
+        </p:nvSpPr>
+        <p:spPr>
+          <a:xfrm>
+            <a:off x="718185" y="1440125"/>
+            <a:ext cx="10755630" cy="4351338"/>
+          </a:xfrm>
+        </p:spPr>
+        <p:txBody>
+          <a:bodyPr/>
+          <a:lstStyle/>
+          <a:p>
+            <a:r>
+              <a:rPr lang="en-US" altLang="ja-JP" sz="3200" dirty="0"/>
+              <a:t>10</a:t>
+            </a:r>
+            <a:r>
+              <a:rPr lang="ja-JP" altLang="en-US" sz="3200" dirty="0"/>
+              <a:t>刻みで集計する。つまり，</a:t>
+            </a:r>
+            <a:r>
+              <a:rPr lang="en-US" altLang="ja-JP" sz="3200" dirty="0"/>
+              <a:t>0</a:t>
+            </a:r>
+            <a:r>
+              <a:rPr lang="ja-JP" altLang="en-US" sz="3200" dirty="0"/>
+              <a:t>から</a:t>
+            </a:r>
+            <a:r>
+              <a:rPr lang="en-US" altLang="ja-JP" sz="3200" dirty="0" smtClean="0"/>
+              <a:t>10</a:t>
+            </a:r>
+            <a:r>
+              <a:rPr lang="ja-JP" altLang="en-US" sz="3200" dirty="0" err="1" smtClean="0"/>
+              <a:t>，</a:t>
+            </a:r>
+            <a:r>
+              <a:rPr lang="en-US" altLang="ja-JP" sz="3200" dirty="0" smtClean="0"/>
+              <a:t>10</a:t>
+            </a:r>
+            <a:r>
+              <a:rPr lang="ja-JP" altLang="en-US" sz="3200" dirty="0"/>
+              <a:t>から</a:t>
+            </a:r>
+            <a:r>
+              <a:rPr lang="en-US" altLang="ja-JP" sz="3200" dirty="0" smtClean="0"/>
+              <a:t>20</a:t>
+            </a:r>
+            <a:r>
+              <a:rPr lang="ja-JP" altLang="en-US" sz="3200" dirty="0" err="1" smtClean="0"/>
+              <a:t>，</a:t>
+            </a:r>
+            <a:r>
+              <a:rPr lang="en-US" altLang="ja-JP" sz="3200" dirty="0" smtClean="0"/>
+              <a:t>...</a:t>
+            </a:r>
+            <a:r>
+              <a:rPr lang="ja-JP" altLang="en-US" sz="3200" dirty="0"/>
+              <a:t>で集計する。階級値は中心（</a:t>
+            </a:r>
+            <a:r>
+              <a:rPr lang="en-US" altLang="ja-JP" sz="3200" dirty="0"/>
+              <a:t>5, 15, ...</a:t>
+            </a:r>
+            <a:r>
+              <a:rPr lang="ja-JP" altLang="en-US" sz="3200" dirty="0"/>
+              <a:t>）を使う</a:t>
+            </a:r>
+            <a:r>
+              <a:rPr lang="ja-JP" altLang="en-US" sz="3200" dirty="0" smtClean="0"/>
+              <a:t>。集計結果は図</a:t>
+            </a:r>
+            <a:r>
+              <a:rPr lang="en-US" altLang="ja-JP" sz="3200" dirty="0" smtClean="0"/>
+              <a:t>4</a:t>
+            </a:r>
+            <a:r>
+              <a:rPr lang="ja-JP" altLang="en-US" sz="3200" dirty="0" smtClean="0"/>
+              <a:t>になる．</a:t>
+            </a:r>
+            <a:endParaRPr lang="en-US" altLang="ja-JP" sz="3200" dirty="0" smtClean="0"/>
+          </a:p>
+          <a:p>
+            <a:r>
+              <a:rPr lang="ja-JP" altLang="en-US" sz="3200" dirty="0" smtClean="0"/>
+              <a:t>この集計</a:t>
+            </a:r>
+            <a:r>
+              <a:rPr lang="ja-JP" altLang="en-US" sz="3200" dirty="0"/>
+              <a:t>結果</a:t>
+            </a:r>
+            <a:r>
+              <a:rPr lang="ja-JP" altLang="en-US" sz="3200" dirty="0" smtClean="0"/>
+              <a:t>に合うような曲線を探すと，</a:t>
+            </a:r>
+            <a:r>
+              <a:rPr lang="en-US" altLang="ja-JP" sz="3200" dirty="0" smtClean="0"/>
+              <a:t>y=</a:t>
+            </a:r>
+            <a:r>
+              <a:rPr lang="en-US" altLang="ja-JP" sz="3200" dirty="0" err="1" smtClean="0"/>
+              <a:t>Exp</a:t>
+            </a:r>
+            <a:r>
+              <a:rPr lang="en-US" altLang="ja-JP" sz="3200" dirty="0" smtClean="0"/>
+              <a:t>[19.3</a:t>
+            </a:r>
+            <a:r>
+              <a:rPr lang="en-US" altLang="ja-JP" sz="3200" dirty="0"/>
+              <a:t>]/t^3.48</a:t>
+            </a:r>
+            <a:r>
+              <a:rPr lang="ja-JP" altLang="en-US" sz="3200" dirty="0" smtClean="0"/>
+              <a:t>となる．</a:t>
+            </a:r>
+            <a:endParaRPr lang="en-US" altLang="ja-JP" sz="3200" dirty="0" smtClean="0"/>
+          </a:p>
+        </p:txBody>
+      </p:sp>
+      <p:pic>
+        <p:nvPicPr>
+          <p:cNvPr id="6" name="図 5"/>
+          <p:cNvPicPr>
+            <a:picLocks noChangeAspect="1"/>
+          </p:cNvPicPr>
+          <p:nvPr/>
+        </p:nvPicPr>
+        <p:blipFill>
+          <a:blip r:embed="rId2"/>
+          <a:stretch>
+            <a:fillRect/>
+          </a:stretch>
+        </p:blipFill>
+        <p:spPr>
+          <a:xfrm>
+            <a:off x="3139927" y="3200399"/>
+            <a:ext cx="5912146" cy="3063241"/>
+          </a:xfrm>
+          <a:prstGeom prst="rect">
+            <a:avLst/>
+          </a:prstGeom>
+        </p:spPr>
+      </p:pic>
+      <p:sp>
+        <p:nvSpPr>
+          <p:cNvPr id="8" name="テキスト ボックス 7"/>
+          <p:cNvSpPr txBox="1"/>
+          <p:nvPr/>
+        </p:nvSpPr>
+        <p:spPr>
+          <a:xfrm>
+            <a:off x="4873550" y="6263640"/>
+            <a:ext cx="2444900" cy="369332"/>
+          </a:xfrm>
+          <a:prstGeom prst="rect">
+            <a:avLst/>
+          </a:prstGeom>
+          <a:noFill/>
+        </p:spPr>
+        <p:txBody>
+          <a:bodyPr wrap="none" rtlCol="0">
+            <a:spAutoFit/>
+          </a:bodyPr>
+          <a:lstStyle/>
+          <a:p>
+            <a:r>
+              <a:rPr kumimoji="1" lang="ja-JP" altLang="en-US" dirty="0" smtClean="0"/>
+              <a:t>図</a:t>
+            </a:r>
+            <a:r>
+              <a:rPr kumimoji="1" lang="en-US" altLang="ja-JP" dirty="0" smtClean="0"/>
+              <a:t>4:10</a:t>
+            </a:r>
+            <a:r>
+              <a:rPr kumimoji="1" lang="ja-JP" altLang="en-US" dirty="0" smtClean="0"/>
+              <a:t>刻みの集計結果</a:t>
+            </a:r>
+            <a:endParaRPr kumimoji="1" lang="ja-JP" altLang="en-US" dirty="0"/>
+          </a:p>
+        </p:txBody>
+      </p:sp>
+    </p:spTree>
+    <p:extLst>
+      <p:ext uri="{BB962C8B-B14F-4D97-AF65-F5344CB8AC3E}">
+        <p14:creationId xmlns:p14="http://schemas.microsoft.com/office/powerpoint/2010/main" val="1001970030"/>
+      </p:ext>
+    </p:extLst>
+  </p:cSld>
+  <p:clrMapOvr>
+    <a:masterClrMapping/>
+  </p:clrMapOvr>
+  <p:timing>
+    <p:tnLst>
+      <p:par>
+        <p:cTn id="1" dur="indefinite" restart="never" nodeType="tmRoot"/>
+      </p:par>
+    </p:tnLst>
+  </p:timing>
+</p:sld>
+</file>
+
+<file path=ppt/slides/slide15.xml><?xml version="1.0" encoding="utf-8"?>
+<p:sld xmlns:a="http://schemas.openxmlformats.org/drawingml/2006/main" xmlns:r="http://schemas.openxmlformats.org/officeDocument/2006/relationships" xmlns:p="http://schemas.openxmlformats.org/presentationml/2006/main">
+  <p:cSld>
+    <p:spTree>
+      <p:nvGrpSpPr>
+        <p:cNvPr id="1" name=""/>
+        <p:cNvGrpSpPr/>
+        <p:nvPr/>
+      </p:nvGrpSpPr>
+      <p:grpSpPr>
+        <a:xfrm>
+          <a:off x="0" y="0"/>
+          <a:ext cx="0" cy="0"/>
+          <a:chOff x="0" y="0"/>
+          <a:chExt cx="0" cy="0"/>
+        </a:xfrm>
+      </p:grpSpPr>
+      <p:sp>
+        <p:nvSpPr>
+          <p:cNvPr id="2" name="タイトル 1"/>
+          <p:cNvSpPr>
+            <a:spLocks noGrp="1"/>
+          </p:cNvSpPr>
+          <p:nvPr>
+            <p:ph type="title"/>
+          </p:nvPr>
+        </p:nvSpPr>
+        <p:spPr/>
+        <p:txBody>
+          <a:bodyPr/>
+          <a:lstStyle/>
+          <a:p>
+            <a:pPr algn="ctr"/>
+            <a:r>
+              <a:rPr lang="en-US" altLang="ja-JP" dirty="0"/>
+              <a:t>1</a:t>
+            </a:r>
+            <a:r>
+              <a:rPr lang="ja-JP" altLang="en-US" dirty="0"/>
+              <a:t>日あたりのツイート数の</a:t>
+            </a:r>
+            <a:r>
+              <a:rPr lang="ja-JP" altLang="en-US" dirty="0" smtClean="0"/>
+              <a:t>分布</a:t>
+            </a:r>
+            <a:r>
+              <a:rPr lang="en-US" altLang="ja-JP" dirty="0" smtClean="0"/>
+              <a:t>3</a:t>
+            </a:r>
+            <a:endParaRPr kumimoji="1" lang="ja-JP" altLang="en-US" dirty="0"/>
+          </a:p>
+        </p:txBody>
+      </p:sp>
+      <p:sp>
+        <p:nvSpPr>
+          <p:cNvPr id="3" name="コンテンツ プレースホルダー 2"/>
+          <p:cNvSpPr>
+            <a:spLocks noGrp="1"/>
+          </p:cNvSpPr>
+          <p:nvPr>
+            <p:ph idx="1"/>
+          </p:nvPr>
+        </p:nvSpPr>
+        <p:spPr>
+          <a:xfrm>
+            <a:off x="718185" y="1440125"/>
+            <a:ext cx="10755630" cy="4351338"/>
+          </a:xfrm>
+        </p:spPr>
+        <p:txBody>
+          <a:bodyPr/>
+          <a:lstStyle/>
+          <a:p>
+            <a:r>
+              <a:rPr lang="ja-JP" altLang="en-US" sz="3200" dirty="0" smtClean="0"/>
+              <a:t>集計結果と曲線を合わせたものが図</a:t>
+            </a:r>
+            <a:r>
+              <a:rPr lang="en-US" altLang="ja-JP" sz="3200" dirty="0" smtClean="0"/>
+              <a:t>5</a:t>
+            </a:r>
+            <a:r>
+              <a:rPr lang="ja-JP" altLang="en-US" sz="3200" dirty="0" smtClean="0"/>
+              <a:t>である．しっかり合っているため，確率分布はこれに比例する．</a:t>
+            </a:r>
+            <a:r>
+              <a:rPr lang="en-US" altLang="ja-JP" sz="3200" dirty="0"/>
+              <a:t>c(</a:t>
+            </a:r>
+            <a:r>
+              <a:rPr lang="en-US" altLang="ja-JP" sz="3200" dirty="0" err="1"/>
+              <a:t>Exp</a:t>
+            </a:r>
+            <a:r>
+              <a:rPr lang="en-US" altLang="ja-JP" sz="3200" dirty="0"/>
+              <a:t>[19.3]/t^3.48)</a:t>
+            </a:r>
+            <a:r>
+              <a:rPr lang="ja-JP" altLang="en-US" sz="3200" dirty="0" smtClean="0"/>
+              <a:t>とすると</a:t>
+            </a:r>
+            <a:r>
+              <a:rPr lang="ja-JP" altLang="en-US" sz="3200" dirty="0"/>
+              <a:t>，全確率が</a:t>
+            </a:r>
+            <a:r>
+              <a:rPr lang="en-US" altLang="ja-JP" sz="3200" dirty="0"/>
+              <a:t>1</a:t>
+            </a:r>
+            <a:r>
+              <a:rPr lang="ja-JP" altLang="en-US" sz="3200" dirty="0" smtClean="0"/>
+              <a:t>になると</a:t>
+            </a:r>
+            <a:r>
+              <a:rPr lang="ja-JP" altLang="en-US" sz="3200" dirty="0"/>
+              <a:t>いう条件から</a:t>
+            </a:r>
+            <a:r>
+              <a:rPr lang="en-US" altLang="ja-JP" sz="3200" dirty="0" smtClean="0"/>
+              <a:t>c</a:t>
+            </a:r>
+            <a:r>
+              <a:rPr lang="ja-JP" altLang="en-US" sz="3200" dirty="0" smtClean="0"/>
+              <a:t>が</a:t>
+            </a:r>
+            <a:r>
+              <a:rPr lang="en-US" altLang="ja-JP" sz="3200" dirty="0" smtClean="0"/>
+              <a:t>5.47002 ×10^-7</a:t>
+            </a:r>
+            <a:r>
+              <a:rPr lang="ja-JP" altLang="en-US" sz="3200" dirty="0" smtClean="0"/>
+              <a:t>となる．</a:t>
+            </a:r>
+            <a:endParaRPr lang="en-US" altLang="ja-JP" sz="3200" dirty="0" smtClean="0"/>
+          </a:p>
+        </p:txBody>
+      </p:sp>
+      <p:sp>
+        <p:nvSpPr>
+          <p:cNvPr id="8" name="テキスト ボックス 7"/>
+          <p:cNvSpPr txBox="1"/>
+          <p:nvPr/>
+        </p:nvSpPr>
+        <p:spPr>
+          <a:xfrm>
+            <a:off x="4350971" y="6309360"/>
+            <a:ext cx="3490058" cy="369332"/>
+          </a:xfrm>
+          <a:prstGeom prst="rect">
+            <a:avLst/>
+          </a:prstGeom>
+          <a:noFill/>
+        </p:spPr>
+        <p:txBody>
+          <a:bodyPr wrap="none" rtlCol="0">
+            <a:spAutoFit/>
+          </a:bodyPr>
+          <a:lstStyle/>
+          <a:p>
+            <a:r>
+              <a:rPr kumimoji="1" lang="ja-JP" altLang="en-US" dirty="0" smtClean="0"/>
+              <a:t>図</a:t>
+            </a:r>
+            <a:r>
+              <a:rPr kumimoji="1" lang="en-US" altLang="ja-JP" dirty="0" smtClean="0"/>
+              <a:t>5:</a:t>
+            </a:r>
+            <a:r>
+              <a:rPr kumimoji="1" lang="ja-JP" altLang="en-US" dirty="0" smtClean="0"/>
+              <a:t>集計結果と曲線を合わせた物</a:t>
+            </a:r>
+            <a:endParaRPr kumimoji="1" lang="ja-JP" altLang="en-US" dirty="0"/>
+          </a:p>
+        </p:txBody>
+      </p:sp>
+      <p:pic>
+        <p:nvPicPr>
+          <p:cNvPr id="4" name="図 3"/>
+          <p:cNvPicPr>
+            <a:picLocks noChangeAspect="1"/>
+          </p:cNvPicPr>
+          <p:nvPr/>
+        </p:nvPicPr>
+        <p:blipFill>
+          <a:blip r:embed="rId2"/>
+          <a:stretch>
+            <a:fillRect/>
+          </a:stretch>
+        </p:blipFill>
+        <p:spPr>
+          <a:xfrm>
+            <a:off x="3129435" y="2948940"/>
+            <a:ext cx="5933130" cy="3101472"/>
+          </a:xfrm>
+          <a:prstGeom prst="rect">
+            <a:avLst/>
+          </a:prstGeom>
+        </p:spPr>
+      </p:pic>
+    </p:spTree>
+    <p:extLst>
+      <p:ext uri="{BB962C8B-B14F-4D97-AF65-F5344CB8AC3E}">
+        <p14:creationId xmlns:p14="http://schemas.microsoft.com/office/powerpoint/2010/main" val="2430767703"/>
+      </p:ext>
+    </p:extLst>
+  </p:cSld>
+  <p:clrMapOvr>
+    <a:masterClrMapping/>
+  </p:clrMapOvr>
+  <p:timing>
+    <p:tnLst>
+      <p:par>
+        <p:cTn id="1" dur="indefinite" restart="never" nodeType="tmRoot"/>
+      </p:par>
+    </p:tnLst>
+  </p:timing>
+</p:sld>
+</file>
+
+<file path=ppt/slides/slide16.xml><?xml version="1.0" encoding="utf-8"?>
+<p:sld xmlns:a="http://schemas.openxmlformats.org/drawingml/2006/main" xmlns:r="http://schemas.openxmlformats.org/officeDocument/2006/relationships" xmlns:p="http://schemas.openxmlformats.org/presentationml/2006/main">
+  <p:cSld>
+    <p:spTree>
+      <p:nvGrpSpPr>
+        <p:cNvPr id="1" name=""/>
+        <p:cNvGrpSpPr/>
+        <p:nvPr/>
+      </p:nvGrpSpPr>
+      <p:grpSpPr>
+        <a:xfrm>
+          <a:off x="0" y="0"/>
+          <a:ext cx="0" cy="0"/>
+          <a:chOff x="0" y="0"/>
+          <a:chExt cx="0" cy="0"/>
+        </a:xfrm>
+      </p:grpSpPr>
+      <p:sp>
+        <p:nvSpPr>
+          <p:cNvPr id="2" name="タイトル 1"/>
+          <p:cNvSpPr>
+            <a:spLocks noGrp="1"/>
+          </p:cNvSpPr>
+          <p:nvPr>
+            <p:ph type="title"/>
+          </p:nvPr>
+        </p:nvSpPr>
+        <p:spPr/>
+        <p:txBody>
+          <a:bodyPr/>
+          <a:lstStyle/>
+          <a:p>
+            <a:pPr algn="ctr"/>
+            <a:r>
+              <a:rPr lang="en-US" altLang="ja-JP" dirty="0"/>
+              <a:t>1</a:t>
+            </a:r>
+            <a:r>
+              <a:rPr lang="ja-JP" altLang="en-US" dirty="0"/>
+              <a:t>日あたりのツイート数の</a:t>
+            </a:r>
+            <a:r>
+              <a:rPr lang="ja-JP" altLang="en-US" dirty="0" smtClean="0"/>
+              <a:t>分布</a:t>
+            </a:r>
+            <a:r>
+              <a:rPr lang="en-US" altLang="ja-JP" dirty="0" smtClean="0"/>
+              <a:t>4</a:t>
+            </a:r>
+            <a:endParaRPr kumimoji="1" lang="ja-JP" altLang="en-US" dirty="0"/>
+          </a:p>
+        </p:txBody>
+      </p:sp>
+      <p:sp>
+        <p:nvSpPr>
+          <p:cNvPr id="3" name="コンテンツ プレースホルダー 2"/>
+          <p:cNvSpPr>
+            <a:spLocks noGrp="1"/>
+          </p:cNvSpPr>
+          <p:nvPr>
+            <p:ph idx="1"/>
+          </p:nvPr>
+        </p:nvSpPr>
+        <p:spPr>
+          <a:xfrm>
+            <a:off x="718185" y="1440125"/>
+            <a:ext cx="10755630" cy="4351338"/>
+          </a:xfrm>
+        </p:spPr>
+        <p:txBody>
+          <a:bodyPr/>
+          <a:lstStyle/>
+          <a:p>
+            <a:r>
+              <a:rPr lang="en-US" altLang="ja-JP" sz="3200" dirty="0" smtClean="0"/>
+              <a:t>1</a:t>
+            </a:r>
+            <a:r>
+              <a:rPr lang="ja-JP" altLang="en-US" sz="3200" dirty="0" smtClean="0"/>
+              <a:t>日のツイートの数の確率分布は</a:t>
+            </a:r>
+            <a:r>
+              <a:rPr lang="en-US" altLang="ja-JP" sz="3200" dirty="0"/>
+              <a:t>c </a:t>
+            </a:r>
+            <a:r>
+              <a:rPr lang="en-US" altLang="ja-JP" sz="3200" dirty="0" err="1"/>
+              <a:t>Exp</a:t>
+            </a:r>
+            <a:r>
+              <a:rPr lang="en-US" altLang="ja-JP" sz="3200" dirty="0"/>
+              <a:t>[19.3</a:t>
+            </a:r>
+            <a:r>
+              <a:rPr lang="en-US" altLang="ja-JP" sz="3200" dirty="0" smtClean="0"/>
+              <a:t>]/t^3.48339</a:t>
+            </a:r>
+            <a:r>
+              <a:rPr lang="ja-JP" altLang="en-US" sz="3200" dirty="0" smtClean="0"/>
+              <a:t>となる．</a:t>
+            </a:r>
+            <a:endParaRPr lang="en-US" altLang="ja-JP" sz="3200" dirty="0" smtClean="0"/>
+          </a:p>
+        </p:txBody>
+      </p:sp>
+      <p:sp>
+        <p:nvSpPr>
+          <p:cNvPr id="8" name="テキスト ボックス 7"/>
+          <p:cNvSpPr txBox="1"/>
+          <p:nvPr/>
+        </p:nvSpPr>
+        <p:spPr>
+          <a:xfrm>
+            <a:off x="4350971" y="6309360"/>
+            <a:ext cx="3530134" cy="369332"/>
+          </a:xfrm>
+          <a:prstGeom prst="rect">
+            <a:avLst/>
+          </a:prstGeom>
+          <a:noFill/>
+        </p:spPr>
+        <p:txBody>
+          <a:bodyPr wrap="none" rtlCol="0">
+            <a:spAutoFit/>
+          </a:bodyPr>
+          <a:lstStyle/>
+          <a:p>
+            <a:r>
+              <a:rPr kumimoji="1" lang="ja-JP" altLang="en-US" dirty="0" smtClean="0"/>
+              <a:t>図</a:t>
+            </a:r>
+            <a:r>
+              <a:rPr kumimoji="1" lang="en-US" altLang="ja-JP" dirty="0" smtClean="0"/>
+              <a:t>6:</a:t>
+            </a:r>
+            <a:r>
+              <a:rPr kumimoji="1" lang="ja-JP" altLang="en-US" dirty="0" smtClean="0"/>
+              <a:t>集計結果と曲線を合わせた物</a:t>
+            </a:r>
+            <a:endParaRPr kumimoji="1" lang="ja-JP" altLang="en-US" dirty="0"/>
+          </a:p>
+        </p:txBody>
+      </p:sp>
+      <p:pic>
+        <p:nvPicPr>
+          <p:cNvPr id="4" name="図 3"/>
+          <p:cNvPicPr>
+            <a:picLocks noChangeAspect="1"/>
+          </p:cNvPicPr>
+          <p:nvPr/>
+        </p:nvPicPr>
+        <p:blipFill>
+          <a:blip r:embed="rId2"/>
+          <a:stretch>
+            <a:fillRect/>
+          </a:stretch>
+        </p:blipFill>
+        <p:spPr>
+          <a:xfrm>
+            <a:off x="2426365" y="2208585"/>
+            <a:ext cx="7349432" cy="3841827"/>
+          </a:xfrm>
+          <a:prstGeom prst="rect">
+            <a:avLst/>
+          </a:prstGeom>
+        </p:spPr>
+      </p:pic>
+    </p:spTree>
+    <p:extLst>
+      <p:ext uri="{BB962C8B-B14F-4D97-AF65-F5344CB8AC3E}">
+        <p14:creationId xmlns:p14="http://schemas.microsoft.com/office/powerpoint/2010/main" val="2777789404"/>
+      </p:ext>
+    </p:extLst>
+  </p:cSld>
+  <p:clrMapOvr>
+    <a:masterClrMapping/>
+  </p:clrMapOvr>
+  <p:timing>
+    <p:tnLst>
+      <p:par>
+        <p:cTn id="1" dur="indefinite" restart="never" nodeType="tmRoot"/>
+      </p:par>
+    </p:tnLst>
+  </p:timing>
+</p:sld>
+</file>
+
+<file path=ppt/slides/slide17.xml><?xml version="1.0" encoding="utf-8"?>
+<p:sld xmlns:a="http://schemas.openxmlformats.org/drawingml/2006/main" xmlns:r="http://schemas.openxmlformats.org/officeDocument/2006/relationships" xmlns:p="http://schemas.openxmlformats.org/presentationml/2006/main">
+  <p:cSld>
+    <p:spTree>
+      <p:nvGrpSpPr>
+        <p:cNvPr id="1" name=""/>
+        <p:cNvGrpSpPr/>
+        <p:nvPr/>
+      </p:nvGrpSpPr>
+      <p:grpSpPr>
+        <a:xfrm>
+          <a:off x="0" y="0"/>
+          <a:ext cx="0" cy="0"/>
+          <a:chOff x="0" y="0"/>
+          <a:chExt cx="0" cy="0"/>
+        </a:xfrm>
+      </p:grpSpPr>
+      <p:sp>
+        <p:nvSpPr>
+          <p:cNvPr id="2" name="タイトル 1"/>
+          <p:cNvSpPr>
+            <a:spLocks noGrp="1"/>
+          </p:cNvSpPr>
+          <p:nvPr>
+            <p:ph type="title"/>
+          </p:nvPr>
+        </p:nvSpPr>
+        <p:spPr/>
+        <p:txBody>
+          <a:bodyPr/>
+          <a:lstStyle/>
+          <a:p>
+            <a:pPr algn="ctr"/>
+            <a:r>
+              <a:rPr kumimoji="1" lang="ja-JP" altLang="en-US" dirty="0" smtClean="0"/>
+              <a:t>結果</a:t>
+            </a:r>
+            <a:endParaRPr kumimoji="1" lang="ja-JP" altLang="en-US" dirty="0"/>
+          </a:p>
+        </p:txBody>
+      </p:sp>
+      <p:sp>
+        <p:nvSpPr>
+          <p:cNvPr id="3" name="コンテンツ プレースホルダー 2"/>
+          <p:cNvSpPr>
+            <a:spLocks noGrp="1"/>
+          </p:cNvSpPr>
+          <p:nvPr>
+            <p:ph idx="1"/>
+          </p:nvPr>
+        </p:nvSpPr>
+        <p:spPr/>
+        <p:txBody>
+          <a:bodyPr>
+            <a:normAutofit/>
+          </a:bodyPr>
+          <a:lstStyle/>
+          <a:p>
+            <a:r>
+              <a:rPr lang="ja-JP" altLang="en-US" sz="3200" dirty="0" smtClean="0"/>
+              <a:t>また</a:t>
+            </a:r>
+            <a:r>
+              <a:rPr lang="ja-JP" altLang="en-US" sz="3200" dirty="0"/>
+              <a:t>グループ構築にランダムグラフを使った</a:t>
+            </a:r>
+            <a:r>
+              <a:rPr lang="ja-JP" altLang="en-US" sz="3200" dirty="0" smtClean="0"/>
+              <a:t>ツイート</a:t>
+            </a:r>
+            <a:r>
+              <a:rPr lang="ja-JP" altLang="en-US" sz="3200" dirty="0"/>
+              <a:t>拡散のシュミレート</a:t>
+            </a:r>
+            <a:r>
+              <a:rPr lang="ja-JP" altLang="en-US" sz="3200" dirty="0" smtClean="0"/>
+              <a:t>手法の確立</a:t>
+            </a:r>
+            <a:r>
+              <a:rPr lang="en-US" altLang="ja-JP" sz="3200" dirty="0" smtClean="0"/>
+              <a:t>(</a:t>
+            </a:r>
+            <a:r>
+              <a:rPr lang="ja-JP" altLang="en-US" sz="3200" dirty="0" smtClean="0"/>
+              <a:t>図</a:t>
+            </a:r>
+            <a:r>
+              <a:rPr lang="en-US" altLang="ja-JP" sz="3200" dirty="0" smtClean="0"/>
+              <a:t>7</a:t>
+            </a:r>
+            <a:r>
+              <a:rPr lang="ja-JP" altLang="en-US" sz="3200" dirty="0" err="1" smtClean="0"/>
+              <a:t>のような</a:t>
+            </a:r>
+            <a:r>
+              <a:rPr lang="ja-JP" altLang="en-US" sz="3200" dirty="0" smtClean="0"/>
+              <a:t>シミュレーション結果出せるようになった</a:t>
+            </a:r>
+            <a:r>
+              <a:rPr lang="en-US" altLang="ja-JP" sz="3200" dirty="0" smtClean="0"/>
+              <a:t>)</a:t>
+            </a:r>
+            <a:r>
+              <a:rPr lang="ja-JP" altLang="en-US" sz="3200" dirty="0" smtClean="0"/>
+              <a:t>が出来た．</a:t>
+            </a:r>
+            <a:endParaRPr lang="en-US" altLang="ja-JP" sz="3200" dirty="0"/>
+          </a:p>
+        </p:txBody>
+      </p:sp>
+      <p:pic>
+        <p:nvPicPr>
+          <p:cNvPr id="4" name="図 3"/>
+          <p:cNvPicPr>
+            <a:picLocks noChangeAspect="1"/>
+          </p:cNvPicPr>
+          <p:nvPr/>
+        </p:nvPicPr>
+        <p:blipFill>
+          <a:blip r:embed="rId2"/>
+          <a:stretch>
+            <a:fillRect/>
+          </a:stretch>
+        </p:blipFill>
+        <p:spPr>
+          <a:xfrm>
+            <a:off x="3296412" y="3558746"/>
+            <a:ext cx="5599176" cy="2862057"/>
+          </a:xfrm>
+          <a:prstGeom prst="rect">
+            <a:avLst/>
+          </a:prstGeom>
+        </p:spPr>
+      </p:pic>
+      <p:sp>
+        <p:nvSpPr>
+          <p:cNvPr id="5" name="テキスト ボックス 4"/>
+          <p:cNvSpPr txBox="1"/>
+          <p:nvPr/>
+        </p:nvSpPr>
+        <p:spPr>
+          <a:xfrm>
+            <a:off x="496390" y="6310682"/>
+            <a:ext cx="11311430" cy="369332"/>
+          </a:xfrm>
+          <a:prstGeom prst="rect">
+            <a:avLst/>
+          </a:prstGeom>
+          <a:noFill/>
+        </p:spPr>
+        <p:txBody>
+          <a:bodyPr wrap="none" rtlCol="0">
+            <a:spAutoFit/>
+          </a:bodyPr>
+          <a:lstStyle/>
+          <a:p>
+            <a:r>
+              <a:rPr kumimoji="1" lang="ja-JP" altLang="en-US" dirty="0" smtClean="0"/>
+              <a:t>図</a:t>
+            </a:r>
+            <a:r>
+              <a:rPr kumimoji="1" lang="en-US" altLang="ja-JP" dirty="0" smtClean="0"/>
+              <a:t>7:</a:t>
+            </a:r>
+            <a:r>
+              <a:rPr kumimoji="1" lang="ja-JP" altLang="en-US" dirty="0" smtClean="0"/>
+              <a:t>ランダムグラフを使ったシミュレーション結果</a:t>
+            </a:r>
+            <a:r>
+              <a:rPr kumimoji="1" lang="en-US" altLang="ja-JP" dirty="0" smtClean="0"/>
+              <a:t>(n</a:t>
+            </a:r>
+            <a:r>
+              <a:rPr kumimoji="1" lang="ja-JP" altLang="en-US" dirty="0" smtClean="0"/>
+              <a:t>は</a:t>
+            </a:r>
+            <a:r>
+              <a:rPr kumimoji="1" lang="en-US" altLang="ja-JP" dirty="0" smtClean="0"/>
+              <a:t>RT</a:t>
+            </a:r>
+            <a:r>
+              <a:rPr kumimoji="1" lang="ja-JP" altLang="en-US" dirty="0" smtClean="0"/>
+              <a:t>を見た人数，</a:t>
+            </a:r>
+            <a:r>
+              <a:rPr kumimoji="1" lang="en-US" altLang="ja-JP" dirty="0" smtClean="0"/>
+              <a:t>p</a:t>
+            </a:r>
+            <a:r>
+              <a:rPr kumimoji="1" lang="ja-JP" altLang="en-US" dirty="0" smtClean="0"/>
+              <a:t>はフォローする確率，</a:t>
+            </a:r>
+            <a:r>
+              <a:rPr kumimoji="1" lang="en-US" altLang="ja-JP" dirty="0" smtClean="0"/>
+              <a:t>q</a:t>
+            </a:r>
+            <a:r>
+              <a:rPr kumimoji="1" lang="ja-JP" altLang="en-US" dirty="0" smtClean="0"/>
+              <a:t>は</a:t>
+            </a:r>
+            <a:r>
+              <a:rPr kumimoji="1" lang="en-US" altLang="ja-JP" dirty="0" smtClean="0"/>
+              <a:t>RT</a:t>
+            </a:r>
+            <a:r>
+              <a:rPr kumimoji="1" lang="ja-JP" altLang="en-US" dirty="0" smtClean="0"/>
+              <a:t>する確率のグラフ</a:t>
+            </a:r>
+            <a:r>
+              <a:rPr kumimoji="1" lang="en-US" altLang="ja-JP" dirty="0" smtClean="0"/>
+              <a:t>)</a:t>
+            </a:r>
+            <a:endParaRPr kumimoji="1" lang="ja-JP" altLang="en-US" dirty="0"/>
+          </a:p>
+        </p:txBody>
+      </p:sp>
+    </p:spTree>
+    <p:extLst>
+      <p:ext uri="{BB962C8B-B14F-4D97-AF65-F5344CB8AC3E}">
+        <p14:creationId xmlns:p14="http://schemas.microsoft.com/office/powerpoint/2010/main" val="1289263528"/>
+      </p:ext>
+    </p:extLst>
+  </p:cSld>
+  <p:clrMapOvr>
+    <a:masterClrMapping/>
+  </p:clrMapOvr>
+  <p:timing>
+    <p:tnLst>
+      <p:par>
+        <p:cTn id="1" dur="indefinite" restart="never" nodeType="tmRoot"/>
+      </p:par>
+    </p:tnLst>
+  </p:timing>
+</p:sld>
+</file>
+
+<file path=ppt/slides/slide18.xml><?xml version="1.0" encoding="utf-8"?>
+<p:sld xmlns:a="http://schemas.openxmlformats.org/drawingml/2006/main" xmlns:r="http://schemas.openxmlformats.org/officeDocument/2006/relationships" xmlns:p="http://schemas.openxmlformats.org/presentationml/2006/main">
+  <p:cSld>
+    <p:spTree>
+      <p:nvGrpSpPr>
+        <p:cNvPr id="1" name=""/>
+        <p:cNvGrpSpPr/>
+        <p:nvPr/>
+      </p:nvGrpSpPr>
+      <p:grpSpPr>
+        <a:xfrm>
+          <a:off x="0" y="0"/>
+          <a:ext cx="0" cy="0"/>
+          <a:chOff x="0" y="0"/>
+          <a:chExt cx="0" cy="0"/>
+        </a:xfrm>
+      </p:grpSpPr>
+      <p:sp>
+        <p:nvSpPr>
+          <p:cNvPr id="2" name="タイトル 1"/>
+          <p:cNvSpPr>
+            <a:spLocks noGrp="1"/>
+          </p:cNvSpPr>
+          <p:nvPr>
+            <p:ph type="title"/>
+          </p:nvPr>
+        </p:nvSpPr>
+        <p:spPr/>
+        <p:txBody>
+          <a:bodyPr/>
+          <a:lstStyle/>
+          <a:p>
+            <a:pPr algn="ctr"/>
+            <a:r>
+              <a:rPr kumimoji="1" lang="ja-JP" altLang="en-US" dirty="0" smtClean="0"/>
+              <a:t>結果</a:t>
+            </a:r>
+            <a:endParaRPr kumimoji="1" lang="ja-JP" altLang="en-US" dirty="0"/>
+          </a:p>
+        </p:txBody>
+      </p:sp>
+      <p:sp>
+        <p:nvSpPr>
+          <p:cNvPr id="3" name="コンテンツ プレースホルダー 2"/>
+          <p:cNvSpPr>
+            <a:spLocks noGrp="1"/>
+          </p:cNvSpPr>
+          <p:nvPr>
+            <p:ph idx="1"/>
+          </p:nvPr>
+        </p:nvSpPr>
+        <p:spPr>
+          <a:xfrm>
+            <a:off x="718185" y="1440125"/>
+            <a:ext cx="10755630" cy="4351338"/>
+          </a:xfrm>
+        </p:spPr>
+        <p:txBody>
+          <a:bodyPr/>
+          <a:lstStyle/>
+          <a:p>
+            <a:r>
+              <a:rPr lang="en-US" altLang="ja-JP" sz="3200" dirty="0" smtClean="0"/>
+              <a:t>1</a:t>
+            </a:r>
+            <a:r>
+              <a:rPr lang="ja-JP" altLang="en-US" sz="3200" dirty="0" smtClean="0"/>
+              <a:t>日当たりの平均値は図</a:t>
+            </a:r>
+            <a:r>
+              <a:rPr lang="en-US" altLang="ja-JP" sz="3200" dirty="0" smtClean="0"/>
+              <a:t>8</a:t>
+            </a:r>
+            <a:r>
+              <a:rPr lang="ja-JP" altLang="en-US" sz="3200" dirty="0" smtClean="0"/>
+              <a:t>の期待値の</a:t>
+            </a:r>
+            <a:r>
+              <a:rPr lang="en-US" altLang="ja-JP" sz="3200" dirty="0" smtClean="0"/>
+              <a:t>8.37066</a:t>
+            </a:r>
+            <a:r>
+              <a:rPr lang="ja-JP" altLang="en-US" sz="3200" dirty="0" smtClean="0"/>
+              <a:t>である事が分かった</a:t>
+            </a:r>
+            <a:endParaRPr lang="en-US" altLang="ja-JP" sz="3200" dirty="0" smtClean="0"/>
+          </a:p>
+        </p:txBody>
+      </p:sp>
+      <p:sp>
+        <p:nvSpPr>
+          <p:cNvPr id="8" name="テキスト ボックス 7"/>
+          <p:cNvSpPr txBox="1"/>
+          <p:nvPr/>
+        </p:nvSpPr>
+        <p:spPr>
+          <a:xfrm>
+            <a:off x="4366199" y="6187572"/>
+            <a:ext cx="3499676" cy="369332"/>
+          </a:xfrm>
+          <a:prstGeom prst="rect">
+            <a:avLst/>
+          </a:prstGeom>
+          <a:noFill/>
+        </p:spPr>
+        <p:txBody>
+          <a:bodyPr wrap="none" rtlCol="0">
+            <a:spAutoFit/>
+          </a:bodyPr>
+          <a:lstStyle/>
+          <a:p>
+            <a:r>
+              <a:rPr kumimoji="1" lang="ja-JP" altLang="en-US" dirty="0" smtClean="0"/>
+              <a:t>図</a:t>
+            </a:r>
+            <a:r>
+              <a:rPr kumimoji="1" lang="en-US" altLang="ja-JP" dirty="0" smtClean="0"/>
+              <a:t>8:1</a:t>
+            </a:r>
+            <a:r>
+              <a:rPr kumimoji="1" lang="ja-JP" altLang="en-US" dirty="0" smtClean="0"/>
+              <a:t>日あたりのツイート数の分布</a:t>
+            </a:r>
+            <a:endParaRPr kumimoji="1" lang="ja-JP" altLang="en-US" dirty="0"/>
+          </a:p>
+        </p:txBody>
+      </p:sp>
+      <p:pic>
+        <p:nvPicPr>
+          <p:cNvPr id="5" name="図 4"/>
+          <p:cNvPicPr>
+            <a:picLocks noChangeAspect="1"/>
+          </p:cNvPicPr>
+          <p:nvPr/>
+        </p:nvPicPr>
+        <p:blipFill>
+          <a:blip r:embed="rId2"/>
+          <a:stretch>
+            <a:fillRect/>
+          </a:stretch>
+        </p:blipFill>
+        <p:spPr>
+          <a:xfrm>
+            <a:off x="3371374" y="2810832"/>
+            <a:ext cx="5449252" cy="3262440"/>
+          </a:xfrm>
+          <a:prstGeom prst="rect">
+            <a:avLst/>
+          </a:prstGeom>
+        </p:spPr>
+      </p:pic>
+    </p:spTree>
+    <p:extLst>
+      <p:ext uri="{BB962C8B-B14F-4D97-AF65-F5344CB8AC3E}">
+        <p14:creationId xmlns:p14="http://schemas.microsoft.com/office/powerpoint/2010/main" val="369663122"/>
+      </p:ext>
+    </p:extLst>
+  </p:cSld>
+  <p:clrMapOvr>
+    <a:masterClrMapping/>
+  </p:clrMapOvr>
+  <p:timing>
+    <p:tnLst>
+      <p:par>
+        <p:cTn id="1" dur="indefinite" restart="never" nodeType="tmRoot"/>
+      </p:par>
+    </p:tnLst>
+  </p:timing>
+</p:sld>
+</file>
+
+<file path=ppt/slides/slide19.xml><?xml version="1.0" encoding="utf-8"?>
+<p:sld xmlns:a="http://schemas.openxmlformats.org/drawingml/2006/main" xmlns:r="http://schemas.openxmlformats.org/officeDocument/2006/relationships" xmlns:p="http://schemas.openxmlformats.org/presentationml/2006/main">
+  <p:cSld>
+    <p:spTree>
+      <p:nvGrpSpPr>
+        <p:cNvPr id="1" name=""/>
+        <p:cNvGrpSpPr/>
+        <p:nvPr/>
+      </p:nvGrpSpPr>
+      <p:grpSpPr>
+        <a:xfrm>
+          <a:off x="0" y="0"/>
+          <a:ext cx="0" cy="0"/>
+          <a:chOff x="0" y="0"/>
+          <a:chExt cx="0" cy="0"/>
+        </a:xfrm>
+      </p:grpSpPr>
+      <p:sp>
+        <p:nvSpPr>
+          <p:cNvPr id="2" name="タイトル 1"/>
+          <p:cNvSpPr>
+            <a:spLocks noGrp="1"/>
+          </p:cNvSpPr>
+          <p:nvPr>
+            <p:ph type="title"/>
+          </p:nvPr>
+        </p:nvSpPr>
+        <p:spPr/>
+        <p:txBody>
+          <a:bodyPr/>
+          <a:lstStyle/>
+          <a:p>
+            <a:pPr algn="ctr"/>
+            <a:r>
+              <a:rPr lang="ja-JP" altLang="en-US" dirty="0"/>
+              <a:t>考察</a:t>
+            </a:r>
+            <a:endParaRPr kumimoji="1" lang="ja-JP" altLang="en-US" dirty="0"/>
+          </a:p>
+        </p:txBody>
+      </p:sp>
+      <p:sp>
+        <p:nvSpPr>
+          <p:cNvPr id="3" name="コンテンツ プレースホルダー 2"/>
+          <p:cNvSpPr>
+            <a:spLocks noGrp="1"/>
+          </p:cNvSpPr>
+          <p:nvPr>
+            <p:ph idx="1"/>
+          </p:nvPr>
+        </p:nvSpPr>
+        <p:spPr>
+          <a:xfrm>
+            <a:off x="718185" y="1440125"/>
+            <a:ext cx="10755630" cy="4351338"/>
+          </a:xfrm>
+        </p:spPr>
+        <p:txBody>
+          <a:bodyPr/>
+          <a:lstStyle/>
+          <a:p>
+            <a:r>
+              <a:rPr lang="en-US" altLang="ja-JP" sz="3200" dirty="0"/>
+              <a:t>10 </a:t>
+            </a:r>
+            <a:r>
+              <a:rPr lang="ja-JP" altLang="en-US" sz="3200" dirty="0"/>
+              <a:t>人でのシミュレーションのメンバ全てが</a:t>
+            </a:r>
+            <a:r>
+              <a:rPr lang="ja-JP" altLang="en-US" sz="3200" dirty="0" smtClean="0"/>
+              <a:t>ツイート</a:t>
+            </a:r>
+            <a:r>
+              <a:rPr lang="ja-JP" altLang="en-US" sz="3200" dirty="0"/>
+              <a:t>を確認できるようになるのは互いに</a:t>
+            </a:r>
+            <a:r>
+              <a:rPr lang="ja-JP" altLang="en-US" sz="3200" dirty="0" smtClean="0"/>
+              <a:t>繋がってる</a:t>
+            </a:r>
+            <a:r>
+              <a:rPr lang="ja-JP" altLang="en-US" sz="3200" dirty="0"/>
+              <a:t>確率</a:t>
+            </a:r>
+            <a:r>
+              <a:rPr lang="ja-JP" altLang="en-US" sz="3200" dirty="0" smtClean="0"/>
+              <a:t>が</a:t>
+            </a:r>
+            <a:r>
+              <a:rPr lang="en-US" altLang="ja-JP" sz="3200" dirty="0" smtClean="0"/>
+              <a:t>0.5</a:t>
+            </a:r>
+            <a:r>
+              <a:rPr lang="ja-JP" altLang="en-US" sz="3200" dirty="0" smtClean="0"/>
+              <a:t>で</a:t>
+            </a:r>
+            <a:r>
+              <a:rPr lang="en-US" altLang="ja-JP" sz="3200" dirty="0" smtClean="0"/>
+              <a:t>RT</a:t>
+            </a:r>
+            <a:r>
+              <a:rPr lang="ja-JP" altLang="en-US" sz="3200" dirty="0" smtClean="0"/>
+              <a:t>する</a:t>
+            </a:r>
+            <a:r>
+              <a:rPr lang="ja-JP" altLang="en-US" sz="3200" dirty="0"/>
+              <a:t>確率</a:t>
+            </a:r>
+            <a:r>
+              <a:rPr lang="ja-JP" altLang="en-US" sz="3200" dirty="0" smtClean="0"/>
+              <a:t>が</a:t>
+            </a:r>
+            <a:r>
+              <a:rPr lang="en-US" altLang="ja-JP" sz="3200" dirty="0" smtClean="0"/>
+              <a:t>0.6</a:t>
+            </a:r>
+            <a:r>
+              <a:rPr lang="ja-JP" altLang="en-US" sz="3200" dirty="0" smtClean="0"/>
+              <a:t>の</a:t>
+            </a:r>
+            <a:r>
+              <a:rPr lang="ja-JP" altLang="en-US" sz="3200" dirty="0"/>
+              <a:t>ときで</a:t>
+            </a:r>
+            <a:r>
+              <a:rPr lang="ja-JP" altLang="en-US" sz="3200" dirty="0" smtClean="0"/>
+              <a:t>ある．</a:t>
+            </a:r>
+            <a:endParaRPr lang="en-US" altLang="ja-JP" sz="3200" dirty="0" smtClean="0"/>
+          </a:p>
+          <a:p>
+            <a:pPr marL="0" indent="0">
+              <a:buNone/>
+            </a:pPr>
+            <a:endParaRPr lang="en-US" altLang="ja-JP" sz="3200" dirty="0" smtClean="0"/>
+          </a:p>
+          <a:p>
+            <a:r>
+              <a:rPr lang="ja-JP" altLang="en-US" sz="3200" dirty="0" smtClean="0"/>
+              <a:t>この</a:t>
+            </a:r>
+            <a:r>
+              <a:rPr lang="ja-JP" altLang="en-US" sz="3200" dirty="0"/>
+              <a:t>場合フォローしている人間は </a:t>
+            </a:r>
+            <a:r>
+              <a:rPr lang="en-US" altLang="ja-JP" sz="3200" dirty="0" smtClean="0"/>
+              <a:t>5</a:t>
+            </a:r>
+            <a:r>
+              <a:rPr lang="ja-JP" altLang="en-US" sz="3200" dirty="0" smtClean="0"/>
+              <a:t>人で，その</a:t>
+            </a:r>
+            <a:r>
+              <a:rPr lang="ja-JP" altLang="en-US" sz="3200" dirty="0"/>
+              <a:t>中で </a:t>
+            </a:r>
+            <a:r>
+              <a:rPr lang="en-US" altLang="ja-JP" sz="3200" dirty="0" smtClean="0"/>
+              <a:t>3</a:t>
+            </a:r>
+            <a:r>
+              <a:rPr lang="ja-JP" altLang="en-US" sz="3200" dirty="0" smtClean="0"/>
+              <a:t>人</a:t>
+            </a:r>
+            <a:r>
+              <a:rPr lang="ja-JP" altLang="en-US" sz="3200" dirty="0"/>
+              <a:t>の人間</a:t>
+            </a:r>
+            <a:r>
+              <a:rPr lang="ja-JP" altLang="en-US" sz="3200" dirty="0" smtClean="0"/>
+              <a:t>が</a:t>
+            </a:r>
+            <a:r>
+              <a:rPr lang="en-US" altLang="ja-JP" sz="3200" dirty="0" smtClean="0"/>
+              <a:t>RT</a:t>
+            </a:r>
+            <a:r>
+              <a:rPr lang="ja-JP" altLang="en-US" sz="3200" dirty="0" smtClean="0"/>
+              <a:t>を</a:t>
+            </a:r>
+            <a:r>
+              <a:rPr lang="ja-JP" altLang="en-US" sz="3200" dirty="0"/>
+              <a:t>すると考えられる．</a:t>
+            </a:r>
+            <a:endParaRPr lang="en-US" altLang="ja-JP" sz="3200" dirty="0" smtClean="0"/>
+          </a:p>
+        </p:txBody>
+      </p:sp>
+    </p:spTree>
+    <p:extLst>
+      <p:ext uri="{BB962C8B-B14F-4D97-AF65-F5344CB8AC3E}">
+        <p14:creationId xmlns:p14="http://schemas.microsoft.com/office/powerpoint/2010/main" val="3909460975"/>
+      </p:ext>
+    </p:extLst>
+  </p:cSld>
+  <p:clrMapOvr>
+    <a:masterClrMapping/>
+  </p:clrMapOvr>
+  <p:timing>
+    <p:tnLst>
+      <p:par>
+        <p:cTn id="1" dur="indefinite" restart="never" nodeType="tmRoot"/>
+      </p:par>
+    </p:tnLst>
+  </p:timing>
 </p:sld>
 </file>
 
@@ -3737,7 +8576,7 @@
             </a:r>
             <a:r>
               <a:rPr kumimoji="1" lang="ja-JP" altLang="en-US" sz="3200" dirty="0" smtClean="0"/>
-              <a:t>がスマホの普及によって良くも悪くも社会に影響を与えている．</a:t>
+              <a:t>がスマホの普及によって社会に影響を与えている．</a:t>
             </a:r>
             <a:endParaRPr kumimoji="1" lang="en-US" altLang="ja-JP" sz="3200" dirty="0" smtClean="0"/>
           </a:p>
@@ -3747,7 +8586,7 @@
           <a:p>
             <a:r>
               <a:rPr kumimoji="1" lang="ja-JP" altLang="en-US" sz="3200" dirty="0" smtClean="0"/>
-              <a:t>悪い影響のデマをシミュレーションで行えれば，対策が出来るのではないかと考えた．</a:t>
+              <a:t>デマ拡散のシミュレーションを行えれば，デマへの対策が出来るのではないかと考えた．</a:t>
             </a:r>
             <a:endParaRPr kumimoji="1" lang="ja-JP" altLang="en-US" sz="3200" dirty="0"/>
           </a:p>
@@ -3763,6 +8602,157 @@
   <p:clrMapOvr>
     <a:masterClrMapping/>
   </p:clrMapOvr>
+  <p:timing>
+    <p:tnLst>
+      <p:par>
+        <p:cTn id="1" dur="indefinite" restart="never" nodeType="tmRoot"/>
+      </p:par>
+    </p:tnLst>
+  </p:timing>
+</p:sld>
+</file>
+
+<file path=ppt/slides/slide20.xml><?xml version="1.0" encoding="utf-8"?>
+<p:sld xmlns:a="http://schemas.openxmlformats.org/drawingml/2006/main" xmlns:r="http://schemas.openxmlformats.org/officeDocument/2006/relationships" xmlns:p="http://schemas.openxmlformats.org/presentationml/2006/main">
+  <p:cSld>
+    <p:spTree>
+      <p:nvGrpSpPr>
+        <p:cNvPr id="1" name=""/>
+        <p:cNvGrpSpPr/>
+        <p:nvPr/>
+      </p:nvGrpSpPr>
+      <p:grpSpPr>
+        <a:xfrm>
+          <a:off x="0" y="0"/>
+          <a:ext cx="0" cy="0"/>
+          <a:chOff x="0" y="0"/>
+          <a:chExt cx="0" cy="0"/>
+        </a:xfrm>
+      </p:grpSpPr>
+      <p:sp>
+        <p:nvSpPr>
+          <p:cNvPr id="2" name="タイトル 1"/>
+          <p:cNvSpPr>
+            <a:spLocks noGrp="1"/>
+          </p:cNvSpPr>
+          <p:nvPr>
+            <p:ph type="title"/>
+          </p:nvPr>
+        </p:nvSpPr>
+        <p:spPr/>
+        <p:txBody>
+          <a:bodyPr/>
+          <a:lstStyle/>
+          <a:p>
+            <a:pPr algn="ctr"/>
+            <a:r>
+              <a:rPr kumimoji="1" lang="ja-JP" altLang="en-US" dirty="0" smtClean="0"/>
+              <a:t>結論</a:t>
+            </a:r>
+            <a:endParaRPr kumimoji="1" lang="ja-JP" altLang="en-US" dirty="0"/>
+          </a:p>
+        </p:txBody>
+      </p:sp>
+      <p:sp>
+        <p:nvSpPr>
+          <p:cNvPr id="3" name="コンテンツ プレースホルダー 2"/>
+          <p:cNvSpPr>
+            <a:spLocks noGrp="1"/>
+          </p:cNvSpPr>
+          <p:nvPr>
+            <p:ph idx="1"/>
+          </p:nvPr>
+        </p:nvSpPr>
+        <p:spPr/>
+        <p:txBody>
+          <a:bodyPr>
+            <a:normAutofit/>
+          </a:bodyPr>
+          <a:lstStyle/>
+          <a:p>
+            <a:r>
+              <a:rPr kumimoji="1" lang="ja-JP" altLang="en-US" sz="3200" dirty="0" smtClean="0"/>
+              <a:t>本研究では</a:t>
+            </a:r>
+            <a:r>
+              <a:rPr kumimoji="1" lang="en-US" altLang="ja-JP" sz="3200" dirty="0" smtClean="0"/>
+              <a:t>1</a:t>
+            </a:r>
+            <a:r>
+              <a:rPr lang="ja-JP" altLang="en-US" sz="3200" dirty="0"/>
+              <a:t>日のツイート数の</a:t>
+            </a:r>
+            <a:r>
+              <a:rPr lang="ja-JP" altLang="en-US" sz="3200" dirty="0" smtClean="0"/>
+              <a:t>分布とツイート</a:t>
+            </a:r>
+            <a:r>
+              <a:rPr lang="ja-JP" altLang="en-US" sz="3200" dirty="0"/>
+              <a:t>拡散の</a:t>
+            </a:r>
+            <a:r>
+              <a:rPr lang="ja-JP" altLang="en-US" sz="3200" dirty="0" smtClean="0"/>
+              <a:t>シミュレート手法を確立し</a:t>
+            </a:r>
+            <a:r>
+              <a:rPr lang="ja-JP" altLang="en-US" sz="3200" dirty="0"/>
+              <a:t>た</a:t>
+            </a:r>
+            <a:r>
+              <a:rPr lang="ja-JP" altLang="en-US" sz="3200" dirty="0" smtClean="0"/>
+              <a:t>．</a:t>
+            </a:r>
+            <a:endParaRPr lang="en-US" altLang="ja-JP" sz="3200" dirty="0"/>
+          </a:p>
+          <a:p>
+            <a:endParaRPr kumimoji="1" lang="en-US" altLang="ja-JP" sz="3200" dirty="0"/>
+          </a:p>
+          <a:p>
+            <a:r>
+              <a:rPr lang="en-US" altLang="ja-JP" sz="3200" dirty="0" smtClean="0"/>
+              <a:t>1</a:t>
+            </a:r>
+            <a:r>
+              <a:rPr lang="ja-JP" altLang="en-US" sz="3200" dirty="0" smtClean="0"/>
+              <a:t>ユーザ</a:t>
+            </a:r>
+            <a:r>
+              <a:rPr lang="ja-JP" altLang="en-US" sz="3200" dirty="0"/>
+              <a:t>の</a:t>
+            </a:r>
+            <a:r>
+              <a:rPr lang="ja-JP" altLang="en-US" sz="3200" dirty="0" smtClean="0"/>
+              <a:t>フォロー</a:t>
+            </a:r>
+            <a:r>
+              <a:rPr lang="ja-JP" altLang="en-US" sz="3200" dirty="0"/>
+              <a:t>人数の</a:t>
+            </a:r>
+            <a:r>
+              <a:rPr lang="ja-JP" altLang="en-US" sz="3200" dirty="0" smtClean="0"/>
+              <a:t>平均や中心人物の条件の取得を行うことによる，ネットワーク作成が出来なかったため，現実近いシミュレーションを行うことは出来なかった．</a:t>
+            </a:r>
+            <a:endParaRPr kumimoji="1" lang="ja-JP" altLang="en-US" sz="3200" dirty="0"/>
+          </a:p>
+        </p:txBody>
+      </p:sp>
+    </p:spTree>
+    <p:extLst>
+      <p:ext uri="{BB962C8B-B14F-4D97-AF65-F5344CB8AC3E}">
+        <p14:creationId xmlns:p14="http://schemas.microsoft.com/office/powerpoint/2010/main" val="3113147840"/>
+      </p:ext>
+    </p:extLst>
+  </p:cSld>
+  <p:clrMapOvr>
+    <a:masterClrMapping/>
+  </p:clrMapOvr>
+  <p:timing>
+    <p:tnLst>
+      <p:par>
+        <p:cTn id="1" dur="indefinite" restart="never" nodeType="tmRoot"/>
+      </p:par>
+    </p:tnLst>
+  </p:timing>
 </p:sld>
 </file>
 
@@ -3800,8 +8790,12 @@
           <a:p>
             <a:pPr algn="ctr"/>
             <a:r>
+              <a:rPr kumimoji="1" lang="en-US" altLang="ja-JP" dirty="0" smtClean="0"/>
+              <a:t>Twitter</a:t>
+            </a:r>
+            <a:r>
               <a:rPr kumimoji="1" lang="ja-JP" altLang="en-US" dirty="0" smtClean="0"/>
-              <a:t>目的</a:t>
+              <a:t>について</a:t>
             </a:r>
             <a:endParaRPr kumimoji="1" lang="ja-JP" altLang="en-US" dirty="0"/>
           </a:p>
@@ -3819,34 +8813,166 @@
         </p:nvSpPr>
         <p:spPr>
           <a:xfrm>
-            <a:off x="838200" y="2421923"/>
-            <a:ext cx="10515600" cy="3433763"/>
+            <a:off x="838200" y="1825625"/>
+            <a:ext cx="10719816" cy="4351338"/>
           </a:xfrm>
         </p:spPr>
         <p:txBody>
           <a:bodyPr>
-            <a:normAutofit/>
+            <a:normAutofit fontScale="92500" lnSpcReduction="10000"/>
           </a:bodyPr>
           <a:lstStyle/>
           <a:p>
             <a:r>
-              <a:rPr kumimoji="1" lang="ja-JP" altLang="en-US" sz="3200" dirty="0" smtClean="0"/>
-              <a:t>現実のデマ拡散に近い状況を再現できるシミュレーションの開発を行うことである．</a:t>
-            </a:r>
-            <a:endParaRPr kumimoji="1" lang="ja-JP" altLang="en-US" sz="3200" dirty="0"/>
+              <a:rPr lang="en-US" altLang="ja-JP" sz="3200" dirty="0" smtClean="0"/>
+              <a:t>Twitter</a:t>
+            </a:r>
+            <a:r>
+              <a:rPr lang="ja-JP" altLang="en-US" sz="3200" dirty="0" smtClean="0"/>
+              <a:t>（ツイッター</a:t>
+            </a:r>
+            <a:r>
+              <a:rPr lang="ja-JP" altLang="en-US" sz="3200" dirty="0"/>
+              <a:t>）</a:t>
+            </a:r>
+            <a:r>
+              <a:rPr lang="en-US" altLang="ja-JP" sz="3200" dirty="0" smtClean="0"/>
+              <a:t> </a:t>
+            </a:r>
+            <a:r>
+              <a:rPr lang="ja-JP" altLang="en-US" sz="3200" dirty="0"/>
+              <a:t>は</a:t>
+            </a:r>
+            <a:r>
+              <a:rPr lang="ja-JP" altLang="en-US" sz="3200" dirty="0" smtClean="0"/>
+              <a:t>，短文</a:t>
+            </a:r>
+            <a:r>
+              <a:rPr lang="ja-JP" altLang="en-US" sz="3200" dirty="0"/>
+              <a:t>の投稿を共有する </a:t>
+            </a:r>
+            <a:r>
+              <a:rPr lang="en-US" altLang="ja-JP" sz="3200" dirty="0"/>
+              <a:t>WEB </a:t>
+            </a:r>
+            <a:r>
+              <a:rPr lang="ja-JP" altLang="en-US" sz="3200" dirty="0"/>
+              <a:t>上の情報サービスである</a:t>
+            </a:r>
+            <a:r>
+              <a:rPr lang="ja-JP" altLang="en-US" sz="3200" dirty="0" smtClean="0"/>
+              <a:t>．</a:t>
+            </a:r>
+            <a:endParaRPr lang="en-US" altLang="ja-JP" sz="3200" dirty="0" smtClean="0"/>
+          </a:p>
+          <a:p>
+            <a:endParaRPr kumimoji="1" lang="en-US" altLang="ja-JP" sz="3200" dirty="0"/>
+          </a:p>
+          <a:p>
+            <a:r>
+              <a:rPr lang="ja-JP" altLang="en-US" sz="3200" dirty="0" smtClean="0"/>
+              <a:t>ツイートとは</a:t>
+            </a:r>
+            <a:endParaRPr lang="en-US" altLang="ja-JP" sz="3200" dirty="0"/>
+          </a:p>
+          <a:p>
+            <a:pPr marL="0" indent="0">
+              <a:buNone/>
+            </a:pPr>
+            <a:r>
+              <a:rPr lang="ja-JP" altLang="en-US" sz="3200" dirty="0"/>
+              <a:t>　</a:t>
+            </a:r>
+            <a:r>
+              <a:rPr lang="ja-JP" altLang="en-US" sz="3200" dirty="0" smtClean="0"/>
+              <a:t>　</a:t>
+            </a:r>
+            <a:r>
+              <a:rPr lang="en-US" altLang="ja-JP" sz="3200" dirty="0" smtClean="0"/>
+              <a:t>Twitter</a:t>
+            </a:r>
+            <a:r>
+              <a:rPr lang="ja-JP" altLang="en-US" sz="3200" dirty="0" smtClean="0"/>
+              <a:t>における</a:t>
+            </a:r>
+            <a:r>
+              <a:rPr lang="en-US" altLang="ja-JP" sz="3200" dirty="0" smtClean="0"/>
+              <a:t>140</a:t>
+            </a:r>
+            <a:r>
+              <a:rPr lang="ja-JP" altLang="en-US" sz="3200" dirty="0" smtClean="0"/>
+              <a:t>文字の文章のことで，つぶやきともいう．</a:t>
+            </a:r>
+            <a:endParaRPr lang="en-US" altLang="ja-JP" sz="3200" dirty="0"/>
+          </a:p>
+          <a:p>
+            <a:pPr marL="0" indent="0">
+              <a:buNone/>
+            </a:pPr>
+            <a:endParaRPr lang="en-US" altLang="ja-JP" sz="3200" dirty="0" smtClean="0"/>
+          </a:p>
+          <a:p>
+            <a:r>
+              <a:rPr lang="ja-JP" altLang="en-US" sz="3200" dirty="0" smtClean="0"/>
+              <a:t>リツイートとは</a:t>
+            </a:r>
+            <a:endParaRPr lang="en-US" altLang="ja-JP" sz="3200" dirty="0" smtClean="0"/>
+          </a:p>
+          <a:p>
+            <a:pPr marL="0" indent="0">
+              <a:buNone/>
+            </a:pPr>
+            <a:r>
+              <a:rPr lang="ja-JP" altLang="en-US" sz="3200" dirty="0"/>
+              <a:t>　</a:t>
+            </a:r>
+            <a:r>
+              <a:rPr lang="ja-JP" altLang="en-US" sz="3200" dirty="0" smtClean="0"/>
+              <a:t>　ほかの人のツイートを再びツイートするものである．</a:t>
+            </a:r>
+            <a:endParaRPr lang="en-US" altLang="ja-JP" sz="3200" dirty="0" smtClean="0"/>
+          </a:p>
+          <a:p>
+            <a:pPr marL="0" indent="0">
+              <a:buNone/>
+            </a:pPr>
+            <a:r>
+              <a:rPr lang="ja-JP" altLang="en-US" sz="3200" dirty="0"/>
+              <a:t>　</a:t>
+            </a:r>
+            <a:r>
+              <a:rPr lang="ja-JP" altLang="en-US" sz="3200" dirty="0" smtClean="0"/>
+              <a:t>　自分とつながりのあるユーザに共有できる．</a:t>
+            </a:r>
+            <a:r>
+              <a:rPr lang="en-US" altLang="ja-JP" sz="3200" dirty="0" smtClean="0"/>
+              <a:t>RT</a:t>
+            </a:r>
+            <a:r>
+              <a:rPr lang="ja-JP" altLang="en-US" sz="3200" dirty="0" smtClean="0"/>
+              <a:t>と略される．</a:t>
+            </a:r>
+            <a:endParaRPr lang="en-US" altLang="ja-JP" sz="3200" dirty="0"/>
           </a:p>
         </p:txBody>
       </p:sp>
     </p:spTree>
     <p:extLst>
       <p:ext uri="{BB962C8B-B14F-4D97-AF65-F5344CB8AC3E}">
-        <p14:creationId xmlns:p14="http://schemas.microsoft.com/office/powerpoint/2010/main" val="1981979179"/>
+        <p14:creationId xmlns:p14="http://schemas.microsoft.com/office/powerpoint/2010/main" val="2601025278"/>
       </p:ext>
     </p:extLst>
   </p:cSld>
   <p:clrMapOvr>
     <a:masterClrMapping/>
   </p:clrMapOvr>
+  <p:timing>
+    <p:tnLst>
+      <p:par>
+        <p:cTn id="1" dur="indefinite" restart="never" nodeType="tmRoot"/>
+      </p:par>
+    </p:tnLst>
+  </p:timing>
 </p:sld>
 </file>
 
@@ -3884,8 +9010,16 @@
           <a:p>
             <a:pPr algn="ctr"/>
             <a:r>
+              <a:rPr kumimoji="1" lang="en-US" altLang="ja-JP" dirty="0" smtClean="0"/>
+              <a:t>Twitter</a:t>
+            </a:r>
+            <a:r>
               <a:rPr kumimoji="1" lang="ja-JP" altLang="en-US" dirty="0" smtClean="0"/>
-              <a:t>手法</a:t>
+              <a:t>について</a:t>
+            </a:r>
+            <a:r>
+              <a:rPr kumimoji="1" lang="en-US" altLang="ja-JP" dirty="0" smtClean="0"/>
+              <a:t>2</a:t>
             </a:r>
             <a:endParaRPr kumimoji="1" lang="ja-JP" altLang="en-US" dirty="0"/>
           </a:p>
@@ -3903,8 +9037,8 @@
         </p:nvSpPr>
         <p:spPr>
           <a:xfrm>
-            <a:off x="838200" y="1825624"/>
-            <a:ext cx="10515600" cy="5032375"/>
+            <a:off x="209550" y="1584960"/>
+            <a:ext cx="11772900" cy="4592003"/>
           </a:xfrm>
         </p:spPr>
         <p:txBody>
@@ -3915,145 +9049,103 @@
           <a:p>
             <a:r>
               <a:rPr lang="ja-JP" altLang="en-US" sz="3200" dirty="0" smtClean="0"/>
-              <a:t>デマの</a:t>
-            </a:r>
+              <a:t>フォローとは</a:t>
+            </a:r>
+            <a:endParaRPr lang="en-US" altLang="ja-JP" sz="3200" dirty="0" smtClean="0"/>
+          </a:p>
+          <a:p>
+            <a:pPr marL="0" indent="0">
+              <a:buNone/>
+            </a:pPr>
+            <a:r>
+              <a:rPr lang="ja-JP" altLang="en-US" sz="3200" dirty="0" smtClean="0"/>
+              <a:t>　　自分がフォローボタンを押したユーザーのつぶやきを確認できる</a:t>
+            </a:r>
+            <a:endParaRPr lang="en-US" altLang="ja-JP" sz="3200" dirty="0" smtClean="0"/>
+          </a:p>
+          <a:p>
+            <a:pPr marL="0" indent="0">
+              <a:buNone/>
+            </a:pPr>
             <a:r>
               <a:rPr lang="ja-JP" altLang="en-US" sz="3200" dirty="0"/>
-              <a:t>拡散をシミュレートするため</a:t>
+              <a:t>　　</a:t>
             </a:r>
             <a:r>
               <a:rPr lang="ja-JP" altLang="en-US" sz="3200" dirty="0" smtClean="0"/>
-              <a:t>に以下の</a:t>
-            </a:r>
-            <a:r>
-              <a:rPr lang="en-US" altLang="ja-JP" sz="3200" dirty="0" smtClean="0"/>
-              <a:t>4</a:t>
-            </a:r>
+              <a:t>よう</a:t>
+            </a:r>
+            <a:r>
+              <a:rPr lang="ja-JP" altLang="en-US" sz="3200" dirty="0"/>
+              <a:t>にすること．</a:t>
+            </a:r>
+            <a:endParaRPr lang="en-US" altLang="ja-JP" sz="3200" dirty="0" smtClean="0"/>
+          </a:p>
+          <a:p>
+            <a:endParaRPr kumimoji="1" lang="en-US" altLang="ja-JP" sz="3200" dirty="0"/>
+          </a:p>
+          <a:p>
             <a:r>
               <a:rPr lang="ja-JP" altLang="en-US" sz="3200" dirty="0" smtClean="0"/>
-              <a:t>つが必要である</a:t>
+              <a:t>フォロワーとは</a:t>
             </a:r>
             <a:endParaRPr lang="en-US" altLang="ja-JP" sz="3200" dirty="0"/>
           </a:p>
           <a:p>
-            <a:pPr marL="514350" indent="-514350">
-              <a:buFont typeface="+mj-lt"/>
-              <a:buAutoNum type="arabicPeriod"/>
+            <a:pPr marL="0" indent="0">
+              <a:buNone/>
             </a:pPr>
             <a:r>
               <a:rPr lang="ja-JP" altLang="en-US" sz="3200" dirty="0" smtClean="0"/>
-              <a:t>シミュレート手法の確立</a:t>
+              <a:t>　</a:t>
+            </a:r>
+            <a:r>
+              <a:rPr lang="ja-JP" altLang="en-US" sz="3200" dirty="0"/>
+              <a:t>自分をフォローしているユーザーの事</a:t>
+            </a:r>
+            <a:r>
+              <a:rPr lang="ja-JP" altLang="en-US" sz="3200" dirty="0" smtClean="0"/>
+              <a:t>で，フォロワーに自分の</a:t>
             </a:r>
             <a:endParaRPr lang="en-US" altLang="ja-JP" sz="3200" dirty="0" smtClean="0"/>
           </a:p>
           <a:p>
-            <a:pPr marL="514350" indent="-514350">
-              <a:buFont typeface="+mj-lt"/>
-              <a:buAutoNum type="arabicPeriod"/>
+            <a:pPr marL="0" indent="0">
+              <a:buNone/>
             </a:pPr>
+            <a:r>
+              <a:rPr lang="ja-JP" altLang="en-US" sz="3200" dirty="0" smtClean="0"/>
+              <a:t>　つぶやき</a:t>
+            </a:r>
+            <a:r>
+              <a:rPr lang="ja-JP" altLang="en-US" sz="3200" dirty="0"/>
+              <a:t>が表示される</a:t>
+            </a:r>
+            <a:r>
+              <a:rPr lang="ja-JP" altLang="en-US" sz="3200" dirty="0" smtClean="0"/>
+              <a:t>．</a:t>
+            </a:r>
             <a:endParaRPr lang="en-US" altLang="ja-JP" sz="3200" dirty="0" smtClean="0"/>
-          </a:p>
-          <a:p>
-            <a:pPr marL="514350" indent="-514350">
-              <a:buFont typeface="+mj-lt"/>
-              <a:buAutoNum type="arabicPeriod"/>
-            </a:pPr>
-            <a:r>
-              <a:rPr lang="ja-JP" altLang="en-US" sz="3200" dirty="0" smtClean="0"/>
-              <a:t>つぶやきの頻度</a:t>
-            </a:r>
-            <a:endParaRPr lang="en-US" altLang="ja-JP" sz="3200" dirty="0" smtClean="0"/>
-          </a:p>
-          <a:p>
-            <a:pPr marL="514350" indent="-514350">
-              <a:buFont typeface="+mj-lt"/>
-              <a:buAutoNum type="arabicPeriod"/>
-            </a:pPr>
-            <a:endParaRPr lang="en-US" altLang="ja-JP" sz="3200" dirty="0" smtClean="0"/>
-          </a:p>
-          <a:p>
-            <a:pPr marL="514350" indent="-514350">
-              <a:buFont typeface="+mj-lt"/>
-              <a:buAutoNum type="arabicPeriod"/>
-            </a:pPr>
-            <a:r>
-              <a:rPr lang="en-US" altLang="ja-JP" sz="3200" dirty="0" smtClean="0"/>
-              <a:t>RT</a:t>
-            </a:r>
-            <a:r>
-              <a:rPr lang="ja-JP" altLang="en-US" sz="3200" dirty="0" smtClean="0"/>
-              <a:t>の頻度</a:t>
-            </a:r>
-            <a:endParaRPr lang="en-US" altLang="ja-JP" sz="3200" dirty="0" smtClean="0"/>
-          </a:p>
-          <a:p>
-            <a:pPr marL="514350" indent="-514350">
-              <a:buFont typeface="+mj-lt"/>
-              <a:buAutoNum type="arabicPeriod"/>
-            </a:pPr>
-            <a:endParaRPr lang="en-US" altLang="ja-JP" sz="3200" dirty="0"/>
-          </a:p>
-          <a:p>
-            <a:pPr marL="514350" indent="-514350">
-              <a:buFont typeface="+mj-lt"/>
-              <a:buAutoNum type="arabicPeriod"/>
-            </a:pPr>
-            <a:r>
-              <a:rPr lang="ja-JP" altLang="en-US" sz="3200" dirty="0" smtClean="0"/>
-              <a:t>ユーザー同士によるネットワークの作成</a:t>
-            </a:r>
-            <a:endParaRPr lang="en-US" altLang="ja-JP" sz="3200" dirty="0" smtClean="0"/>
-          </a:p>
-          <a:p>
-            <a:pPr marL="514350" indent="-514350">
-              <a:buFont typeface="+mj-lt"/>
-              <a:buAutoNum type="arabicPeriod"/>
-            </a:pPr>
-            <a:endParaRPr lang="en-US" altLang="ja-JP" sz="3200" dirty="0"/>
-          </a:p>
-          <a:p>
-            <a:pPr marL="514350" indent="-514350">
-              <a:buFont typeface="+mj-lt"/>
-              <a:buAutoNum type="arabicPeriod"/>
-            </a:pPr>
-            <a:endParaRPr lang="en-US" altLang="ja-JP" sz="3200" dirty="0" smtClean="0"/>
-          </a:p>
-          <a:p>
-            <a:pPr marL="514350" indent="-514350">
-              <a:buFont typeface="+mj-lt"/>
-              <a:buAutoNum type="arabicPeriod"/>
-            </a:pPr>
-            <a:endParaRPr lang="en-US" altLang="ja-JP" sz="3200" dirty="0" smtClean="0"/>
-          </a:p>
-          <a:p>
-            <a:pPr marL="514350" indent="-514350">
-              <a:buFont typeface="+mj-lt"/>
-              <a:buAutoNum type="arabicPeriod"/>
-            </a:pPr>
-            <a:endParaRPr lang="en-US" altLang="ja-JP" sz="3200" dirty="0"/>
-          </a:p>
-          <a:p>
-            <a:pPr marL="514350" indent="-514350">
-              <a:buFont typeface="+mj-lt"/>
-              <a:buAutoNum type="arabicPeriod"/>
-            </a:pPr>
-            <a:endParaRPr lang="ja-JP" altLang="en-US" sz="3200" dirty="0"/>
-          </a:p>
-          <a:p>
-            <a:endParaRPr kumimoji="1" lang="ja-JP" altLang="en-US" sz="3200" dirty="0"/>
           </a:p>
         </p:txBody>
       </p:sp>
     </p:spTree>
     <p:extLst>
       <p:ext uri="{BB962C8B-B14F-4D97-AF65-F5344CB8AC3E}">
-        <p14:creationId xmlns:p14="http://schemas.microsoft.com/office/powerpoint/2010/main" val="2829239662"/>
+        <p14:creationId xmlns:p14="http://schemas.microsoft.com/office/powerpoint/2010/main" val="2906038903"/>
       </p:ext>
     </p:extLst>
   </p:cSld>
   <p:clrMapOvr>
     <a:masterClrMapping/>
   </p:clrMapOvr>
+  <p:timing>
+    <p:tnLst>
+      <p:par>
+        <p:cTn id="1" dur="indefinite" restart="never" nodeType="tmRoot"/>
+      </p:par>
+    </p:tnLst>
+  </p:timing>
 </p:sld>
 </file>
 
@@ -4076,6 +9168,135 @@
       </p:grpSpPr>
       <p:sp>
         <p:nvSpPr>
+          <p:cNvPr id="27" name="右矢印 26"/>
+          <p:cNvSpPr/>
+          <p:nvPr/>
+        </p:nvSpPr>
+        <p:spPr>
+          <a:xfrm>
+            <a:off x="2765326" y="3618754"/>
+            <a:ext cx="1700784" cy="457200"/>
+          </a:xfrm>
+          <a:prstGeom prst="rightArrow">
+            <a:avLst/>
+          </a:prstGeom>
+          <a:solidFill>
+            <a:schemeClr val="tx1"/>
+          </a:solidFill>
+        </p:spPr>
+        <p:style>
+          <a:lnRef idx="2">
+            <a:schemeClr val="accent1">
+              <a:shade val="50000"/>
+            </a:schemeClr>
+          </a:lnRef>
+          <a:fillRef idx="1">
+            <a:schemeClr val="accent1"/>
+          </a:fillRef>
+          <a:effectRef idx="0">
+            <a:schemeClr val="accent1"/>
+          </a:effectRef>
+          <a:fontRef idx="minor">
+            <a:schemeClr val="lt1"/>
+          </a:fontRef>
+        </p:style>
+        <p:txBody>
+          <a:bodyPr rtlCol="0" anchor="ctr"/>
+          <a:lstStyle/>
+          <a:p>
+            <a:pPr algn="ctr"/>
+            <a:endParaRPr kumimoji="1" lang="ja-JP" altLang="en-US"/>
+          </a:p>
+        </p:txBody>
+      </p:sp>
+      <p:sp>
+        <p:nvSpPr>
+          <p:cNvPr id="28" name="右矢印 27"/>
+          <p:cNvSpPr/>
+          <p:nvPr/>
+        </p:nvSpPr>
+        <p:spPr>
+          <a:xfrm rot="19929416">
+            <a:off x="2595352" y="2831011"/>
+            <a:ext cx="1700784" cy="457200"/>
+          </a:xfrm>
+          <a:prstGeom prst="rightArrow">
+            <a:avLst/>
+          </a:prstGeom>
+          <a:solidFill>
+            <a:schemeClr val="tx1"/>
+          </a:solidFill>
+        </p:spPr>
+        <p:style>
+          <a:lnRef idx="2">
+            <a:schemeClr val="accent1">
+              <a:shade val="50000"/>
+            </a:schemeClr>
+          </a:lnRef>
+          <a:fillRef idx="1">
+            <a:schemeClr val="accent1"/>
+          </a:fillRef>
+          <a:effectRef idx="0">
+            <a:schemeClr val="accent1"/>
+          </a:effectRef>
+          <a:fontRef idx="minor">
+            <a:schemeClr val="lt1"/>
+          </a:fontRef>
+        </p:style>
+        <p:txBody>
+          <a:bodyPr rtlCol="0" anchor="ctr"/>
+          <a:lstStyle/>
+          <a:p>
+            <a:pPr algn="ctr"/>
+            <a:endParaRPr kumimoji="1" lang="ja-JP" altLang="en-US"/>
+          </a:p>
+        </p:txBody>
+      </p:sp>
+      <p:sp>
+        <p:nvSpPr>
+          <p:cNvPr id="29" name="右矢印 28"/>
+          <p:cNvSpPr/>
+          <p:nvPr/>
+        </p:nvSpPr>
+        <p:spPr>
+          <a:xfrm rot="1574818">
+            <a:off x="2602031" y="4428463"/>
+            <a:ext cx="1700784" cy="457200"/>
+          </a:xfrm>
+          <a:prstGeom prst="rightArrow">
+            <a:avLst/>
+          </a:prstGeom>
+          <a:solidFill>
+            <a:schemeClr val="tx1"/>
+          </a:solidFill>
+        </p:spPr>
+        <p:style>
+          <a:lnRef idx="2">
+            <a:schemeClr val="accent1">
+              <a:shade val="50000"/>
+            </a:schemeClr>
+          </a:lnRef>
+          <a:fillRef idx="1">
+            <a:schemeClr val="accent1"/>
+          </a:fillRef>
+          <a:effectRef idx="0">
+            <a:schemeClr val="accent1"/>
+          </a:effectRef>
+          <a:fontRef idx="minor">
+            <a:schemeClr val="lt1"/>
+          </a:fontRef>
+        </p:style>
+        <p:txBody>
+          <a:bodyPr rtlCol="0" anchor="ctr"/>
+          <a:lstStyle/>
+          <a:p>
+            <a:pPr algn="ctr"/>
+            <a:endParaRPr kumimoji="1" lang="ja-JP" altLang="en-US"/>
+          </a:p>
+        </p:txBody>
+      </p:sp>
+      <p:sp>
+        <p:nvSpPr>
           <p:cNvPr id="2" name="タイトル 1"/>
           <p:cNvSpPr>
             <a:spLocks noGrp="1"/>
@@ -4091,8 +9312,8 @@
           <a:p>
             <a:pPr algn="ctr"/>
             <a:r>
-              <a:rPr kumimoji="1" lang="ja-JP" altLang="en-US" dirty="0" smtClean="0"/>
-              <a:t>シミュレート手法の確立</a:t>
+              <a:rPr lang="ja-JP" altLang="en-US" dirty="0" smtClean="0"/>
+              <a:t>シミュレーションについて</a:t>
             </a:r>
             <a:endParaRPr kumimoji="1" lang="ja-JP" altLang="en-US" dirty="0"/>
           </a:p>
@@ -4100,61 +9321,156 @@
       </p:sp>
       <p:sp>
         <p:nvSpPr>
-          <p:cNvPr id="3" name="コンテンツ プレースホルダー 2"/>
-          <p:cNvSpPr>
-            <a:spLocks noGrp="1"/>
-          </p:cNvSpPr>
-          <p:nvPr>
-            <p:ph idx="1"/>
-          </p:nvPr>
-        </p:nvSpPr>
-        <p:spPr/>
-        <p:txBody>
-          <a:bodyPr>
-            <a:normAutofit/>
-          </a:bodyPr>
-          <a:lstStyle/>
-          <a:p>
-            <a:r>
-              <a:rPr kumimoji="1" lang="ja-JP" altLang="en-US" sz="3200" dirty="0" smtClean="0"/>
-              <a:t>手法確立のため，ネットワークをランダムグラフで再現した</a:t>
-            </a:r>
-            <a:r>
-              <a:rPr kumimoji="1" lang="en-US" altLang="ja-JP" sz="3200" dirty="0" smtClean="0"/>
-              <a:t>RT</a:t>
-            </a:r>
-            <a:r>
-              <a:rPr kumimoji="1" lang="ja-JP" altLang="en-US" sz="3200" dirty="0" smtClean="0"/>
-              <a:t>の拡散シミュレーションを行う．</a:t>
-            </a:r>
-            <a:endParaRPr kumimoji="1" lang="ja-JP" altLang="en-US" sz="3200" dirty="0"/>
-          </a:p>
-        </p:txBody>
-      </p:sp>
-      <p:pic>
-        <p:nvPicPr>
-          <p:cNvPr id="9" name="図 8"/>
-          <p:cNvPicPr>
-            <a:picLocks noChangeAspect="1"/>
-          </p:cNvPicPr>
+          <p:cNvPr id="6" name="スマイル 5"/>
+          <p:cNvSpPr/>
           <p:nvPr/>
-        </p:nvPicPr>
-        <p:blipFill>
-          <a:blip r:embed="rId2"/>
-          <a:stretch>
-            <a:fillRect/>
-          </a:stretch>
-        </p:blipFill>
+        </p:nvSpPr>
         <p:spPr>
           <a:xfrm>
-            <a:off x="3764280" y="2866380"/>
-            <a:ext cx="4760939" cy="3225239"/>
+            <a:off x="1337958" y="3321106"/>
+            <a:ext cx="914400" cy="914400"/>
           </a:xfrm>
-          <a:prstGeom prst="rect">
+          <a:prstGeom prst="smileyFace">
             <a:avLst/>
           </a:prstGeom>
         </p:spPr>
-      </p:pic>
+        <p:style>
+          <a:lnRef idx="2">
+            <a:schemeClr val="dk1"/>
+          </a:lnRef>
+          <a:fillRef idx="1">
+            <a:schemeClr val="lt1"/>
+          </a:fillRef>
+          <a:effectRef idx="0">
+            <a:schemeClr val="dk1"/>
+          </a:effectRef>
+          <a:fontRef idx="minor">
+            <a:schemeClr val="dk1"/>
+          </a:fontRef>
+        </p:style>
+        <p:txBody>
+          <a:bodyPr rtlCol="0" anchor="ctr"/>
+          <a:lstStyle/>
+          <a:p>
+            <a:pPr algn="ctr"/>
+            <a:endParaRPr kumimoji="1" lang="ja-JP" altLang="en-US"/>
+          </a:p>
+        </p:txBody>
+      </p:sp>
+      <p:sp>
+        <p:nvSpPr>
+          <p:cNvPr id="7" name="スマイル 6"/>
+          <p:cNvSpPr/>
+          <p:nvPr/>
+        </p:nvSpPr>
+        <p:spPr>
+          <a:xfrm>
+            <a:off x="5252213" y="3321106"/>
+            <a:ext cx="914400" cy="914400"/>
+          </a:xfrm>
+          <a:prstGeom prst="smileyFace">
+            <a:avLst/>
+          </a:prstGeom>
+        </p:spPr>
+        <p:style>
+          <a:lnRef idx="2">
+            <a:schemeClr val="dk1"/>
+          </a:lnRef>
+          <a:fillRef idx="1">
+            <a:schemeClr val="lt1"/>
+          </a:fillRef>
+          <a:effectRef idx="0">
+            <a:schemeClr val="dk1"/>
+          </a:effectRef>
+          <a:fontRef idx="minor">
+            <a:schemeClr val="dk1"/>
+          </a:fontRef>
+        </p:style>
+        <p:txBody>
+          <a:bodyPr rtlCol="0" anchor="ctr"/>
+          <a:lstStyle/>
+          <a:p>
+            <a:pPr algn="ctr"/>
+            <a:endParaRPr kumimoji="1" lang="ja-JP" altLang="en-US"/>
+          </a:p>
+        </p:txBody>
+      </p:sp>
+      <p:sp>
+        <p:nvSpPr>
+          <p:cNvPr id="8" name="スマイル 7"/>
+          <p:cNvSpPr/>
+          <p:nvPr/>
+        </p:nvSpPr>
+        <p:spPr>
+          <a:xfrm>
+            <a:off x="5252213" y="4867394"/>
+            <a:ext cx="914400" cy="914400"/>
+          </a:xfrm>
+          <a:prstGeom prst="smileyFace">
+            <a:avLst/>
+          </a:prstGeom>
+        </p:spPr>
+        <p:style>
+          <a:lnRef idx="2">
+            <a:schemeClr val="dk1"/>
+          </a:lnRef>
+          <a:fillRef idx="1">
+            <a:schemeClr val="lt1"/>
+          </a:fillRef>
+          <a:effectRef idx="0">
+            <a:schemeClr val="dk1"/>
+          </a:effectRef>
+          <a:fontRef idx="minor">
+            <a:schemeClr val="dk1"/>
+          </a:fontRef>
+        </p:style>
+        <p:txBody>
+          <a:bodyPr rtlCol="0" anchor="ctr"/>
+          <a:lstStyle/>
+          <a:p>
+            <a:pPr algn="ctr"/>
+            <a:endParaRPr kumimoji="1" lang="ja-JP" altLang="en-US"/>
+          </a:p>
+        </p:txBody>
+      </p:sp>
+      <p:sp>
+        <p:nvSpPr>
+          <p:cNvPr id="9" name="スマイル 8"/>
+          <p:cNvSpPr/>
+          <p:nvPr/>
+        </p:nvSpPr>
+        <p:spPr>
+          <a:xfrm>
+            <a:off x="5252213" y="1774818"/>
+            <a:ext cx="914400" cy="914400"/>
+          </a:xfrm>
+          <a:prstGeom prst="smileyFace">
+            <a:avLst/>
+          </a:prstGeom>
+        </p:spPr>
+        <p:style>
+          <a:lnRef idx="2">
+            <a:schemeClr val="dk1"/>
+          </a:lnRef>
+          <a:fillRef idx="1">
+            <a:schemeClr val="lt1"/>
+          </a:fillRef>
+          <a:effectRef idx="0">
+            <a:schemeClr val="dk1"/>
+          </a:effectRef>
+          <a:fontRef idx="minor">
+            <a:schemeClr val="dk1"/>
+          </a:fontRef>
+        </p:style>
+        <p:txBody>
+          <a:bodyPr rtlCol="0" anchor="ctr"/>
+          <a:lstStyle/>
+          <a:p>
+            <a:pPr algn="ctr"/>
+            <a:endParaRPr kumimoji="1" lang="ja-JP" altLang="en-US"/>
+          </a:p>
+        </p:txBody>
+      </p:sp>
       <p:sp>
         <p:nvSpPr>
           <p:cNvPr id="12" name="テキスト ボックス 11"/>
@@ -4163,8 +9479,8 @@
         </p:nvSpPr>
         <p:spPr>
           <a:xfrm>
-            <a:off x="3639896" y="6111082"/>
-            <a:ext cx="4458272" cy="369332"/>
+            <a:off x="1178643" y="4692706"/>
+            <a:ext cx="1233030" cy="369332"/>
           </a:xfrm>
           <a:prstGeom prst="rect">
             <a:avLst/>
@@ -4178,33 +9494,391 @@
           <a:lstStyle/>
           <a:p>
             <a:r>
+              <a:rPr lang="ja-JP" altLang="en-US" dirty="0" smtClean="0"/>
+              <a:t>つぶやく</a:t>
+            </a:r>
+            <a:r>
+              <a:rPr lang="ja-JP" altLang="en-US" dirty="0"/>
+              <a:t>人</a:t>
+            </a:r>
+            <a:endParaRPr kumimoji="1" lang="ja-JP" altLang="en-US" dirty="0"/>
+          </a:p>
+        </p:txBody>
+      </p:sp>
+      <p:sp>
+        <p:nvSpPr>
+          <p:cNvPr id="13" name="テキスト ボックス 12"/>
+          <p:cNvSpPr txBox="1"/>
+          <p:nvPr/>
+        </p:nvSpPr>
+        <p:spPr>
+          <a:xfrm>
+            <a:off x="4925521" y="6187281"/>
+            <a:ext cx="1933543" cy="369332"/>
+          </a:xfrm>
+          <a:prstGeom prst="rect">
+            <a:avLst/>
+          </a:prstGeom>
+          <a:noFill/>
+        </p:spPr>
+        <p:txBody>
+          <a:bodyPr wrap="none" rtlCol="0">
+            <a:spAutoFit/>
+          </a:bodyPr>
+          <a:lstStyle/>
+          <a:p>
+            <a:r>
+              <a:rPr lang="ja-JP" altLang="en-US" dirty="0" smtClean="0"/>
+              <a:t>つぶやきを見た人</a:t>
+            </a:r>
+            <a:endParaRPr kumimoji="1" lang="ja-JP" altLang="en-US" dirty="0"/>
+          </a:p>
+        </p:txBody>
+      </p:sp>
+      <p:sp>
+        <p:nvSpPr>
+          <p:cNvPr id="17" name="スマイル 16"/>
+          <p:cNvSpPr/>
+          <p:nvPr/>
+        </p:nvSpPr>
+        <p:spPr>
+          <a:xfrm>
+            <a:off x="9590863" y="2689218"/>
+            <a:ext cx="914400" cy="914400"/>
+          </a:xfrm>
+          <a:prstGeom prst="smileyFace">
+            <a:avLst/>
+          </a:prstGeom>
+        </p:spPr>
+        <p:style>
+          <a:lnRef idx="2">
+            <a:schemeClr val="dk1"/>
+          </a:lnRef>
+          <a:fillRef idx="1">
+            <a:schemeClr val="lt1"/>
+          </a:fillRef>
+          <a:effectRef idx="0">
+            <a:schemeClr val="dk1"/>
+          </a:effectRef>
+          <a:fontRef idx="minor">
+            <a:schemeClr val="dk1"/>
+          </a:fontRef>
+        </p:style>
+        <p:txBody>
+          <a:bodyPr rtlCol="0" anchor="ctr"/>
+          <a:lstStyle/>
+          <a:p>
+            <a:pPr algn="ctr"/>
+            <a:endParaRPr kumimoji="1" lang="ja-JP" altLang="en-US"/>
+          </a:p>
+        </p:txBody>
+      </p:sp>
+      <p:sp>
+        <p:nvSpPr>
+          <p:cNvPr id="18" name="スマイル 17"/>
+          <p:cNvSpPr/>
+          <p:nvPr/>
+        </p:nvSpPr>
+        <p:spPr>
+          <a:xfrm>
+            <a:off x="9590863" y="4235506"/>
+            <a:ext cx="914400" cy="914400"/>
+          </a:xfrm>
+          <a:prstGeom prst="smileyFace">
+            <a:avLst/>
+          </a:prstGeom>
+        </p:spPr>
+        <p:style>
+          <a:lnRef idx="2">
+            <a:schemeClr val="dk1"/>
+          </a:lnRef>
+          <a:fillRef idx="1">
+            <a:schemeClr val="lt1"/>
+          </a:fillRef>
+          <a:effectRef idx="0">
+            <a:schemeClr val="dk1"/>
+          </a:effectRef>
+          <a:fontRef idx="minor">
+            <a:schemeClr val="dk1"/>
+          </a:fontRef>
+        </p:style>
+        <p:txBody>
+          <a:bodyPr rtlCol="0" anchor="ctr"/>
+          <a:lstStyle/>
+          <a:p>
+            <a:pPr algn="ctr"/>
+            <a:endParaRPr kumimoji="1" lang="ja-JP" altLang="en-US"/>
+          </a:p>
+        </p:txBody>
+      </p:sp>
+      <p:sp>
+        <p:nvSpPr>
+          <p:cNvPr id="20" name="テキスト ボックス 19"/>
+          <p:cNvSpPr txBox="1"/>
+          <p:nvPr/>
+        </p:nvSpPr>
+        <p:spPr>
+          <a:xfrm>
+            <a:off x="9408254" y="6187281"/>
+            <a:ext cx="1291700" cy="369332"/>
+          </a:xfrm>
+          <a:prstGeom prst="rect">
+            <a:avLst/>
+          </a:prstGeom>
+          <a:noFill/>
+        </p:spPr>
+        <p:txBody>
+          <a:bodyPr wrap="none" rtlCol="0">
+            <a:spAutoFit/>
+          </a:bodyPr>
+          <a:lstStyle/>
+          <a:p>
+            <a:r>
+              <a:rPr lang="en-US" altLang="ja-JP" dirty="0" smtClean="0"/>
+              <a:t>R</a:t>
+            </a:r>
+            <a:r>
+              <a:rPr lang="en-US" altLang="ja-JP" dirty="0"/>
+              <a:t>T</a:t>
+            </a:r>
+            <a:r>
+              <a:rPr lang="ja-JP" altLang="en-US" dirty="0" smtClean="0"/>
+              <a:t>を見た人</a:t>
+            </a:r>
+            <a:endParaRPr kumimoji="1" lang="ja-JP" altLang="en-US" dirty="0"/>
+          </a:p>
+        </p:txBody>
+      </p:sp>
+      <p:sp>
+        <p:nvSpPr>
+          <p:cNvPr id="21" name="円形吹き出し 20"/>
+          <p:cNvSpPr/>
+          <p:nvPr/>
+        </p:nvSpPr>
+        <p:spPr>
+          <a:xfrm>
+            <a:off x="7044048" y="1251303"/>
+            <a:ext cx="2084832" cy="1591056"/>
+          </a:xfrm>
+          <a:prstGeom prst="wedgeEllipseCallout">
+            <a:avLst>
+              <a:gd name="adj1" fmla="val -11184"/>
+              <a:gd name="adj2" fmla="val 70546"/>
+            </a:avLst>
+          </a:prstGeom>
+          <a:noFill/>
+        </p:spPr>
+        <p:style>
+          <a:lnRef idx="2">
+            <a:schemeClr val="dk1"/>
+          </a:lnRef>
+          <a:fillRef idx="1">
+            <a:schemeClr val="lt1"/>
+          </a:fillRef>
+          <a:effectRef idx="0">
+            <a:schemeClr val="dk1"/>
+          </a:effectRef>
+          <a:fontRef idx="minor">
+            <a:schemeClr val="dk1"/>
+          </a:fontRef>
+        </p:style>
+        <p:txBody>
+          <a:bodyPr rtlCol="0" anchor="ctr"/>
+          <a:lstStyle/>
+          <a:p>
+            <a:pPr algn="ctr"/>
+            <a:r>
               <a:rPr kumimoji="1" lang="ja-JP" altLang="en-US" dirty="0" smtClean="0"/>
-              <a:t>図</a:t>
+              <a:t>真ん中の人が</a:t>
             </a:r>
             <a:r>
               <a:rPr kumimoji="1" lang="en-US" altLang="ja-JP" dirty="0" smtClean="0"/>
-              <a:t>1</a:t>
+              <a:t>RT</a:t>
             </a:r>
             <a:r>
               <a:rPr kumimoji="1" lang="ja-JP" altLang="en-US" dirty="0" smtClean="0"/>
-              <a:t>：全体の数を</a:t>
-            </a:r>
-            <a:r>
-              <a:rPr kumimoji="1" lang="en-US" altLang="ja-JP" dirty="0" smtClean="0"/>
-              <a:t>10</a:t>
-            </a:r>
-            <a:r>
-              <a:rPr kumimoji="1" lang="ja-JP" altLang="en-US" dirty="0" smtClean="0"/>
-              <a:t>で作成したランダムグラフ</a:t>
+              <a:t>した</a:t>
             </a:r>
             <a:endParaRPr kumimoji="1" lang="ja-JP" altLang="en-US" dirty="0"/>
+          </a:p>
+        </p:txBody>
+      </p:sp>
+      <p:sp>
+        <p:nvSpPr>
+          <p:cNvPr id="30" name="右矢印 29"/>
+          <p:cNvSpPr/>
+          <p:nvPr/>
+        </p:nvSpPr>
+        <p:spPr>
+          <a:xfrm rot="20765162">
+            <a:off x="7028346" y="3236667"/>
+            <a:ext cx="1700784" cy="457200"/>
+          </a:xfrm>
+          <a:prstGeom prst="rightArrow">
+            <a:avLst/>
+          </a:prstGeom>
+          <a:solidFill>
+            <a:schemeClr val="tx1"/>
+          </a:solidFill>
+        </p:spPr>
+        <p:style>
+          <a:lnRef idx="2">
+            <a:schemeClr val="accent1">
+              <a:shade val="50000"/>
+            </a:schemeClr>
+          </a:lnRef>
+          <a:fillRef idx="1">
+            <a:schemeClr val="accent1"/>
+          </a:fillRef>
+          <a:effectRef idx="0">
+            <a:schemeClr val="accent1"/>
+          </a:effectRef>
+          <a:fontRef idx="minor">
+            <a:schemeClr val="lt1"/>
+          </a:fontRef>
+        </p:style>
+        <p:txBody>
+          <a:bodyPr rtlCol="0" anchor="ctr"/>
+          <a:lstStyle/>
+          <a:p>
+            <a:pPr algn="ctr"/>
+            <a:endParaRPr kumimoji="1" lang="ja-JP" altLang="en-US"/>
+          </a:p>
+        </p:txBody>
+      </p:sp>
+      <p:sp>
+        <p:nvSpPr>
+          <p:cNvPr id="31" name="右矢印 30"/>
+          <p:cNvSpPr/>
+          <p:nvPr/>
+        </p:nvSpPr>
+        <p:spPr>
+          <a:xfrm rot="639152">
+            <a:off x="7030762" y="4208030"/>
+            <a:ext cx="1700784" cy="457200"/>
+          </a:xfrm>
+          <a:prstGeom prst="rightArrow">
+            <a:avLst/>
+          </a:prstGeom>
+          <a:solidFill>
+            <a:schemeClr val="tx1"/>
+          </a:solidFill>
+        </p:spPr>
+        <p:style>
+          <a:lnRef idx="2">
+            <a:schemeClr val="accent1">
+              <a:shade val="50000"/>
+            </a:schemeClr>
+          </a:lnRef>
+          <a:fillRef idx="1">
+            <a:schemeClr val="accent1"/>
+          </a:fillRef>
+          <a:effectRef idx="0">
+            <a:schemeClr val="accent1"/>
+          </a:effectRef>
+          <a:fontRef idx="minor">
+            <a:schemeClr val="lt1"/>
+          </a:fontRef>
+        </p:style>
+        <p:txBody>
+          <a:bodyPr rtlCol="0" anchor="ctr"/>
+          <a:lstStyle/>
+          <a:p>
+            <a:pPr algn="ctr"/>
+            <a:endParaRPr kumimoji="1" lang="ja-JP" altLang="en-US"/>
+          </a:p>
+        </p:txBody>
+      </p:sp>
+      <p:sp>
+        <p:nvSpPr>
+          <p:cNvPr id="32" name="乗算記号 31"/>
+          <p:cNvSpPr/>
+          <p:nvPr/>
+        </p:nvSpPr>
+        <p:spPr>
+          <a:xfrm>
+            <a:off x="5010229" y="1513858"/>
+            <a:ext cx="1388956" cy="1420049"/>
+          </a:xfrm>
+          <a:prstGeom prst="mathMultiply">
+            <a:avLst/>
+          </a:prstGeom>
+          <a:solidFill>
+            <a:srgbClr val="FF0000"/>
+          </a:solidFill>
+        </p:spPr>
+        <p:style>
+          <a:lnRef idx="2">
+            <a:schemeClr val="accent1">
+              <a:shade val="50000"/>
+            </a:schemeClr>
+          </a:lnRef>
+          <a:fillRef idx="1">
+            <a:schemeClr val="accent1"/>
+          </a:fillRef>
+          <a:effectRef idx="0">
+            <a:schemeClr val="accent1"/>
+          </a:effectRef>
+          <a:fontRef idx="minor">
+            <a:schemeClr val="lt1"/>
+          </a:fontRef>
+        </p:style>
+        <p:txBody>
+          <a:bodyPr rtlCol="0" anchor="ctr"/>
+          <a:lstStyle/>
+          <a:p>
+            <a:pPr algn="ctr"/>
+            <a:endParaRPr kumimoji="1" lang="ja-JP" altLang="en-US"/>
+          </a:p>
+        </p:txBody>
+      </p:sp>
+      <p:sp>
+        <p:nvSpPr>
+          <p:cNvPr id="33" name="乗算記号 32"/>
+          <p:cNvSpPr/>
+          <p:nvPr/>
+        </p:nvSpPr>
+        <p:spPr>
+          <a:xfrm>
+            <a:off x="5016325" y="4592338"/>
+            <a:ext cx="1388956" cy="1420049"/>
+          </a:xfrm>
+          <a:prstGeom prst="mathMultiply">
+            <a:avLst/>
+          </a:prstGeom>
+          <a:solidFill>
+            <a:srgbClr val="FF0000"/>
+          </a:solidFill>
+        </p:spPr>
+        <p:style>
+          <a:lnRef idx="2">
+            <a:schemeClr val="accent1">
+              <a:shade val="50000"/>
+            </a:schemeClr>
+          </a:lnRef>
+          <a:fillRef idx="1">
+            <a:schemeClr val="accent1"/>
+          </a:fillRef>
+          <a:effectRef idx="0">
+            <a:schemeClr val="accent1"/>
+          </a:effectRef>
+          <a:fontRef idx="minor">
+            <a:schemeClr val="lt1"/>
+          </a:fontRef>
+        </p:style>
+        <p:txBody>
+          <a:bodyPr rtlCol="0" anchor="ctr"/>
+          <a:lstStyle/>
+          <a:p>
+            <a:pPr algn="ctr"/>
+            <a:endParaRPr kumimoji="1" lang="ja-JP" altLang="en-US"/>
           </a:p>
         </p:txBody>
       </p:sp>
     </p:spTree>
     <p:extLst>
       <p:ext uri="{BB962C8B-B14F-4D97-AF65-F5344CB8AC3E}">
-        <p14:creationId xmlns:p14="http://schemas.microsoft.com/office/powerpoint/2010/main" val="578100881"/>
+        <p14:creationId xmlns:p14="http://schemas.microsoft.com/office/powerpoint/2010/main" val="1405138438"/>
       </p:ext>
     </p:extLst>
   </p:cSld>
@@ -4240,6 +9914,135 @@
       </p:grpSpPr>
       <p:sp>
         <p:nvSpPr>
+          <p:cNvPr id="27" name="右矢印 26"/>
+          <p:cNvSpPr/>
+          <p:nvPr/>
+        </p:nvSpPr>
+        <p:spPr>
+          <a:xfrm>
+            <a:off x="2765326" y="3618754"/>
+            <a:ext cx="1700784" cy="457200"/>
+          </a:xfrm>
+          <a:prstGeom prst="rightArrow">
+            <a:avLst/>
+          </a:prstGeom>
+          <a:solidFill>
+            <a:schemeClr val="tx1"/>
+          </a:solidFill>
+        </p:spPr>
+        <p:style>
+          <a:lnRef idx="2">
+            <a:schemeClr val="accent1">
+              <a:shade val="50000"/>
+            </a:schemeClr>
+          </a:lnRef>
+          <a:fillRef idx="1">
+            <a:schemeClr val="accent1"/>
+          </a:fillRef>
+          <a:effectRef idx="0">
+            <a:schemeClr val="accent1"/>
+          </a:effectRef>
+          <a:fontRef idx="minor">
+            <a:schemeClr val="lt1"/>
+          </a:fontRef>
+        </p:style>
+        <p:txBody>
+          <a:bodyPr rtlCol="0" anchor="ctr"/>
+          <a:lstStyle/>
+          <a:p>
+            <a:pPr algn="ctr"/>
+            <a:endParaRPr kumimoji="1" lang="ja-JP" altLang="en-US"/>
+          </a:p>
+        </p:txBody>
+      </p:sp>
+      <p:sp>
+        <p:nvSpPr>
+          <p:cNvPr id="28" name="右矢印 27"/>
+          <p:cNvSpPr/>
+          <p:nvPr/>
+        </p:nvSpPr>
+        <p:spPr>
+          <a:xfrm rot="19929416">
+            <a:off x="2595352" y="2831011"/>
+            <a:ext cx="1700784" cy="457200"/>
+          </a:xfrm>
+          <a:prstGeom prst="rightArrow">
+            <a:avLst/>
+          </a:prstGeom>
+          <a:solidFill>
+            <a:schemeClr val="tx1"/>
+          </a:solidFill>
+        </p:spPr>
+        <p:style>
+          <a:lnRef idx="2">
+            <a:schemeClr val="accent1">
+              <a:shade val="50000"/>
+            </a:schemeClr>
+          </a:lnRef>
+          <a:fillRef idx="1">
+            <a:schemeClr val="accent1"/>
+          </a:fillRef>
+          <a:effectRef idx="0">
+            <a:schemeClr val="accent1"/>
+          </a:effectRef>
+          <a:fontRef idx="minor">
+            <a:schemeClr val="lt1"/>
+          </a:fontRef>
+        </p:style>
+        <p:txBody>
+          <a:bodyPr rtlCol="0" anchor="ctr"/>
+          <a:lstStyle/>
+          <a:p>
+            <a:pPr algn="ctr"/>
+            <a:endParaRPr kumimoji="1" lang="ja-JP" altLang="en-US"/>
+          </a:p>
+        </p:txBody>
+      </p:sp>
+      <p:sp>
+        <p:nvSpPr>
+          <p:cNvPr id="29" name="右矢印 28"/>
+          <p:cNvSpPr/>
+          <p:nvPr/>
+        </p:nvSpPr>
+        <p:spPr>
+          <a:xfrm rot="1574818">
+            <a:off x="2602031" y="4428463"/>
+            <a:ext cx="1700784" cy="457200"/>
+          </a:xfrm>
+          <a:prstGeom prst="rightArrow">
+            <a:avLst/>
+          </a:prstGeom>
+          <a:solidFill>
+            <a:schemeClr val="tx1"/>
+          </a:solidFill>
+        </p:spPr>
+        <p:style>
+          <a:lnRef idx="2">
+            <a:schemeClr val="accent1">
+              <a:shade val="50000"/>
+            </a:schemeClr>
+          </a:lnRef>
+          <a:fillRef idx="1">
+            <a:schemeClr val="accent1"/>
+          </a:fillRef>
+          <a:effectRef idx="0">
+            <a:schemeClr val="accent1"/>
+          </a:effectRef>
+          <a:fontRef idx="minor">
+            <a:schemeClr val="lt1"/>
+          </a:fontRef>
+        </p:style>
+        <p:txBody>
+          <a:bodyPr rtlCol="0" anchor="ctr"/>
+          <a:lstStyle/>
+          <a:p>
+            <a:pPr algn="ctr"/>
+            <a:endParaRPr kumimoji="1" lang="ja-JP" altLang="en-US"/>
+          </a:p>
+        </p:txBody>
+      </p:sp>
+      <p:sp>
+        <p:nvSpPr>
           <p:cNvPr id="2" name="タイトル 1"/>
           <p:cNvSpPr>
             <a:spLocks noGrp="1"/>
@@ -4255,12 +10058,8 @@
           <a:p>
             <a:pPr algn="ctr"/>
             <a:r>
-              <a:rPr kumimoji="1" lang="ja-JP" altLang="en-US" dirty="0" smtClean="0"/>
-              <a:t>つぶやきの頻度</a:t>
-            </a:r>
-            <a:r>
-              <a:rPr kumimoji="1" lang="en-US" altLang="ja-JP" dirty="0" smtClean="0"/>
-              <a:t>1</a:t>
+              <a:rPr lang="ja-JP" altLang="en-US" dirty="0" smtClean="0"/>
+              <a:t>シミュレーションについて</a:t>
             </a:r>
             <a:endParaRPr kumimoji="1" lang="ja-JP" altLang="en-US" dirty="0"/>
           </a:p>
@@ -4268,91 +10067,166 @@
       </p:sp>
       <p:sp>
         <p:nvSpPr>
-          <p:cNvPr id="3" name="コンテンツ プレースホルダー 2"/>
-          <p:cNvSpPr>
-            <a:spLocks noGrp="1"/>
-          </p:cNvSpPr>
-          <p:nvPr>
-            <p:ph idx="1"/>
-          </p:nvPr>
-        </p:nvSpPr>
-        <p:spPr/>
-        <p:txBody>
-          <a:bodyPr>
-            <a:normAutofit/>
-          </a:bodyPr>
-          <a:lstStyle/>
-          <a:p>
-            <a:r>
-              <a:rPr kumimoji="1" lang="en-US" altLang="ja-JP" sz="3200" dirty="0" err="1" smtClean="0"/>
-              <a:t>TwitterAPI</a:t>
-            </a:r>
-            <a:r>
-              <a:rPr kumimoji="1" lang="ja-JP" altLang="en-US" sz="3200" dirty="0" smtClean="0"/>
-              <a:t>等を使い集めたデータを</a:t>
-            </a:r>
-            <a:r>
-              <a:rPr kumimoji="1" lang="en-US" altLang="ja-JP" sz="3200" dirty="0" smtClean="0"/>
-              <a:t>1</a:t>
-            </a:r>
-            <a:r>
-              <a:rPr kumimoji="1" lang="ja-JP" altLang="en-US" sz="3200" dirty="0" smtClean="0"/>
-              <a:t>日のツイート数やフォロー数，フォロワー数を</a:t>
-            </a:r>
-            <a:r>
-              <a:rPr kumimoji="1" lang="en-US" altLang="ja-JP" sz="3200" dirty="0" smtClean="0"/>
-              <a:t>CSV</a:t>
-            </a:r>
-            <a:r>
-              <a:rPr kumimoji="1" lang="ja-JP" altLang="en-US" sz="3200" dirty="0" smtClean="0"/>
-              <a:t>ファイルにした物が図</a:t>
-            </a:r>
-            <a:r>
-              <a:rPr kumimoji="1" lang="en-US" altLang="ja-JP" sz="3200" dirty="0" smtClean="0"/>
-              <a:t>3</a:t>
-            </a:r>
-            <a:r>
-              <a:rPr kumimoji="1" lang="ja-JP" altLang="en-US" sz="3200" dirty="0" smtClean="0"/>
-              <a:t>である．</a:t>
-            </a:r>
-            <a:endParaRPr kumimoji="1" lang="ja-JP" altLang="en-US" sz="3200" dirty="0"/>
-          </a:p>
-        </p:txBody>
-      </p:sp>
-      <p:pic>
-        <p:nvPicPr>
-          <p:cNvPr id="4" name="図 3"/>
-          <p:cNvPicPr>
-            <a:picLocks noChangeAspect="1"/>
-          </p:cNvPicPr>
+          <p:cNvPr id="6" name="スマイル 5"/>
+          <p:cNvSpPr/>
           <p:nvPr/>
-        </p:nvPicPr>
-        <p:blipFill>
-          <a:blip r:embed="rId2"/>
-          <a:stretch>
-            <a:fillRect/>
-          </a:stretch>
-        </p:blipFill>
+        </p:nvSpPr>
         <p:spPr>
           <a:xfrm>
-            <a:off x="2662191" y="2954892"/>
-            <a:ext cx="6308814" cy="3332294"/>
+            <a:off x="1337958" y="3321106"/>
+            <a:ext cx="914400" cy="914400"/>
           </a:xfrm>
-          <a:prstGeom prst="rect">
+          <a:prstGeom prst="smileyFace">
             <a:avLst/>
           </a:prstGeom>
         </p:spPr>
-      </p:pic>
-      <p:sp>
-        <p:nvSpPr>
-          <p:cNvPr id="5" name="テキスト ボックス 4"/>
+        <p:style>
+          <a:lnRef idx="2">
+            <a:schemeClr val="dk1"/>
+          </a:lnRef>
+          <a:fillRef idx="1">
+            <a:schemeClr val="lt1"/>
+          </a:fillRef>
+          <a:effectRef idx="0">
+            <a:schemeClr val="dk1"/>
+          </a:effectRef>
+          <a:fontRef idx="minor">
+            <a:schemeClr val="dk1"/>
+          </a:fontRef>
+        </p:style>
+        <p:txBody>
+          <a:bodyPr rtlCol="0" anchor="ctr"/>
+          <a:lstStyle/>
+          <a:p>
+            <a:pPr algn="ctr"/>
+            <a:endParaRPr kumimoji="1" lang="ja-JP" altLang="en-US"/>
+          </a:p>
+        </p:txBody>
+      </p:sp>
+      <p:sp>
+        <p:nvSpPr>
+          <p:cNvPr id="7" name="スマイル 6"/>
+          <p:cNvSpPr/>
+          <p:nvPr/>
+        </p:nvSpPr>
+        <p:spPr>
+          <a:xfrm>
+            <a:off x="5252213" y="3321106"/>
+            <a:ext cx="914400" cy="914400"/>
+          </a:xfrm>
+          <a:prstGeom prst="smileyFace">
+            <a:avLst/>
+          </a:prstGeom>
+        </p:spPr>
+        <p:style>
+          <a:lnRef idx="2">
+            <a:schemeClr val="dk1"/>
+          </a:lnRef>
+          <a:fillRef idx="1">
+            <a:schemeClr val="lt1"/>
+          </a:fillRef>
+          <a:effectRef idx="0">
+            <a:schemeClr val="dk1"/>
+          </a:effectRef>
+          <a:fontRef idx="minor">
+            <a:schemeClr val="dk1"/>
+          </a:fontRef>
+        </p:style>
+        <p:txBody>
+          <a:bodyPr rtlCol="0" anchor="ctr"/>
+          <a:lstStyle/>
+          <a:p>
+            <a:pPr algn="ctr"/>
+            <a:endParaRPr kumimoji="1" lang="ja-JP" altLang="en-US"/>
+          </a:p>
+        </p:txBody>
+      </p:sp>
+      <p:sp>
+        <p:nvSpPr>
+          <p:cNvPr id="8" name="スマイル 7"/>
+          <p:cNvSpPr/>
+          <p:nvPr/>
+        </p:nvSpPr>
+        <p:spPr>
+          <a:xfrm>
+            <a:off x="5252213" y="4867394"/>
+            <a:ext cx="914400" cy="914400"/>
+          </a:xfrm>
+          <a:prstGeom prst="smileyFace">
+            <a:avLst/>
+          </a:prstGeom>
+        </p:spPr>
+        <p:style>
+          <a:lnRef idx="2">
+            <a:schemeClr val="dk1"/>
+          </a:lnRef>
+          <a:fillRef idx="1">
+            <a:schemeClr val="lt1"/>
+          </a:fillRef>
+          <a:effectRef idx="0">
+            <a:schemeClr val="dk1"/>
+          </a:effectRef>
+          <a:fontRef idx="minor">
+            <a:schemeClr val="dk1"/>
+          </a:fontRef>
+        </p:style>
+        <p:txBody>
+          <a:bodyPr rtlCol="0" anchor="ctr"/>
+          <a:lstStyle/>
+          <a:p>
+            <a:pPr algn="ctr"/>
+            <a:endParaRPr kumimoji="1" lang="ja-JP" altLang="en-US"/>
+          </a:p>
+        </p:txBody>
+      </p:sp>
+      <p:sp>
+        <p:nvSpPr>
+          <p:cNvPr id="9" name="スマイル 8"/>
+          <p:cNvSpPr/>
+          <p:nvPr/>
+        </p:nvSpPr>
+        <p:spPr>
+          <a:xfrm>
+            <a:off x="5252213" y="1774818"/>
+            <a:ext cx="914400" cy="914400"/>
+          </a:xfrm>
+          <a:prstGeom prst="smileyFace">
+            <a:avLst/>
+          </a:prstGeom>
+        </p:spPr>
+        <p:style>
+          <a:lnRef idx="2">
+            <a:schemeClr val="dk1"/>
+          </a:lnRef>
+          <a:fillRef idx="1">
+            <a:schemeClr val="lt1"/>
+          </a:fillRef>
+          <a:effectRef idx="0">
+            <a:schemeClr val="dk1"/>
+          </a:effectRef>
+          <a:fontRef idx="minor">
+            <a:schemeClr val="dk1"/>
+          </a:fontRef>
+        </p:style>
+        <p:txBody>
+          <a:bodyPr rtlCol="0" anchor="ctr"/>
+          <a:lstStyle/>
+          <a:p>
+            <a:pPr algn="ctr"/>
+            <a:endParaRPr kumimoji="1" lang="ja-JP" altLang="en-US"/>
+          </a:p>
+        </p:txBody>
+      </p:sp>
+      <p:sp>
+        <p:nvSpPr>
+          <p:cNvPr id="12" name="テキスト ボックス 11"/>
           <p:cNvSpPr txBox="1"/>
           <p:nvPr/>
         </p:nvSpPr>
         <p:spPr>
           <a:xfrm>
-            <a:off x="2465071" y="6426884"/>
-            <a:ext cx="6557180" cy="369332"/>
+            <a:off x="1178643" y="4692706"/>
+            <a:ext cx="1233030" cy="369332"/>
           </a:xfrm>
           <a:prstGeom prst="rect">
             <a:avLst/>
@@ -4366,39 +10240,522 @@
           <a:lstStyle/>
           <a:p>
             <a:r>
+              <a:rPr lang="ja-JP" altLang="en-US" dirty="0" smtClean="0"/>
+              <a:t>つぶやく</a:t>
+            </a:r>
+            <a:r>
+              <a:rPr lang="ja-JP" altLang="en-US" dirty="0"/>
+              <a:t>人</a:t>
+            </a:r>
+            <a:endParaRPr kumimoji="1" lang="ja-JP" altLang="en-US" dirty="0"/>
+          </a:p>
+        </p:txBody>
+      </p:sp>
+      <p:sp>
+        <p:nvSpPr>
+          <p:cNvPr id="13" name="テキスト ボックス 12"/>
+          <p:cNvSpPr txBox="1"/>
+          <p:nvPr/>
+        </p:nvSpPr>
+        <p:spPr>
+          <a:xfrm>
+            <a:off x="4925521" y="6187281"/>
+            <a:ext cx="1933543" cy="369332"/>
+          </a:xfrm>
+          <a:prstGeom prst="rect">
+            <a:avLst/>
+          </a:prstGeom>
+          <a:noFill/>
+        </p:spPr>
+        <p:txBody>
+          <a:bodyPr wrap="none" rtlCol="0">
+            <a:spAutoFit/>
+          </a:bodyPr>
+          <a:lstStyle/>
+          <a:p>
+            <a:r>
+              <a:rPr lang="ja-JP" altLang="en-US" dirty="0" smtClean="0"/>
+              <a:t>つぶやきを見た人</a:t>
+            </a:r>
+            <a:endParaRPr kumimoji="1" lang="ja-JP" altLang="en-US" dirty="0"/>
+          </a:p>
+        </p:txBody>
+      </p:sp>
+      <p:sp>
+        <p:nvSpPr>
+          <p:cNvPr id="17" name="スマイル 16"/>
+          <p:cNvSpPr/>
+          <p:nvPr/>
+        </p:nvSpPr>
+        <p:spPr>
+          <a:xfrm>
+            <a:off x="9682303" y="2689218"/>
+            <a:ext cx="914400" cy="914400"/>
+          </a:xfrm>
+          <a:prstGeom prst="smileyFace">
+            <a:avLst/>
+          </a:prstGeom>
+        </p:spPr>
+        <p:style>
+          <a:lnRef idx="2">
+            <a:schemeClr val="dk1"/>
+          </a:lnRef>
+          <a:fillRef idx="1">
+            <a:schemeClr val="lt1"/>
+          </a:fillRef>
+          <a:effectRef idx="0">
+            <a:schemeClr val="dk1"/>
+          </a:effectRef>
+          <a:fontRef idx="minor">
+            <a:schemeClr val="dk1"/>
+          </a:fontRef>
+        </p:style>
+        <p:txBody>
+          <a:bodyPr rtlCol="0" anchor="ctr"/>
+          <a:lstStyle/>
+          <a:p>
+            <a:pPr algn="ctr"/>
+            <a:endParaRPr kumimoji="1" lang="ja-JP" altLang="en-US"/>
+          </a:p>
+        </p:txBody>
+      </p:sp>
+      <p:sp>
+        <p:nvSpPr>
+          <p:cNvPr id="18" name="スマイル 17"/>
+          <p:cNvSpPr/>
+          <p:nvPr/>
+        </p:nvSpPr>
+        <p:spPr>
+          <a:xfrm>
+            <a:off x="9682303" y="4235506"/>
+            <a:ext cx="914400" cy="914400"/>
+          </a:xfrm>
+          <a:prstGeom prst="smileyFace">
+            <a:avLst/>
+          </a:prstGeom>
+        </p:spPr>
+        <p:style>
+          <a:lnRef idx="2">
+            <a:schemeClr val="dk1"/>
+          </a:lnRef>
+          <a:fillRef idx="1">
+            <a:schemeClr val="lt1"/>
+          </a:fillRef>
+          <a:effectRef idx="0">
+            <a:schemeClr val="dk1"/>
+          </a:effectRef>
+          <a:fontRef idx="minor">
+            <a:schemeClr val="dk1"/>
+          </a:fontRef>
+        </p:style>
+        <p:txBody>
+          <a:bodyPr rtlCol="0" anchor="ctr"/>
+          <a:lstStyle/>
+          <a:p>
+            <a:pPr algn="ctr"/>
+            <a:endParaRPr kumimoji="1" lang="ja-JP" altLang="en-US"/>
+          </a:p>
+        </p:txBody>
+      </p:sp>
+      <p:sp>
+        <p:nvSpPr>
+          <p:cNvPr id="20" name="テキスト ボックス 19"/>
+          <p:cNvSpPr txBox="1"/>
+          <p:nvPr/>
+        </p:nvSpPr>
+        <p:spPr>
+          <a:xfrm>
+            <a:off x="9545414" y="6181185"/>
+            <a:ext cx="1291700" cy="369332"/>
+          </a:xfrm>
+          <a:prstGeom prst="rect">
+            <a:avLst/>
+          </a:prstGeom>
+          <a:noFill/>
+        </p:spPr>
+        <p:txBody>
+          <a:bodyPr wrap="none" rtlCol="0">
+            <a:spAutoFit/>
+          </a:bodyPr>
+          <a:lstStyle/>
+          <a:p>
+            <a:r>
+              <a:rPr lang="en-US" altLang="ja-JP" dirty="0" smtClean="0"/>
+              <a:t>R</a:t>
+            </a:r>
+            <a:r>
+              <a:rPr lang="en-US" altLang="ja-JP" dirty="0"/>
+              <a:t>T</a:t>
+            </a:r>
+            <a:r>
+              <a:rPr lang="ja-JP" altLang="en-US" dirty="0" smtClean="0"/>
+              <a:t>を見た人</a:t>
+            </a:r>
+            <a:endParaRPr kumimoji="1" lang="ja-JP" altLang="en-US" dirty="0"/>
+          </a:p>
+        </p:txBody>
+      </p:sp>
+      <p:sp>
+        <p:nvSpPr>
+          <p:cNvPr id="21" name="円形吹き出し 20"/>
+          <p:cNvSpPr/>
+          <p:nvPr/>
+        </p:nvSpPr>
+        <p:spPr>
+          <a:xfrm>
+            <a:off x="7044048" y="1251303"/>
+            <a:ext cx="2084832" cy="1591056"/>
+          </a:xfrm>
+          <a:prstGeom prst="wedgeEllipseCallout">
+            <a:avLst>
+              <a:gd name="adj1" fmla="val -11184"/>
+              <a:gd name="adj2" fmla="val 70546"/>
+            </a:avLst>
+          </a:prstGeom>
+          <a:noFill/>
+        </p:spPr>
+        <p:style>
+          <a:lnRef idx="2">
+            <a:schemeClr val="dk1"/>
+          </a:lnRef>
+          <a:fillRef idx="1">
+            <a:schemeClr val="lt1"/>
+          </a:fillRef>
+          <a:effectRef idx="0">
+            <a:schemeClr val="dk1"/>
+          </a:effectRef>
+          <a:fontRef idx="minor">
+            <a:schemeClr val="dk1"/>
+          </a:fontRef>
+        </p:style>
+        <p:txBody>
+          <a:bodyPr rtlCol="0" anchor="ctr"/>
+          <a:lstStyle/>
+          <a:p>
+            <a:pPr algn="ctr"/>
+            <a:r>
               <a:rPr kumimoji="1" lang="ja-JP" altLang="en-US" dirty="0" smtClean="0"/>
-              <a:t>図</a:t>
+              <a:t>真ん中の人が</a:t>
             </a:r>
             <a:r>
               <a:rPr kumimoji="1" lang="en-US" altLang="ja-JP" dirty="0" smtClean="0"/>
-              <a:t>2:TwitterAPI</a:t>
+              <a:t>RT</a:t>
             </a:r>
             <a:r>
               <a:rPr kumimoji="1" lang="ja-JP" altLang="en-US" dirty="0" smtClean="0"/>
-              <a:t>で取得したデータを</a:t>
-            </a:r>
-            <a:r>
-              <a:rPr kumimoji="1" lang="en-US" altLang="ja-JP" dirty="0" smtClean="0"/>
-              <a:t>CSV</a:t>
-            </a:r>
-            <a:r>
-              <a:rPr kumimoji="1" lang="ja-JP" altLang="en-US" dirty="0" smtClean="0"/>
-              <a:t>ファイルのしたデータの一部</a:t>
+              <a:t>した</a:t>
             </a:r>
             <a:endParaRPr kumimoji="1" lang="ja-JP" altLang="en-US" dirty="0"/>
+          </a:p>
+        </p:txBody>
+      </p:sp>
+      <p:sp>
+        <p:nvSpPr>
+          <p:cNvPr id="30" name="右矢印 29"/>
+          <p:cNvSpPr/>
+          <p:nvPr/>
+        </p:nvSpPr>
+        <p:spPr>
+          <a:xfrm rot="20765162">
+            <a:off x="7074066" y="3282387"/>
+            <a:ext cx="1700784" cy="457200"/>
+          </a:xfrm>
+          <a:prstGeom prst="rightArrow">
+            <a:avLst/>
+          </a:prstGeom>
+          <a:solidFill>
+            <a:schemeClr val="tx1"/>
+          </a:solidFill>
+        </p:spPr>
+        <p:style>
+          <a:lnRef idx="2">
+            <a:schemeClr val="accent1">
+              <a:shade val="50000"/>
+            </a:schemeClr>
+          </a:lnRef>
+          <a:fillRef idx="1">
+            <a:schemeClr val="accent1"/>
+          </a:fillRef>
+          <a:effectRef idx="0">
+            <a:schemeClr val="accent1"/>
+          </a:effectRef>
+          <a:fontRef idx="minor">
+            <a:schemeClr val="lt1"/>
+          </a:fontRef>
+        </p:style>
+        <p:txBody>
+          <a:bodyPr rtlCol="0" anchor="ctr"/>
+          <a:lstStyle/>
+          <a:p>
+            <a:pPr algn="ctr"/>
+            <a:endParaRPr kumimoji="1" lang="ja-JP" altLang="en-US"/>
+          </a:p>
+        </p:txBody>
+      </p:sp>
+      <p:sp>
+        <p:nvSpPr>
+          <p:cNvPr id="31" name="右矢印 30"/>
+          <p:cNvSpPr/>
+          <p:nvPr/>
+        </p:nvSpPr>
+        <p:spPr>
+          <a:xfrm rot="639152">
+            <a:off x="7076482" y="4253750"/>
+            <a:ext cx="1700784" cy="457200"/>
+          </a:xfrm>
+          <a:prstGeom prst="rightArrow">
+            <a:avLst/>
+          </a:prstGeom>
+          <a:solidFill>
+            <a:schemeClr val="tx1"/>
+          </a:solidFill>
+        </p:spPr>
+        <p:style>
+          <a:lnRef idx="2">
+            <a:schemeClr val="accent1">
+              <a:shade val="50000"/>
+            </a:schemeClr>
+          </a:lnRef>
+          <a:fillRef idx="1">
+            <a:schemeClr val="accent1"/>
+          </a:fillRef>
+          <a:effectRef idx="0">
+            <a:schemeClr val="accent1"/>
+          </a:effectRef>
+          <a:fontRef idx="minor">
+            <a:schemeClr val="lt1"/>
+          </a:fontRef>
+        </p:style>
+        <p:txBody>
+          <a:bodyPr rtlCol="0" anchor="ctr"/>
+          <a:lstStyle/>
+          <a:p>
+            <a:pPr algn="ctr"/>
+            <a:endParaRPr kumimoji="1" lang="ja-JP" altLang="en-US"/>
+          </a:p>
+        </p:txBody>
+      </p:sp>
+      <p:sp>
+        <p:nvSpPr>
+          <p:cNvPr id="32" name="乗算記号 31"/>
+          <p:cNvSpPr/>
+          <p:nvPr/>
+        </p:nvSpPr>
+        <p:spPr>
+          <a:xfrm>
+            <a:off x="5010229" y="1513858"/>
+            <a:ext cx="1388956" cy="1420049"/>
+          </a:xfrm>
+          <a:prstGeom prst="mathMultiply">
+            <a:avLst/>
+          </a:prstGeom>
+          <a:solidFill>
+            <a:srgbClr val="FF0000"/>
+          </a:solidFill>
+        </p:spPr>
+        <p:style>
+          <a:lnRef idx="2">
+            <a:schemeClr val="accent1">
+              <a:shade val="50000"/>
+            </a:schemeClr>
+          </a:lnRef>
+          <a:fillRef idx="1">
+            <a:schemeClr val="accent1"/>
+          </a:fillRef>
+          <a:effectRef idx="0">
+            <a:schemeClr val="accent1"/>
+          </a:effectRef>
+          <a:fontRef idx="minor">
+            <a:schemeClr val="lt1"/>
+          </a:fontRef>
+        </p:style>
+        <p:txBody>
+          <a:bodyPr rtlCol="0" anchor="ctr"/>
+          <a:lstStyle/>
+          <a:p>
+            <a:pPr algn="ctr"/>
+            <a:endParaRPr kumimoji="1" lang="ja-JP" altLang="en-US"/>
+          </a:p>
+        </p:txBody>
+      </p:sp>
+      <p:sp>
+        <p:nvSpPr>
+          <p:cNvPr id="33" name="乗算記号 32"/>
+          <p:cNvSpPr/>
+          <p:nvPr/>
+        </p:nvSpPr>
+        <p:spPr>
+          <a:xfrm>
+            <a:off x="5016325" y="4592338"/>
+            <a:ext cx="1388956" cy="1420049"/>
+          </a:xfrm>
+          <a:prstGeom prst="mathMultiply">
+            <a:avLst/>
+          </a:prstGeom>
+          <a:solidFill>
+            <a:srgbClr val="FF0000"/>
+          </a:solidFill>
+        </p:spPr>
+        <p:style>
+          <a:lnRef idx="2">
+            <a:schemeClr val="accent1">
+              <a:shade val="50000"/>
+            </a:schemeClr>
+          </a:lnRef>
+          <a:fillRef idx="1">
+            <a:schemeClr val="accent1"/>
+          </a:fillRef>
+          <a:effectRef idx="0">
+            <a:schemeClr val="accent1"/>
+          </a:effectRef>
+          <a:fontRef idx="minor">
+            <a:schemeClr val="lt1"/>
+          </a:fontRef>
+        </p:style>
+        <p:txBody>
+          <a:bodyPr rtlCol="0" anchor="ctr"/>
+          <a:lstStyle/>
+          <a:p>
+            <a:pPr algn="ctr"/>
+            <a:endParaRPr kumimoji="1" lang="ja-JP" altLang="en-US"/>
+          </a:p>
+        </p:txBody>
+      </p:sp>
+      <p:sp>
+        <p:nvSpPr>
+          <p:cNvPr id="22" name="爆発 2 21"/>
+          <p:cNvSpPr/>
+          <p:nvPr/>
+        </p:nvSpPr>
+        <p:spPr>
+          <a:xfrm>
+            <a:off x="5326584" y="2732049"/>
+            <a:ext cx="5449421" cy="2090932"/>
+          </a:xfrm>
+          <a:prstGeom prst="irregularSeal2">
+            <a:avLst/>
+          </a:prstGeom>
+          <a:solidFill>
+            <a:srgbClr val="FFFF00"/>
+          </a:solidFill>
+          <a:ln>
+            <a:solidFill>
+              <a:srgbClr val="FF0000"/>
+            </a:solidFill>
+          </a:ln>
+        </p:spPr>
+        <p:style>
+          <a:lnRef idx="2">
+            <a:schemeClr val="dk1"/>
+          </a:lnRef>
+          <a:fillRef idx="1">
+            <a:schemeClr val="lt1"/>
+          </a:fillRef>
+          <a:effectRef idx="0">
+            <a:schemeClr val="dk1"/>
+          </a:effectRef>
+          <a:fontRef idx="minor">
+            <a:schemeClr val="dk1"/>
+          </a:fontRef>
+        </p:style>
+        <p:txBody>
+          <a:bodyPr rtlCol="0" anchor="ctr"/>
+          <a:lstStyle/>
+          <a:p>
+            <a:pPr algn="ctr"/>
+            <a:r>
+              <a:rPr lang="ja-JP" altLang="en-US" sz="3200" dirty="0" smtClean="0">
+                <a:solidFill>
+                  <a:srgbClr val="FF0000"/>
+                </a:solidFill>
+              </a:rPr>
+              <a:t>ここを</a:t>
+            </a:r>
+            <a:endParaRPr lang="en-US" altLang="ja-JP" sz="3200" dirty="0" smtClean="0">
+              <a:solidFill>
+                <a:srgbClr val="FF0000"/>
+              </a:solidFill>
+            </a:endParaRPr>
+          </a:p>
+          <a:p>
+            <a:pPr algn="ctr"/>
+            <a:r>
+              <a:rPr lang="ja-JP" altLang="en-US" sz="3200" dirty="0" smtClean="0">
+                <a:solidFill>
+                  <a:srgbClr val="FF0000"/>
+                </a:solidFill>
+              </a:rPr>
+              <a:t>再現したい</a:t>
+            </a:r>
+            <a:endParaRPr lang="en-US" altLang="ja-JP" sz="3200" dirty="0" smtClean="0">
+              <a:solidFill>
+                <a:srgbClr val="FF0000"/>
+              </a:solidFill>
+            </a:endParaRPr>
+          </a:p>
+        </p:txBody>
+      </p:sp>
+      <p:sp>
+        <p:nvSpPr>
+          <p:cNvPr id="23" name="円/楕円 22"/>
+          <p:cNvSpPr/>
+          <p:nvPr/>
+        </p:nvSpPr>
+        <p:spPr>
+          <a:xfrm>
+            <a:off x="4328011" y="1253665"/>
+            <a:ext cx="7223760" cy="5468112"/>
+          </a:xfrm>
+          <a:prstGeom prst="ellipse">
+            <a:avLst/>
+          </a:prstGeom>
+          <a:noFill/>
+          <a:ln>
+            <a:solidFill>
+              <a:srgbClr val="FF0000"/>
+            </a:solidFill>
+          </a:ln>
+        </p:spPr>
+        <p:style>
+          <a:lnRef idx="2">
+            <a:schemeClr val="dk1"/>
+          </a:lnRef>
+          <a:fillRef idx="1">
+            <a:schemeClr val="lt1"/>
+          </a:fillRef>
+          <a:effectRef idx="0">
+            <a:schemeClr val="dk1"/>
+          </a:effectRef>
+          <a:fontRef idx="minor">
+            <a:schemeClr val="dk1"/>
+          </a:fontRef>
+        </p:style>
+        <p:txBody>
+          <a:bodyPr rtlCol="0" anchor="ctr"/>
+          <a:lstStyle/>
+          <a:p>
+            <a:pPr algn="ctr"/>
+            <a:endParaRPr kumimoji="1" lang="ja-JP" altLang="en-US"/>
           </a:p>
         </p:txBody>
       </p:sp>
     </p:spTree>
     <p:extLst>
       <p:ext uri="{BB962C8B-B14F-4D97-AF65-F5344CB8AC3E}">
-        <p14:creationId xmlns:p14="http://schemas.microsoft.com/office/powerpoint/2010/main" val="960557118"/>
+        <p14:creationId xmlns:p14="http://schemas.microsoft.com/office/powerpoint/2010/main" val="579314740"/>
       </p:ext>
     </p:extLst>
   </p:cSld>
   <p:clrMapOvr>
     <a:masterClrMapping/>
   </p:clrMapOvr>
+  <p:timing>
+    <p:tnLst>
+      <p:par>
+        <p:cTn id="1" dur="indefinite" restart="never" nodeType="tmRoot"/>
+      </p:par>
+    </p:tnLst>
+  </p:timing>
 </p:sld>
 </file>
 
@@ -4437,11 +10794,7 @@
             <a:pPr algn="ctr"/>
             <a:r>
               <a:rPr kumimoji="1" lang="ja-JP" altLang="en-US" dirty="0" smtClean="0"/>
-              <a:t>つぶやきの頻度</a:t>
-            </a:r>
-            <a:r>
-              <a:rPr kumimoji="1" lang="en-US" altLang="ja-JP" dirty="0" smtClean="0"/>
-              <a:t>2</a:t>
+              <a:t>目的</a:t>
             </a:r>
             <a:endParaRPr kumimoji="1" lang="ja-JP" altLang="en-US" dirty="0"/>
           </a:p>
@@ -4457,60 +10810,43 @@
             <p:ph idx="1"/>
           </p:nvPr>
         </p:nvSpPr>
-        <p:spPr/>
-        <p:txBody>
-          <a:bodyPr/>
-          <a:lstStyle/>
-          <a:p>
-            <a:endParaRPr kumimoji="1" lang="en-US" altLang="ja-JP" dirty="0" smtClean="0"/>
-          </a:p>
-          <a:p>
-            <a:r>
-              <a:rPr kumimoji="1" lang="ja-JP" altLang="en-US" dirty="0" smtClean="0"/>
-              <a:t>先ほど</a:t>
-            </a:r>
-            <a:r>
-              <a:rPr kumimoji="1" lang="ja-JP" altLang="en-US" dirty="0" smtClean="0"/>
-              <a:t>の</a:t>
-            </a:r>
-            <a:r>
-              <a:rPr kumimoji="1" lang="en-US" altLang="ja-JP" dirty="0" smtClean="0"/>
-              <a:t>CSV</a:t>
-            </a:r>
-            <a:r>
-              <a:rPr kumimoji="1" lang="ja-JP" altLang="en-US" dirty="0" smtClean="0"/>
-              <a:t>データを</a:t>
-            </a:r>
-            <a:r>
-              <a:rPr kumimoji="1" lang="en-US" altLang="ja-JP" dirty="0" smtClean="0"/>
-              <a:t>1</a:t>
-            </a:r>
-            <a:r>
-              <a:rPr kumimoji="1" lang="ja-JP" altLang="en-US" dirty="0" smtClean="0"/>
-              <a:t>日のツイートの数が多い人に修正などを行い，</a:t>
-            </a:r>
-            <a:r>
-              <a:rPr kumimoji="1" lang="en-US" altLang="ja-JP" dirty="0" smtClean="0"/>
-              <a:t>1</a:t>
-            </a:r>
-            <a:r>
-              <a:rPr kumimoji="1" lang="ja-JP" altLang="en-US" dirty="0" smtClean="0"/>
-              <a:t>日のツイート数の分布を出す．</a:t>
-            </a:r>
-            <a:endParaRPr kumimoji="1" lang="ja-JP" altLang="en-US" dirty="0"/>
+        <p:spPr>
+          <a:xfrm>
+            <a:off x="838200" y="2421923"/>
+            <a:ext cx="10515600" cy="3433763"/>
+          </a:xfrm>
+        </p:spPr>
+        <p:txBody>
+          <a:bodyPr>
+            <a:normAutofit/>
+          </a:bodyPr>
+          <a:lstStyle/>
+          <a:p>
+            <a:r>
+              <a:rPr kumimoji="1" lang="ja-JP" altLang="en-US" sz="3200" dirty="0" smtClean="0"/>
+              <a:t>現実のデマ拡散に近い状況を再現できるシミュレーションの開発を行うことである．</a:t>
+            </a:r>
+            <a:endParaRPr kumimoji="1" lang="ja-JP" altLang="en-US" sz="3200" dirty="0"/>
           </a:p>
         </p:txBody>
       </p:sp>
     </p:spTree>
     <p:extLst>
       <p:ext uri="{BB962C8B-B14F-4D97-AF65-F5344CB8AC3E}">
-        <p14:creationId xmlns:p14="http://schemas.microsoft.com/office/powerpoint/2010/main" val="2870148856"/>
+        <p14:creationId xmlns:p14="http://schemas.microsoft.com/office/powerpoint/2010/main" val="1981979179"/>
       </p:ext>
     </p:extLst>
   </p:cSld>
   <p:clrMapOvr>
     <a:masterClrMapping/>
   </p:clrMapOvr>
+  <p:timing>
+    <p:tnLst>
+      <p:par>
+        <p:cTn id="1" dur="indefinite" restart="never" nodeType="tmRoot"/>
+      </p:par>
+    </p:tnLst>
+  </p:timing>
 </p:sld>
 </file>
 
@@ -4549,7 +10885,7 @@
             <a:pPr algn="ctr"/>
             <a:r>
               <a:rPr kumimoji="1" lang="ja-JP" altLang="en-US" dirty="0" smtClean="0"/>
-              <a:t>結果</a:t>
+              <a:t>手法</a:t>
             </a:r>
             <a:endParaRPr kumimoji="1" lang="ja-JP" altLang="en-US" dirty="0"/>
           </a:p>
@@ -4565,7 +10901,12 @@
             <p:ph idx="1"/>
           </p:nvPr>
         </p:nvSpPr>
-        <p:spPr/>
+        <p:spPr>
+          <a:xfrm>
+            <a:off x="838200" y="1825624"/>
+            <a:ext cx="10515600" cy="5032375"/>
+          </a:xfrm>
+        </p:spPr>
         <p:txBody>
           <a:bodyPr>
             <a:normAutofit/>
@@ -4573,230 +10914,134 @@
           <a:lstStyle/>
           <a:p>
             <a:r>
+              <a:rPr lang="ja-JP" altLang="en-US" sz="3200" dirty="0" smtClean="0"/>
+              <a:t>デマの</a:t>
+            </a:r>
+            <a:r>
+              <a:rPr lang="ja-JP" altLang="en-US" sz="3200" dirty="0"/>
+              <a:t>拡散をシミュレートするため</a:t>
+            </a:r>
+            <a:r>
+              <a:rPr lang="ja-JP" altLang="en-US" sz="3200" dirty="0" smtClean="0"/>
+              <a:t>に以下の</a:t>
+            </a:r>
+            <a:r>
+              <a:rPr lang="en-US" altLang="ja-JP" sz="3200" dirty="0" smtClean="0"/>
+              <a:t>3</a:t>
+            </a:r>
+            <a:r>
+              <a:rPr lang="ja-JP" altLang="en-US" sz="3200" dirty="0" smtClean="0"/>
+              <a:t>つが必要である</a:t>
+            </a:r>
+            <a:endParaRPr lang="en-US" altLang="ja-JP" sz="3200" dirty="0"/>
+          </a:p>
+          <a:p>
+            <a:pPr marL="514350" indent="-514350">
+              <a:buFont typeface="+mj-lt"/>
+              <a:buAutoNum type="arabicPeriod"/>
+            </a:pPr>
+            <a:r>
+              <a:rPr lang="ja-JP" altLang="en-US" sz="3200" dirty="0" smtClean="0"/>
+              <a:t>シミュレート手法の確立</a:t>
+            </a:r>
+            <a:endParaRPr lang="en-US" altLang="ja-JP" sz="3200" dirty="0" smtClean="0"/>
+          </a:p>
+          <a:p>
+            <a:pPr marL="514350" indent="-514350">
+              <a:buFont typeface="+mj-lt"/>
+              <a:buAutoNum type="arabicPeriod"/>
+            </a:pPr>
+            <a:endParaRPr lang="en-US" altLang="ja-JP" sz="3200" dirty="0" smtClean="0"/>
+          </a:p>
+          <a:p>
+            <a:pPr marL="514350" indent="-514350">
+              <a:buFont typeface="+mj-lt"/>
+              <a:buAutoNum type="arabicPeriod"/>
+            </a:pPr>
+            <a:r>
               <a:rPr lang="en-US" altLang="ja-JP" sz="3200" dirty="0" smtClean="0"/>
               <a:t>1</a:t>
             </a:r>
             <a:r>
               <a:rPr lang="ja-JP" altLang="en-US" sz="3200" dirty="0" smtClean="0"/>
-              <a:t>日あたり</a:t>
-            </a:r>
-            <a:r>
-              <a:rPr lang="ja-JP" altLang="en-US" sz="3200" dirty="0"/>
-              <a:t>のツイート数の確率分布を描くと</a:t>
-            </a:r>
+              <a:t>日あたりのツイート数の分布</a:t>
+            </a:r>
+            <a:endParaRPr lang="en-US" altLang="ja-JP" sz="3200" dirty="0" smtClean="0"/>
+          </a:p>
+          <a:p>
+            <a:pPr marL="0" indent="0">
+              <a:buNone/>
+            </a:pPr>
+            <a:endParaRPr lang="en-US" altLang="ja-JP" sz="3200" dirty="0"/>
+          </a:p>
+          <a:p>
+            <a:pPr marL="514350" indent="-514350">
+              <a:buFont typeface="+mj-lt"/>
+              <a:buAutoNum type="arabicPeriod"/>
+            </a:pPr>
             <a:r>
               <a:rPr lang="ja-JP" altLang="en-US" sz="3200" dirty="0" smtClean="0"/>
-              <a:t>図</a:t>
-            </a:r>
-            <a:r>
-              <a:rPr lang="en-US" altLang="ja-JP" sz="3200" dirty="0" smtClean="0"/>
-              <a:t>3</a:t>
-            </a:r>
-            <a:r>
-              <a:rPr lang="ja-JP" altLang="en-US" sz="3200" dirty="0" err="1" smtClean="0"/>
-              <a:t>のように</a:t>
-            </a:r>
-            <a:r>
-              <a:rPr lang="ja-JP" altLang="en-US" sz="3200" dirty="0"/>
-              <a:t>なる</a:t>
-            </a:r>
-            <a:r>
-              <a:rPr lang="ja-JP" altLang="en-US" sz="3200" dirty="0" smtClean="0"/>
-              <a:t>．</a:t>
+              <a:t>ユーザー同士によるネットワークの作成</a:t>
             </a:r>
             <a:endParaRPr lang="en-US" altLang="ja-JP" sz="3200" dirty="0" smtClean="0"/>
           </a:p>
           <a:p>
-            <a:r>
-              <a:rPr lang="ja-JP" altLang="en-US" sz="3200" dirty="0" smtClean="0"/>
-              <a:t>図</a:t>
-            </a:r>
-            <a:r>
-              <a:rPr lang="en-US" altLang="ja-JP" sz="3200" dirty="0" smtClean="0"/>
-              <a:t>3</a:t>
-            </a:r>
-            <a:r>
-              <a:rPr lang="ja-JP" altLang="en-US" sz="3200" dirty="0" smtClean="0"/>
-              <a:t>にフィット</a:t>
-            </a:r>
-            <a:r>
-              <a:rPr lang="ja-JP" altLang="en-US" sz="3200" dirty="0"/>
-              <a:t>する</a:t>
-            </a:r>
-            <a:r>
-              <a:rPr lang="ja-JP" altLang="en-US" sz="3200" dirty="0" smtClean="0"/>
-              <a:t>関数は</a:t>
-            </a:r>
-            <a:r>
-              <a:rPr lang="en-US" altLang="ja-JP" sz="3200" i="1" dirty="0" smtClean="0"/>
-              <a:t>C</a:t>
-            </a:r>
-            <a:r>
-              <a:rPr lang="en-US" altLang="ja-JP" sz="3200" dirty="0"/>
-              <a:t>=(1 + </a:t>
-            </a:r>
-            <a:r>
-              <a:rPr lang="en-US" altLang="ja-JP" sz="3200" dirty="0" err="1" smtClean="0"/>
-              <a:t>exp</a:t>
-            </a:r>
-            <a:r>
-              <a:rPr lang="en-US" altLang="ja-JP" sz="3200" dirty="0" smtClean="0"/>
-              <a:t>(t-1))</a:t>
-            </a:r>
-            <a:r>
-              <a:rPr lang="ja-JP" altLang="en-US" sz="3200" dirty="0"/>
-              <a:t>（</a:t>
-            </a:r>
-            <a:r>
-              <a:rPr lang="en-US" altLang="ja-JP" sz="3200" i="1" dirty="0"/>
-              <a:t>C </a:t>
-            </a:r>
-            <a:r>
-              <a:rPr lang="ja-JP" altLang="en-US" sz="3200" dirty="0"/>
-              <a:t>は定数）</a:t>
-            </a:r>
-            <a:r>
-              <a:rPr lang="ja-JP" altLang="en-US" sz="3200" dirty="0" smtClean="0"/>
-              <a:t>であり，全確率</a:t>
-            </a:r>
-            <a:r>
-              <a:rPr lang="ja-JP" altLang="en-US" sz="3200" dirty="0"/>
-              <a:t>が</a:t>
-            </a:r>
-            <a:r>
-              <a:rPr lang="en-US" altLang="ja-JP" sz="3200" dirty="0"/>
-              <a:t>1 </a:t>
-            </a:r>
-            <a:r>
-              <a:rPr lang="ja-JP" altLang="en-US" sz="3200" dirty="0"/>
-              <a:t>になるように</a:t>
-            </a:r>
-            <a:r>
-              <a:rPr lang="en-US" altLang="ja-JP" sz="3200" i="1" dirty="0"/>
-              <a:t>C </a:t>
-            </a:r>
-            <a:r>
-              <a:rPr lang="en-US" altLang="ja-JP" sz="3200" dirty="0"/>
-              <a:t>= 1= log(1 + </a:t>
-            </a:r>
-            <a:r>
-              <a:rPr lang="en-US" altLang="ja-JP" sz="3200" i="1" dirty="0"/>
-              <a:t>e</a:t>
-            </a:r>
-            <a:r>
-              <a:rPr lang="en-US" altLang="ja-JP" sz="3200" dirty="0"/>
-              <a:t>) </a:t>
-            </a:r>
-            <a:r>
-              <a:rPr lang="ja-JP" altLang="en-US" sz="3200" dirty="0"/>
-              <a:t>と</a:t>
-            </a:r>
-            <a:r>
-              <a:rPr lang="ja-JP" altLang="en-US" sz="3200" dirty="0" smtClean="0"/>
-              <a:t>した時，ツイート数</a:t>
-            </a:r>
-            <a:r>
-              <a:rPr lang="ja-JP" altLang="en-US" sz="3200" dirty="0"/>
-              <a:t>の</a:t>
-            </a:r>
-            <a:r>
-              <a:rPr lang="ja-JP" altLang="en-US" sz="3200" dirty="0" smtClean="0"/>
-              <a:t>期待値は約</a:t>
-            </a:r>
-            <a:r>
-              <a:rPr lang="en-US" altLang="ja-JP" sz="3200" dirty="0"/>
-              <a:t>1:38 </a:t>
-            </a:r>
-            <a:r>
-              <a:rPr lang="ja-JP" altLang="en-US" sz="3200" dirty="0"/>
-              <a:t>となった．</a:t>
-            </a:r>
+            <a:pPr marL="514350" indent="-514350">
+              <a:buFont typeface="+mj-lt"/>
+              <a:buAutoNum type="arabicPeriod"/>
+            </a:pPr>
+            <a:endParaRPr lang="en-US" altLang="ja-JP" sz="3200" dirty="0"/>
+          </a:p>
+          <a:p>
+            <a:pPr marL="514350" indent="-514350">
+              <a:buFont typeface="+mj-lt"/>
+              <a:buAutoNum type="arabicPeriod"/>
+            </a:pPr>
             <a:endParaRPr lang="en-US" altLang="ja-JP" sz="3200" dirty="0" smtClean="0"/>
           </a:p>
           <a:p>
-            <a:endParaRPr kumimoji="1" lang="en-US" altLang="ja-JP" sz="3200" dirty="0"/>
+            <a:pPr marL="514350" indent="-514350">
+              <a:buFont typeface="+mj-lt"/>
+              <a:buAutoNum type="arabicPeriod"/>
+            </a:pPr>
+            <a:endParaRPr lang="en-US" altLang="ja-JP" sz="3200" dirty="0" smtClean="0"/>
+          </a:p>
+          <a:p>
+            <a:pPr marL="514350" indent="-514350">
+              <a:buFont typeface="+mj-lt"/>
+              <a:buAutoNum type="arabicPeriod"/>
+            </a:pPr>
+            <a:endParaRPr lang="en-US" altLang="ja-JP" sz="3200" dirty="0"/>
+          </a:p>
+          <a:p>
+            <a:pPr marL="514350" indent="-514350">
+              <a:buFont typeface="+mj-lt"/>
+              <a:buAutoNum type="arabicPeriod"/>
+            </a:pPr>
+            <a:endParaRPr lang="ja-JP" altLang="en-US" sz="3200" dirty="0"/>
           </a:p>
           <a:p>
             <a:endParaRPr kumimoji="1" lang="ja-JP" altLang="en-US" sz="3200" dirty="0"/>
-          </a:p>
-        </p:txBody>
-      </p:sp>
-      <p:pic>
-        <p:nvPicPr>
-          <p:cNvPr id="4" name="図 3"/>
-          <p:cNvPicPr>
-            <a:picLocks noChangeAspect="1"/>
-          </p:cNvPicPr>
-          <p:nvPr/>
-        </p:nvPicPr>
-        <p:blipFill>
-          <a:blip r:embed="rId2"/>
-          <a:stretch>
-            <a:fillRect/>
-          </a:stretch>
-        </p:blipFill>
-        <p:spPr>
-          <a:xfrm>
-            <a:off x="4155590" y="3889247"/>
-            <a:ext cx="4086202" cy="2561989"/>
-          </a:xfrm>
-          <a:prstGeom prst="rect">
-            <a:avLst/>
-          </a:prstGeom>
-        </p:spPr>
-      </p:pic>
-      <p:sp>
-        <p:nvSpPr>
-          <p:cNvPr id="5" name="テキスト ボックス 4"/>
-          <p:cNvSpPr txBox="1"/>
-          <p:nvPr/>
-        </p:nvSpPr>
-        <p:spPr>
-          <a:xfrm>
-            <a:off x="4254120" y="6451236"/>
-            <a:ext cx="3934090" cy="369332"/>
-          </a:xfrm>
-          <a:prstGeom prst="rect">
-            <a:avLst/>
-          </a:prstGeom>
-          <a:noFill/>
-        </p:spPr>
-        <p:txBody>
-          <a:bodyPr wrap="none" rtlCol="0">
-            <a:spAutoFit/>
-          </a:bodyPr>
-          <a:lstStyle/>
-          <a:p>
-            <a:r>
-              <a:rPr kumimoji="1" lang="ja-JP" altLang="en-US" dirty="0" smtClean="0"/>
-              <a:t>図</a:t>
-            </a:r>
-            <a:r>
-              <a:rPr kumimoji="1" lang="en-US" altLang="ja-JP" dirty="0" smtClean="0"/>
-              <a:t>3:1</a:t>
-            </a:r>
-            <a:r>
-              <a:rPr kumimoji="1" lang="ja-JP" altLang="en-US" dirty="0" smtClean="0"/>
-              <a:t>日当たりのツイート</a:t>
-            </a:r>
-            <a:r>
-              <a:rPr lang="ja-JP" altLang="en-US" dirty="0" smtClean="0"/>
-              <a:t>数の確率分布</a:t>
-            </a:r>
-            <a:endParaRPr kumimoji="1" lang="ja-JP" altLang="en-US" dirty="0"/>
           </a:p>
         </p:txBody>
       </p:sp>
     </p:spTree>
     <p:extLst>
       <p:ext uri="{BB962C8B-B14F-4D97-AF65-F5344CB8AC3E}">
-        <p14:creationId xmlns:p14="http://schemas.microsoft.com/office/powerpoint/2010/main" val="2395004102"/>
+        <p14:creationId xmlns:p14="http://schemas.microsoft.com/office/powerpoint/2010/main" val="2829239662"/>
       </p:ext>
     </p:extLst>
   </p:cSld>
   <p:clrMapOvr>
     <a:masterClrMapping/>
   </p:clrMapOvr>
+  <p:timing>
+    <p:tnLst>
+      <p:par>
+        <p:cTn id="1" dur="indefinite" restart="never" nodeType="tmRoot"/>
+      </p:par>
+    </p:tnLst>
+  </p:timing>
 </p:sld>
 </file>
 
@@ -4835,7 +11080,7 @@
             <a:pPr algn="ctr"/>
             <a:r>
               <a:rPr kumimoji="1" lang="ja-JP" altLang="en-US" dirty="0" smtClean="0"/>
-              <a:t>結果</a:t>
+              <a:t>シミュレート手法の確立</a:t>
             </a:r>
             <a:endParaRPr kumimoji="1" lang="ja-JP" altLang="en-US" dirty="0"/>
           </a:p>
@@ -4853,115 +11098,46 @@
         </p:nvSpPr>
         <p:spPr/>
         <p:txBody>
-          <a:bodyPr/>
-          <a:lstStyle/>
-          <a:p>
-            <a:r>
-              <a:rPr lang="ja-JP" altLang="en-US" dirty="0" smtClean="0"/>
-              <a:t>また</a:t>
-            </a:r>
-            <a:r>
-              <a:rPr lang="ja-JP" altLang="en-US" dirty="0"/>
-              <a:t>グループ構築にランダムグラフを使った</a:t>
-            </a:r>
-            <a:r>
-              <a:rPr lang="ja-JP" altLang="en-US" dirty="0" smtClean="0"/>
-              <a:t>ツイート</a:t>
-            </a:r>
-            <a:r>
-              <a:rPr lang="ja-JP" altLang="en-US" dirty="0"/>
-              <a:t>拡散のシュミレート</a:t>
-            </a:r>
-            <a:r>
-              <a:rPr lang="ja-JP" altLang="en-US" dirty="0" smtClean="0"/>
-              <a:t>手法の確立</a:t>
-            </a:r>
-            <a:r>
-              <a:rPr lang="en-US" altLang="ja-JP" dirty="0" smtClean="0"/>
-              <a:t>(</a:t>
-            </a:r>
-            <a:r>
-              <a:rPr lang="ja-JP" altLang="en-US" dirty="0" smtClean="0"/>
-              <a:t>図</a:t>
-            </a:r>
-            <a:r>
-              <a:rPr lang="en-US" altLang="ja-JP" dirty="0" smtClean="0"/>
-              <a:t>4</a:t>
-            </a:r>
-            <a:r>
-              <a:rPr lang="ja-JP" altLang="en-US" dirty="0" err="1" smtClean="0"/>
-              <a:t>のように</a:t>
-            </a:r>
-            <a:r>
-              <a:rPr lang="ja-JP" altLang="en-US" dirty="0" smtClean="0"/>
-              <a:t>シミュレーション結果出せるようになった</a:t>
-            </a:r>
-            <a:r>
-              <a:rPr lang="en-US" altLang="ja-JP" dirty="0" smtClean="0"/>
-              <a:t>)</a:t>
-            </a:r>
-            <a:r>
-              <a:rPr lang="ja-JP" altLang="en-US" dirty="0" smtClean="0"/>
-              <a:t>が出来た．</a:t>
-            </a:r>
-            <a:endParaRPr lang="en-US" altLang="ja-JP" dirty="0"/>
-          </a:p>
-          <a:p>
-            <a:r>
-              <a:rPr lang="ja-JP" altLang="en-US" dirty="0" smtClean="0"/>
-              <a:t>しかし</a:t>
-            </a:r>
-            <a:r>
-              <a:rPr lang="en-US" altLang="ja-JP" dirty="0" smtClean="0"/>
-              <a:t>1 </a:t>
-            </a:r>
-            <a:r>
-              <a:rPr lang="ja-JP" altLang="en-US" dirty="0"/>
-              <a:t>日あたりの</a:t>
-            </a:r>
-            <a:r>
-              <a:rPr lang="en-US" altLang="ja-JP" dirty="0"/>
-              <a:t>RT </a:t>
-            </a:r>
-            <a:r>
-              <a:rPr lang="ja-JP" altLang="en-US" dirty="0"/>
-              <a:t>数の分布と</a:t>
-            </a:r>
-            <a:r>
-              <a:rPr lang="en-US" altLang="ja-JP" dirty="0"/>
-              <a:t>1 </a:t>
-            </a:r>
-            <a:r>
-              <a:rPr lang="ja-JP" altLang="en-US" dirty="0"/>
-              <a:t>ユーザのフォロー</a:t>
-            </a:r>
-            <a:r>
-              <a:rPr lang="ja-JP" altLang="en-US" dirty="0" smtClean="0"/>
-              <a:t>人数</a:t>
-            </a:r>
-            <a:r>
-              <a:rPr lang="ja-JP" altLang="en-US" dirty="0"/>
-              <a:t>の平均が出せなかったため現実的な</a:t>
-            </a:r>
-            <a:r>
-              <a:rPr lang="ja-JP" altLang="en-US" dirty="0" smtClean="0"/>
-              <a:t>シミュレーション</a:t>
-            </a:r>
-            <a:r>
-              <a:rPr lang="ja-JP" altLang="en-US" dirty="0"/>
-              <a:t>を行うことはできなかった</a:t>
-            </a:r>
-            <a:r>
-              <a:rPr lang="ja-JP" altLang="en-US" dirty="0" smtClean="0"/>
-              <a:t>．</a:t>
-            </a:r>
-            <a:endParaRPr kumimoji="1" lang="ja-JP" altLang="en-US" dirty="0"/>
+          <a:bodyPr>
+            <a:normAutofit/>
+          </a:bodyPr>
+          <a:lstStyle/>
+          <a:p>
+            <a:r>
+              <a:rPr kumimoji="1" lang="ja-JP" altLang="en-US" sz="3200" dirty="0" smtClean="0"/>
+              <a:t>手法確立のため，</a:t>
+            </a:r>
+            <a:r>
+              <a:rPr kumimoji="1" lang="en-US" altLang="ja-JP" sz="3200" dirty="0" smtClean="0"/>
+              <a:t>10</a:t>
+            </a:r>
+            <a:r>
+              <a:rPr kumimoji="1" lang="ja-JP" altLang="en-US" sz="3200" dirty="0" smtClean="0"/>
+              <a:t>人が</a:t>
+            </a:r>
+            <a:r>
+              <a:rPr kumimoji="1" lang="en-US" altLang="ja-JP" sz="3200" dirty="0" smtClean="0"/>
+              <a:t>0.2</a:t>
+            </a:r>
+            <a:r>
+              <a:rPr kumimoji="1" lang="ja-JP" altLang="en-US" sz="3200" dirty="0" smtClean="0"/>
+              <a:t>の確率でフォローしあってネットワークを作成する物を，ランダムグラフで再現した</a:t>
+            </a:r>
+            <a:r>
+              <a:rPr kumimoji="1" lang="en-US" altLang="ja-JP" sz="3200" dirty="0" smtClean="0"/>
+              <a:t>RT</a:t>
+            </a:r>
+            <a:r>
+              <a:rPr kumimoji="1" lang="ja-JP" altLang="en-US" sz="3200" dirty="0" smtClean="0"/>
+              <a:t>の拡散シミュレーションを行う．</a:t>
+            </a:r>
+            <a:endParaRPr kumimoji="1" lang="ja-JP" altLang="en-US" sz="3200" dirty="0"/>
           </a:p>
         </p:txBody>
       </p:sp>
       <p:pic>
         <p:nvPicPr>
-          <p:cNvPr id="4" name="図 3"/>
+          <p:cNvPr id="9" name="図 8"/>
           <p:cNvPicPr>
             <a:picLocks noChangeAspect="1"/>
           </p:cNvPicPr>
@@ -4975,8 +11151,8 @@
         </p:blipFill>
         <p:spPr>
           <a:xfrm>
-            <a:off x="3296412" y="3985959"/>
-            <a:ext cx="5599176" cy="2434844"/>
+            <a:off x="3764280" y="3209280"/>
+            <a:ext cx="4760939" cy="3225239"/>
           </a:xfrm>
           <a:prstGeom prst="rect">
             <a:avLst/>
@@ -4985,14 +11161,14 @@
       </p:pic>
       <p:sp>
         <p:nvSpPr>
-          <p:cNvPr id="5" name="テキスト ボックス 4"/>
+          <p:cNvPr id="12" name="テキスト ボックス 11"/>
           <p:cNvSpPr txBox="1"/>
           <p:nvPr/>
         </p:nvSpPr>
         <p:spPr>
           <a:xfrm>
-            <a:off x="496390" y="6310682"/>
-            <a:ext cx="11199220" cy="369332"/>
+            <a:off x="4138871" y="6455253"/>
+            <a:ext cx="4706738" cy="369332"/>
           </a:xfrm>
           <a:prstGeom prst="rect">
             <a:avLst/>
@@ -5011,70 +11187,341 @@
             </a:r>
             <a:r>
               <a:rPr kumimoji="1" lang="en-US" altLang="ja-JP" dirty="0" smtClean="0"/>
-              <a:t>4:</a:t>
+              <a:t>1</a:t>
             </a:r>
             <a:r>
               <a:rPr kumimoji="1" lang="ja-JP" altLang="en-US" dirty="0" smtClean="0"/>
-              <a:t>ランダムグラフを使ったシミュレーション結果</a:t>
+              <a:t>：全体の数を</a:t>
             </a:r>
             <a:r>
               <a:rPr kumimoji="1" lang="en-US" altLang="ja-JP" dirty="0" smtClean="0"/>
-              <a:t>(n</a:t>
+              <a:t>10</a:t>
             </a:r>
             <a:r>
               <a:rPr kumimoji="1" lang="ja-JP" altLang="en-US" dirty="0" smtClean="0"/>
-              <a:t>は</a:t>
-            </a:r>
-            <a:r>
-              <a:rPr kumimoji="1" lang="en-US" altLang="ja-JP" dirty="0" smtClean="0"/>
-              <a:t>RT</a:t>
-            </a:r>
-            <a:r>
-              <a:rPr kumimoji="1" lang="ja-JP" altLang="en-US" dirty="0" smtClean="0"/>
-              <a:t>を見た人数，</a:t>
-            </a:r>
-            <a:r>
-              <a:rPr kumimoji="1" lang="en-US" altLang="ja-JP" dirty="0" smtClean="0"/>
-              <a:t>p</a:t>
-            </a:r>
-            <a:r>
-              <a:rPr kumimoji="1" lang="ja-JP" altLang="en-US" dirty="0" smtClean="0"/>
-              <a:t>はフォローする確率，</a:t>
-            </a:r>
-            <a:r>
-              <a:rPr kumimoji="1" lang="en-US" altLang="ja-JP" dirty="0" smtClean="0"/>
-              <a:t>q</a:t>
-            </a:r>
-            <a:r>
-              <a:rPr kumimoji="1" lang="ja-JP" altLang="en-US" dirty="0" smtClean="0"/>
-              <a:t>は</a:t>
-            </a:r>
-            <a:r>
-              <a:rPr kumimoji="1" lang="en-US" altLang="ja-JP" dirty="0" smtClean="0"/>
-              <a:t>RT</a:t>
-            </a:r>
-            <a:r>
-              <a:rPr kumimoji="1" lang="ja-JP" altLang="en-US" dirty="0" smtClean="0"/>
-              <a:t>する確率のグラフ</a:t>
-            </a:r>
-            <a:r>
-              <a:rPr kumimoji="1" lang="en-US" altLang="ja-JP" dirty="0" smtClean="0"/>
-              <a:t>)</a:t>
+              <a:t>人で作成したランダムグラフ</a:t>
             </a:r>
             <a:endParaRPr kumimoji="1" lang="ja-JP" altLang="en-US" dirty="0"/>
+          </a:p>
+        </p:txBody>
+      </p:sp>
+      <p:sp>
+        <p:nvSpPr>
+          <p:cNvPr id="4" name="テキスト ボックス 3"/>
+          <p:cNvSpPr txBox="1"/>
+          <p:nvPr/>
+        </p:nvSpPr>
+        <p:spPr>
+          <a:xfrm>
+            <a:off x="5964393" y="4898362"/>
+            <a:ext cx="263214" cy="276999"/>
+          </a:xfrm>
+          <a:prstGeom prst="rect">
+            <a:avLst/>
+          </a:prstGeom>
+          <a:noFill/>
+        </p:spPr>
+        <p:txBody>
+          <a:bodyPr wrap="none" rtlCol="0">
+            <a:spAutoFit/>
+          </a:bodyPr>
+          <a:lstStyle/>
+          <a:p>
+            <a:r>
+              <a:rPr kumimoji="1" lang="en-US" altLang="ja-JP" sz="1200" dirty="0" smtClean="0"/>
+              <a:t>2</a:t>
+            </a:r>
+            <a:endParaRPr kumimoji="1" lang="ja-JP" altLang="en-US" dirty="0"/>
+          </a:p>
+        </p:txBody>
+      </p:sp>
+      <p:sp>
+        <p:nvSpPr>
+          <p:cNvPr id="7" name="テキスト ボックス 6"/>
+          <p:cNvSpPr txBox="1"/>
+          <p:nvPr/>
+        </p:nvSpPr>
+        <p:spPr>
+          <a:xfrm>
+            <a:off x="6360633" y="5857292"/>
+            <a:ext cx="263214" cy="276999"/>
+          </a:xfrm>
+          <a:prstGeom prst="rect">
+            <a:avLst/>
+          </a:prstGeom>
+          <a:noFill/>
+        </p:spPr>
+        <p:txBody>
+          <a:bodyPr wrap="none" rtlCol="0">
+            <a:spAutoFit/>
+          </a:bodyPr>
+          <a:lstStyle/>
+          <a:p>
+            <a:r>
+              <a:rPr kumimoji="1" lang="en-US" altLang="ja-JP" sz="1200" dirty="0" smtClean="0"/>
+              <a:t>8</a:t>
+            </a:r>
+            <a:endParaRPr kumimoji="1" lang="ja-JP" altLang="en-US" sz="1200" dirty="0"/>
+          </a:p>
+        </p:txBody>
+      </p:sp>
+      <p:sp>
+        <p:nvSpPr>
+          <p:cNvPr id="8" name="テキスト ボックス 7"/>
+          <p:cNvSpPr txBox="1"/>
+          <p:nvPr/>
+        </p:nvSpPr>
+        <p:spPr>
+          <a:xfrm>
+            <a:off x="7390857" y="5241596"/>
+            <a:ext cx="263214" cy="276999"/>
+          </a:xfrm>
+          <a:prstGeom prst="rect">
+            <a:avLst/>
+          </a:prstGeom>
+          <a:noFill/>
+        </p:spPr>
+        <p:txBody>
+          <a:bodyPr wrap="none" rtlCol="0">
+            <a:spAutoFit/>
+          </a:bodyPr>
+          <a:lstStyle/>
+          <a:p>
+            <a:r>
+              <a:rPr kumimoji="1" lang="en-US" altLang="ja-JP" sz="1200" dirty="0" smtClean="0"/>
+              <a:t>3</a:t>
+            </a:r>
+            <a:endParaRPr kumimoji="1" lang="ja-JP" altLang="en-US" sz="1200" dirty="0"/>
+          </a:p>
+        </p:txBody>
+      </p:sp>
+      <p:sp>
+        <p:nvSpPr>
+          <p:cNvPr id="10" name="テキスト ボックス 9"/>
+          <p:cNvSpPr txBox="1"/>
+          <p:nvPr/>
+        </p:nvSpPr>
+        <p:spPr>
+          <a:xfrm>
+            <a:off x="8451561" y="4790492"/>
+            <a:ext cx="263214" cy="276999"/>
+          </a:xfrm>
+          <a:prstGeom prst="rect">
+            <a:avLst/>
+          </a:prstGeom>
+          <a:noFill/>
+        </p:spPr>
+        <p:txBody>
+          <a:bodyPr wrap="none" rtlCol="0">
+            <a:spAutoFit/>
+          </a:bodyPr>
+          <a:lstStyle/>
+          <a:p>
+            <a:r>
+              <a:rPr kumimoji="1" lang="en-US" altLang="ja-JP" sz="1200" dirty="0" smtClean="0"/>
+              <a:t>1</a:t>
+            </a:r>
+            <a:endParaRPr kumimoji="1" lang="ja-JP" altLang="en-US" sz="1200" dirty="0"/>
+          </a:p>
+        </p:txBody>
+      </p:sp>
+      <p:sp>
+        <p:nvSpPr>
+          <p:cNvPr id="11" name="テキスト ボックス 10"/>
+          <p:cNvSpPr txBox="1"/>
+          <p:nvPr/>
+        </p:nvSpPr>
+        <p:spPr>
+          <a:xfrm>
+            <a:off x="7579833" y="3906572"/>
+            <a:ext cx="341760" cy="276999"/>
+          </a:xfrm>
+          <a:prstGeom prst="rect">
+            <a:avLst/>
+          </a:prstGeom>
+          <a:noFill/>
+        </p:spPr>
+        <p:txBody>
+          <a:bodyPr wrap="none" rtlCol="0">
+            <a:spAutoFit/>
+          </a:bodyPr>
+          <a:lstStyle/>
+          <a:p>
+            <a:r>
+              <a:rPr kumimoji="1" lang="en-US" altLang="ja-JP" sz="1200" dirty="0" smtClean="0"/>
+              <a:t>10</a:t>
+            </a:r>
+            <a:endParaRPr kumimoji="1" lang="ja-JP" altLang="en-US" sz="1200" dirty="0"/>
+          </a:p>
+        </p:txBody>
+      </p:sp>
+      <p:sp>
+        <p:nvSpPr>
+          <p:cNvPr id="13" name="テキスト ボックス 12"/>
+          <p:cNvSpPr txBox="1"/>
+          <p:nvPr/>
+        </p:nvSpPr>
+        <p:spPr>
+          <a:xfrm>
+            <a:off x="5043897" y="3906572"/>
+            <a:ext cx="263214" cy="276999"/>
+          </a:xfrm>
+          <a:prstGeom prst="rect">
+            <a:avLst/>
+          </a:prstGeom>
+          <a:noFill/>
+        </p:spPr>
+        <p:txBody>
+          <a:bodyPr wrap="none" rtlCol="0">
+            <a:spAutoFit/>
+          </a:bodyPr>
+          <a:lstStyle/>
+          <a:p>
+            <a:r>
+              <a:rPr kumimoji="1" lang="en-US" altLang="ja-JP" sz="1200" dirty="0" smtClean="0"/>
+              <a:t>6</a:t>
+            </a:r>
+            <a:endParaRPr kumimoji="1" lang="ja-JP" altLang="en-US" sz="1200" dirty="0"/>
+          </a:p>
+        </p:txBody>
+      </p:sp>
+      <p:sp>
+        <p:nvSpPr>
+          <p:cNvPr id="14" name="テキスト ボックス 13"/>
+          <p:cNvSpPr txBox="1"/>
+          <p:nvPr/>
+        </p:nvSpPr>
+        <p:spPr>
+          <a:xfrm>
+            <a:off x="3644322" y="3906572"/>
+            <a:ext cx="263214" cy="276999"/>
+          </a:xfrm>
+          <a:prstGeom prst="rect">
+            <a:avLst/>
+          </a:prstGeom>
+          <a:noFill/>
+        </p:spPr>
+        <p:txBody>
+          <a:bodyPr wrap="none" rtlCol="0">
+            <a:spAutoFit/>
+          </a:bodyPr>
+          <a:lstStyle/>
+          <a:p>
+            <a:r>
+              <a:rPr kumimoji="1" lang="en-US" altLang="ja-JP" sz="1200" dirty="0" smtClean="0"/>
+              <a:t>7</a:t>
+            </a:r>
+            <a:endParaRPr kumimoji="1" lang="ja-JP" altLang="en-US" sz="1200" dirty="0"/>
+          </a:p>
+        </p:txBody>
+      </p:sp>
+      <p:sp>
+        <p:nvSpPr>
+          <p:cNvPr id="15" name="テキスト ボックス 14"/>
+          <p:cNvSpPr txBox="1"/>
+          <p:nvPr/>
+        </p:nvSpPr>
+        <p:spPr>
+          <a:xfrm>
+            <a:off x="7654071" y="2813836"/>
+            <a:ext cx="263214" cy="276999"/>
+          </a:xfrm>
+          <a:prstGeom prst="rect">
+            <a:avLst/>
+          </a:prstGeom>
+          <a:noFill/>
+        </p:spPr>
+        <p:txBody>
+          <a:bodyPr wrap="none" rtlCol="0">
+            <a:spAutoFit/>
+          </a:bodyPr>
+          <a:lstStyle/>
+          <a:p>
+            <a:r>
+              <a:rPr kumimoji="1" lang="en-US" altLang="ja-JP" sz="1200" dirty="0" smtClean="0"/>
+              <a:t>5</a:t>
+            </a:r>
+            <a:endParaRPr kumimoji="1" lang="ja-JP" altLang="en-US" sz="1200" dirty="0"/>
+          </a:p>
+        </p:txBody>
+      </p:sp>
+      <p:sp>
+        <p:nvSpPr>
+          <p:cNvPr id="16" name="テキスト ボックス 15"/>
+          <p:cNvSpPr txBox="1"/>
+          <p:nvPr/>
+        </p:nvSpPr>
+        <p:spPr>
+          <a:xfrm>
+            <a:off x="6232617" y="3644444"/>
+            <a:ext cx="263214" cy="276999"/>
+          </a:xfrm>
+          <a:prstGeom prst="rect">
+            <a:avLst/>
+          </a:prstGeom>
+          <a:noFill/>
+        </p:spPr>
+        <p:txBody>
+          <a:bodyPr wrap="none" rtlCol="0">
+            <a:spAutoFit/>
+          </a:bodyPr>
+          <a:lstStyle/>
+          <a:p>
+            <a:r>
+              <a:rPr kumimoji="1" lang="en-US" altLang="ja-JP" sz="1200" dirty="0" smtClean="0"/>
+              <a:t>4</a:t>
+            </a:r>
+            <a:endParaRPr kumimoji="1" lang="ja-JP" altLang="en-US" sz="1200" dirty="0"/>
+          </a:p>
+        </p:txBody>
+      </p:sp>
+      <p:sp>
+        <p:nvSpPr>
+          <p:cNvPr id="17" name="テキスト ボックス 16"/>
+          <p:cNvSpPr txBox="1"/>
+          <p:nvPr/>
+        </p:nvSpPr>
+        <p:spPr>
+          <a:xfrm>
+            <a:off x="6782923" y="2579649"/>
+            <a:ext cx="263214" cy="276999"/>
+          </a:xfrm>
+          <a:prstGeom prst="rect">
+            <a:avLst/>
+          </a:prstGeom>
+          <a:noFill/>
+        </p:spPr>
+        <p:txBody>
+          <a:bodyPr wrap="none" rtlCol="0">
+            <a:spAutoFit/>
+          </a:bodyPr>
+          <a:lstStyle/>
+          <a:p>
+            <a:r>
+              <a:rPr kumimoji="1" lang="en-US" altLang="ja-JP" sz="1200" dirty="0" smtClean="0"/>
+              <a:t>9</a:t>
+            </a:r>
+            <a:endParaRPr kumimoji="1" lang="ja-JP" altLang="en-US" sz="1200" dirty="0"/>
           </a:p>
         </p:txBody>
       </p:sp>
     </p:spTree>
     <p:extLst>
       <p:ext uri="{BB962C8B-B14F-4D97-AF65-F5344CB8AC3E}">
-        <p14:creationId xmlns:p14="http://schemas.microsoft.com/office/powerpoint/2010/main" val="1289263528"/>
+        <p14:creationId xmlns:p14="http://schemas.microsoft.com/office/powerpoint/2010/main" val="578100881"/>
       </p:ext>
     </p:extLst>
   </p:cSld>
   <p:clrMapOvr>
     <a:masterClrMapping/>
   </p:clrMapOvr>
+  <p:timing>
+    <p:tnLst>
+      <p:par>
+        <p:cTn id="1" dur="indefinite" restart="never" nodeType="tmRoot"/>
+      </p:par>
+    </p:tnLst>
+  </p:timing>
 </p:sld>
 </file>
 
@@ -5337,4 +11784,265 @@
     </a:ext>
   </a:extLst>
 </a:theme>
+</file>
+
+<file path=ppt/theme/theme2.xml><?xml version="1.0" encoding="utf-8"?>
+<a:theme xmlns:a="http://schemas.openxmlformats.org/drawingml/2006/main" name="Office テーマ">
+  <a:themeElements>
+    <a:clrScheme name="Office">
+      <a:dk1>
+        <a:sysClr val="windowText" lastClr="000000"/>
+      </a:dk1>
+      <a:lt1>
+        <a:sysClr val="window" lastClr="FFFFFF"/>
+      </a:lt1>
+      <a:dk2>
+        <a:srgbClr val="44546A"/>
+      </a:dk2>
+      <a:lt2>
+        <a:srgbClr val="E7E6E6"/>
+      </a:lt2>
+      <a:accent1>
+        <a:srgbClr val="5B9BD5"/>
+      </a:accent1>
+      <a:accent2>
+        <a:srgbClr val="ED7D31"/>
+      </a:accent2>
+      <a:accent3>
+        <a:srgbClr val="A5A5A5"/>
+      </a:accent3>
+      <a:accent4>
+        <a:srgbClr val="FFC000"/>
+      </a:accent4>
+      <a:accent5>
+        <a:srgbClr val="4472C4"/>
+      </a:accent5>
+      <a:accent6>
+        <a:srgbClr val="70AD47"/>
+      </a:accent6>
+      <a:hlink>
+        <a:srgbClr val="0563C1"/>
+      </a:hlink>
+      <a:folHlink>
+        <a:srgbClr val="954F72"/>
+      </a:folHlink>
+    </a:clrScheme>
+    <a:fontScheme name="Office">
+      <a:majorFont>
+        <a:latin typeface="Calibri Light" panose="020F0302020204030204"/>
+        <a:ea typeface=""/>
+        <a:cs typeface=""/>
+        <a:font script="Jpan" typeface="ＭＳ Ｐゴシック"/>
+        <a:font script="Hang" typeface="맑은 고딕"/>
+        <a:font script="Hans" typeface="宋体"/>
+        <a:font script="Hant" typeface="新細明體"/>
+        <a:font script="Arab" typeface="Times New Roman"/>
+        <a:font script="Hebr" typeface="Times New Roman"/>
+        <a:font script="Thai" typeface="Angsana New"/>
+        <a:font script="Ethi" typeface="Nyala"/>
+        <a:font script="Beng" typeface="Vrinda"/>
+        <a:font script="Gujr" typeface="Shruti"/>
+        <a:font script="Khmr" typeface="MoolBoran"/>
+        <a:font script="Knda" typeface="Tunga"/>
+        <a:font script="Guru" typeface="Raavi"/>
+        <a:font script="Cans" typeface="Euphemia"/>
+        <a:font script="Cher" typeface="Plantagenet Cherokee"/>
+        <a:font script="Yiii" typeface="Microsoft Yi Baiti"/>
+        <a:font script="Tibt" typeface="Microsoft Himalaya"/>
+        <a:font script="Thaa" typeface="MV Boli"/>
+        <a:font script="Deva" typeface="Mangal"/>
+        <a:font script="Telu" typeface="Gautami"/>
+        <a:font script="Taml" typeface="Latha"/>
+        <a:font script="Syrc" typeface="Estrangelo Edessa"/>
+        <a:font script="Orya" typeface="Kalinga"/>
+        <a:font script="Mlym" typeface="Kartika"/>
+        <a:font script="Laoo" typeface="DokChampa"/>
+        <a:font script="Sinh" typeface="Iskoola Pota"/>
+        <a:font script="Mong" typeface="Mongolian Baiti"/>
+        <a:font script="Viet" typeface="Times New Roman"/>
+        <a:font script="Uigh" typeface="Microsoft Uighur"/>
+        <a:font script="Geor" typeface="Sylfaen"/>
+      </a:majorFont>
+      <a:minorFont>
+        <a:latin typeface="Calibri" panose="020F0502020204030204"/>
+        <a:ea typeface=""/>
+        <a:cs typeface=""/>
+        <a:font script="Jpan" typeface="ＭＳ Ｐゴシック"/>
+        <a:font script="Hang" typeface="맑은 고딕"/>
+        <a:font script="Hans" typeface="宋体"/>
+        <a:font script="Hant" typeface="新細明體"/>
+        <a:font script="Arab" typeface="Arial"/>
+        <a:font script="Hebr" typeface="Arial"/>
+        <a:font script="Thai" typeface="Cordia New"/>
+        <a:font script="Ethi" typeface="Nyala"/>
+        <a:font script="Beng" typeface="Vrinda"/>
+        <a:font script="Gujr" typeface="Shruti"/>
+        <a:font script="Khmr" typeface="DaunPenh"/>
+        <a:font script="Knda" typeface="Tunga"/>
+        <a:font script="Guru" typeface="Raavi"/>
+        <a:font script="Cans" typeface="Euphemia"/>
+        <a:font script="Cher" typeface="Plantagenet Cherokee"/>
+        <a:font script="Yiii" typeface="Microsoft Yi Baiti"/>
+        <a:font script="Tibt" typeface="Microsoft Himalaya"/>
+        <a:font script="Thaa" typeface="MV Boli"/>
+        <a:font script="Deva" typeface="Mangal"/>
+        <a:font script="Telu" typeface="Gautami"/>
+        <a:font script="Taml" typeface="Latha"/>
+        <a:font script="Syrc" typeface="Estrangelo Edessa"/>
+        <a:font script="Orya" typeface="Kalinga"/>
+        <a:font script="Mlym" typeface="Kartika"/>
+        <a:font script="Laoo" typeface="DokChampa"/>
+        <a:font script="Sinh" typeface="Iskoola Pota"/>
+        <a:font script="Mong" typeface="Mongolian Baiti"/>
+        <a:font script="Viet" typeface="Arial"/>
+        <a:font script="Uigh" typeface="Microsoft Uighur"/>
+        <a:font script="Geor" typeface="Sylfaen"/>
+      </a:minorFont>
+    </a:fontScheme>
+    <a:fmtScheme name="Office">
+      <a:fillStyleLst>
+        <a:solidFill>
+          <a:schemeClr val="phClr"/>
+        </a:solidFill>
+        <a:gradFill rotWithShape="1">
+          <a:gsLst>
+            <a:gs pos="0">
+              <a:schemeClr val="phClr">
+                <a:lumMod val="110000"/>
+                <a:satMod val="105000"/>
+                <a:tint val="67000"/>
+              </a:schemeClr>
+            </a:gs>
+            <a:gs pos="50000">
+              <a:schemeClr val="phClr">
+                <a:lumMod val="105000"/>
+                <a:satMod val="103000"/>
+                <a:tint val="73000"/>
+              </a:schemeClr>
+            </a:gs>
+            <a:gs pos="100000">
+              <a:schemeClr val="phClr">
+                <a:lumMod val="105000"/>
+                <a:satMod val="109000"/>
+                <a:tint val="81000"/>
+              </a:schemeClr>
+            </a:gs>
+          </a:gsLst>
+          <a:lin ang="5400000" scaled="0"/>
+        </a:gradFill>
+        <a:gradFill rotWithShape="1">
+          <a:gsLst>
+            <a:gs pos="0">
+              <a:schemeClr val="phClr">
+                <a:satMod val="103000"/>
+                <a:lumMod val="102000"/>
+                <a:tint val="94000"/>
+              </a:schemeClr>
+            </a:gs>
+            <a:gs pos="50000">
+              <a:schemeClr val="phClr">
+                <a:satMod val="110000"/>
+                <a:lumMod val="100000"/>
+                <a:shade val="100000"/>
+              </a:schemeClr>
+            </a:gs>
+            <a:gs pos="100000">
+              <a:schemeClr val="phClr">
+                <a:lumMod val="99000"/>
+                <a:satMod val="120000"/>
+                <a:shade val="78000"/>
+              </a:schemeClr>
+            </a:gs>
+          </a:gsLst>
+          <a:lin ang="5400000" scaled="0"/>
+        </a:gradFill>
+      </a:fillStyleLst>
+      <a:lnStyleLst>
+        <a:ln w="6350" cap="flat" cmpd="sng" algn="ctr">
+          <a:solidFill>
+            <a:schemeClr val="phClr"/>
+          </a:solidFill>
+          <a:prstDash val="solid"/>
+          <a:miter lim="800000"/>
+        </a:ln>
+        <a:ln w="12700" cap="flat" cmpd="sng" algn="ctr">
+          <a:solidFill>
+            <a:schemeClr val="phClr"/>
+          </a:solidFill>
+          <a:prstDash val="solid"/>
+          <a:miter lim="800000"/>
+        </a:ln>
+        <a:ln w="19050" cap="flat" cmpd="sng" algn="ctr">
+          <a:solidFill>
+            <a:schemeClr val="phClr"/>
+          </a:solidFill>
+          <a:prstDash val="solid"/>
+          <a:miter lim="800000"/>
+        </a:ln>
+      </a:lnStyleLst>
+      <a:effectStyleLst>
+        <a:effectStyle>
+          <a:effectLst/>
+        </a:effectStyle>
+        <a:effectStyle>
+          <a:effectLst/>
+        </a:effectStyle>
+        <a:effectStyle>
+          <a:effectLst>
+            <a:outerShdw blurRad="57150" dist="19050" dir="5400000" algn="ctr" rotWithShape="0">
+              <a:srgbClr val="000000">
+                <a:alpha val="63000"/>
+              </a:srgbClr>
+            </a:outerShdw>
+          </a:effectLst>
+        </a:effectStyle>
+      </a:effectStyleLst>
+      <a:bgFillStyleLst>
+        <a:solidFill>
+          <a:schemeClr val="phClr"/>
+        </a:solidFill>
+        <a:solidFill>
+          <a:schemeClr val="phClr">
+            <a:tint val="95000"/>
+            <a:satMod val="170000"/>
+          </a:schemeClr>
+        </a:solidFill>
+        <a:gradFill rotWithShape="1">
+          <a:gsLst>
+            <a:gs pos="0">
+              <a:schemeClr val="phClr">
+                <a:tint val="93000"/>
+                <a:satMod val="150000"/>
+                <a:shade val="98000"/>
+                <a:lumMod val="102000"/>
+              </a:schemeClr>
+            </a:gs>
+            <a:gs pos="50000">
+              <a:schemeClr val="phClr">
+                <a:tint val="98000"/>
+                <a:satMod val="130000"/>
+                <a:shade val="90000"/>
+                <a:lumMod val="103000"/>
+              </a:schemeClr>
+            </a:gs>
+            <a:gs pos="100000">
+              <a:schemeClr val="phClr">
+                <a:shade val="63000"/>
+                <a:satMod val="120000"/>
+              </a:schemeClr>
+            </a:gs>
+          </a:gsLst>
+          <a:lin ang="5400000" scaled="0"/>
+        </a:gradFill>
+      </a:bgFillStyleLst>
+    </a:fmtScheme>
+  </a:themeElements>
+  <a:objectDefaults/>
+  <a:extraClrSchemeLst/>
+  <a:extLst>
+    <a:ext uri="{05A4C25C-085E-4340-85A3-A5531E510DB2}">
+      <thm15:themeFamily xmlns:thm15="http://schemas.microsoft.com/office/thememl/2012/main" name="Office Theme" id="{62F939B6-93AF-4DB8-9C6B-D6C7DFDC589F}" vid="{4A3C46E8-61CC-4603-A589-7422A47A8E4A}"/>
+    </a:ext>
+  </a:extLst>
+</a:theme>
 </file>